--- a/불교/[암기장]  1 불교 20220623목.pptx
+++ b/불교/[암기장]  1 불교 20220623목.pptx
@@ -14,12 +14,15 @@
     <p:sldId id="260" r:id="rId8"/>
     <p:sldId id="266" r:id="rId9"/>
     <p:sldId id="267" r:id="rId10"/>
-    <p:sldId id="258" r:id="rId11"/>
-    <p:sldId id="268" r:id="rId12"/>
+    <p:sldId id="268" r:id="rId11"/>
+    <p:sldId id="258" r:id="rId12"/>
     <p:sldId id="259" r:id="rId13"/>
     <p:sldId id="269" r:id="rId14"/>
     <p:sldId id="262" r:id="rId15"/>
-    <p:sldId id="271" r:id="rId16"/>
+    <p:sldId id="273" r:id="rId16"/>
+    <p:sldId id="271" r:id="rId17"/>
+    <p:sldId id="274" r:id="rId18"/>
+    <p:sldId id="275" r:id="rId19"/>
   </p:sldIdLst>
   <p:sldSz cx="6858000" cy="9906000" type="A4"/>
   <p:notesSz cx="7104063" cy="10234613"/>
@@ -278,7 +281,7 @@
           <a:p>
             <a:fld id="{C93A7EF4-D5C1-4649-8A60-AD5557F2BE22}" type="datetimeFigureOut">
               <a:rPr lang="ko-KR" altLang="en-US" smtClean="0"/>
-              <a:t>2022-07-18</a:t>
+              <a:t>2022-07-22</a:t>
             </a:fld>
             <a:endParaRPr lang="ko-KR" altLang="en-US"/>
           </a:p>
@@ -448,7 +451,7 @@
           <a:p>
             <a:fld id="{C93A7EF4-D5C1-4649-8A60-AD5557F2BE22}" type="datetimeFigureOut">
               <a:rPr lang="ko-KR" altLang="en-US" smtClean="0"/>
-              <a:t>2022-07-18</a:t>
+              <a:t>2022-07-22</a:t>
             </a:fld>
             <a:endParaRPr lang="ko-KR" altLang="en-US"/>
           </a:p>
@@ -628,7 +631,7 @@
           <a:p>
             <a:fld id="{C93A7EF4-D5C1-4649-8A60-AD5557F2BE22}" type="datetimeFigureOut">
               <a:rPr lang="ko-KR" altLang="en-US" smtClean="0"/>
-              <a:t>2022-07-18</a:t>
+              <a:t>2022-07-22</a:t>
             </a:fld>
             <a:endParaRPr lang="ko-KR" altLang="en-US"/>
           </a:p>
@@ -798,7 +801,7 @@
           <a:p>
             <a:fld id="{C93A7EF4-D5C1-4649-8A60-AD5557F2BE22}" type="datetimeFigureOut">
               <a:rPr lang="ko-KR" altLang="en-US" smtClean="0"/>
-              <a:t>2022-07-18</a:t>
+              <a:t>2022-07-22</a:t>
             </a:fld>
             <a:endParaRPr lang="ko-KR" altLang="en-US"/>
           </a:p>
@@ -1042,7 +1045,7 @@
           <a:p>
             <a:fld id="{C93A7EF4-D5C1-4649-8A60-AD5557F2BE22}" type="datetimeFigureOut">
               <a:rPr lang="ko-KR" altLang="en-US" smtClean="0"/>
-              <a:t>2022-07-18</a:t>
+              <a:t>2022-07-22</a:t>
             </a:fld>
             <a:endParaRPr lang="ko-KR" altLang="en-US"/>
           </a:p>
@@ -1274,7 +1277,7 @@
           <a:p>
             <a:fld id="{C93A7EF4-D5C1-4649-8A60-AD5557F2BE22}" type="datetimeFigureOut">
               <a:rPr lang="ko-KR" altLang="en-US" smtClean="0"/>
-              <a:t>2022-07-18</a:t>
+              <a:t>2022-07-22</a:t>
             </a:fld>
             <a:endParaRPr lang="ko-KR" altLang="en-US"/>
           </a:p>
@@ -1641,7 +1644,7 @@
           <a:p>
             <a:fld id="{C93A7EF4-D5C1-4649-8A60-AD5557F2BE22}" type="datetimeFigureOut">
               <a:rPr lang="ko-KR" altLang="en-US" smtClean="0"/>
-              <a:t>2022-07-18</a:t>
+              <a:t>2022-07-22</a:t>
             </a:fld>
             <a:endParaRPr lang="ko-KR" altLang="en-US"/>
           </a:p>
@@ -1759,7 +1762,7 @@
           <a:p>
             <a:fld id="{C93A7EF4-D5C1-4649-8A60-AD5557F2BE22}" type="datetimeFigureOut">
               <a:rPr lang="ko-KR" altLang="en-US" smtClean="0"/>
-              <a:t>2022-07-18</a:t>
+              <a:t>2022-07-22</a:t>
             </a:fld>
             <a:endParaRPr lang="ko-KR" altLang="en-US"/>
           </a:p>
@@ -1854,7 +1857,7 @@
           <a:p>
             <a:fld id="{C93A7EF4-D5C1-4649-8A60-AD5557F2BE22}" type="datetimeFigureOut">
               <a:rPr lang="ko-KR" altLang="en-US" smtClean="0"/>
-              <a:t>2022-07-18</a:t>
+              <a:t>2022-07-22</a:t>
             </a:fld>
             <a:endParaRPr lang="ko-KR" altLang="en-US"/>
           </a:p>
@@ -2131,7 +2134,7 @@
           <a:p>
             <a:fld id="{C93A7EF4-D5C1-4649-8A60-AD5557F2BE22}" type="datetimeFigureOut">
               <a:rPr lang="ko-KR" altLang="en-US" smtClean="0"/>
-              <a:t>2022-07-18</a:t>
+              <a:t>2022-07-22</a:t>
             </a:fld>
             <a:endParaRPr lang="ko-KR" altLang="en-US"/>
           </a:p>
@@ -2388,7 +2391,7 @@
           <a:p>
             <a:fld id="{C93A7EF4-D5C1-4649-8A60-AD5557F2BE22}" type="datetimeFigureOut">
               <a:rPr lang="ko-KR" altLang="en-US" smtClean="0"/>
-              <a:t>2022-07-18</a:t>
+              <a:t>2022-07-22</a:t>
             </a:fld>
             <a:endParaRPr lang="ko-KR" altLang="en-US"/>
           </a:p>
@@ -2601,7 +2604,7 @@
           <a:p>
             <a:fld id="{C93A7EF4-D5C1-4649-8A60-AD5557F2BE22}" type="datetimeFigureOut">
               <a:rPr lang="ko-KR" altLang="en-US" smtClean="0"/>
-              <a:t>2022-07-18</a:t>
+              <a:t>2022-07-22</a:t>
             </a:fld>
             <a:endParaRPr lang="ko-KR" altLang="en-US"/>
           </a:p>
@@ -3413,13 +3416,6 @@
                 <a:spcPct val="100000"/>
               </a:lnSpc>
             </a:pPr>
-            <a:r>
-              <a:rPr lang="en-US" altLang="ko-KR" sz="4800" dirty="0">
-                <a:latin typeface="궁서" panose="02030600000101010101" pitchFamily="18" charset="-127"/>
-                <a:ea typeface="궁서" panose="02030600000101010101" pitchFamily="18" charset="-127"/>
-              </a:rPr>
-              <a:t/>
-            </a:r>
             <a:br>
               <a:rPr lang="en-US" altLang="ko-KR" sz="4800" dirty="0">
                 <a:latin typeface="궁서" panose="02030600000101010101" pitchFamily="18" charset="-127"/>
@@ -3440,13 +3436,6 @@
               </a:rPr>
               <a:t>제악막작</a:t>
             </a:r>
-            <a:r>
-              <a:rPr lang="en-US" altLang="ko-KR" sz="4800" dirty="0">
-                <a:latin typeface="궁서" panose="02030600000101010101" pitchFamily="18" charset="-127"/>
-                <a:ea typeface="궁서" panose="02030600000101010101" pitchFamily="18" charset="-127"/>
-              </a:rPr>
-              <a:t/>
-            </a:r>
             <a:br>
               <a:rPr lang="en-US" altLang="ko-KR" sz="4800" dirty="0">
                 <a:latin typeface="궁서" panose="02030600000101010101" pitchFamily="18" charset="-127"/>
@@ -3467,13 +3456,6 @@
               </a:rPr>
               <a:t>중선봉행</a:t>
             </a:r>
-            <a:r>
-              <a:rPr lang="en-US" altLang="ko-KR" sz="4800" dirty="0">
-                <a:latin typeface="궁서" panose="02030600000101010101" pitchFamily="18" charset="-127"/>
-                <a:ea typeface="궁서" panose="02030600000101010101" pitchFamily="18" charset="-127"/>
-              </a:rPr>
-              <a:t/>
-            </a:r>
             <a:br>
               <a:rPr lang="en-US" altLang="ko-KR" sz="4800" dirty="0">
                 <a:latin typeface="궁서" panose="02030600000101010101" pitchFamily="18" charset="-127"/>
@@ -3493,13 +3475,6 @@
                 <a:ea typeface="궁서" panose="02030600000101010101" pitchFamily="18" charset="-127"/>
               </a:rPr>
               <a:t>자정기의</a:t>
-            </a:r>
-            <a:r>
-              <a:rPr lang="en-US" altLang="ko-KR" sz="4800" dirty="0">
-                <a:latin typeface="궁서" panose="02030600000101010101" pitchFamily="18" charset="-127"/>
-                <a:ea typeface="궁서" panose="02030600000101010101" pitchFamily="18" charset="-127"/>
-              </a:rPr>
-              <a:t/>
             </a:r>
             <a:br>
               <a:rPr lang="en-US" altLang="ko-KR" sz="4800" dirty="0">
@@ -3542,6 +3517,74 @@
 </file>
 
 <file path=ppt/slides/slide10.xml><?xml version="1.0" encoding="utf-8"?>
+<p:sld xmlns:a="http://schemas.openxmlformats.org/drawingml/2006/main" xmlns:r="http://schemas.openxmlformats.org/officeDocument/2006/relationships" xmlns:p="http://schemas.openxmlformats.org/presentationml/2006/main">
+  <p:cSld>
+    <p:spTree>
+      <p:nvGrpSpPr>
+        <p:cNvPr id="1" name=""/>
+        <p:cNvGrpSpPr/>
+        <p:nvPr/>
+      </p:nvGrpSpPr>
+      <p:grpSpPr>
+        <a:xfrm>
+          <a:off x="0" y="0"/>
+          <a:ext cx="0" cy="0"/>
+          <a:chOff x="0" y="0"/>
+          <a:chExt cx="0" cy="0"/>
+        </a:xfrm>
+      </p:grpSpPr>
+      <p:sp>
+        <p:nvSpPr>
+          <p:cNvPr id="2" name="제목 1"/>
+          <p:cNvSpPr>
+            <a:spLocks noGrp="1"/>
+          </p:cNvSpPr>
+          <p:nvPr>
+            <p:ph type="title"/>
+          </p:nvPr>
+        </p:nvSpPr>
+        <p:spPr/>
+        <p:txBody>
+          <a:bodyPr/>
+          <a:lstStyle/>
+          <a:p>
+            <a:endParaRPr lang="ko-KR" altLang="en-US"/>
+          </a:p>
+        </p:txBody>
+      </p:sp>
+      <p:sp>
+        <p:nvSpPr>
+          <p:cNvPr id="3" name="내용 개체 틀 2"/>
+          <p:cNvSpPr>
+            <a:spLocks noGrp="1"/>
+          </p:cNvSpPr>
+          <p:nvPr>
+            <p:ph idx="1"/>
+          </p:nvPr>
+        </p:nvSpPr>
+        <p:spPr/>
+        <p:txBody>
+          <a:bodyPr/>
+          <a:lstStyle/>
+          <a:p>
+            <a:endParaRPr lang="ko-KR" altLang="en-US"/>
+          </a:p>
+        </p:txBody>
+      </p:sp>
+    </p:spTree>
+    <p:extLst>
+      <p:ext uri="{BB962C8B-B14F-4D97-AF65-F5344CB8AC3E}">
+        <p14:creationId xmlns:p14="http://schemas.microsoft.com/office/powerpoint/2010/main" val="3497800340"/>
+      </p:ext>
+    </p:extLst>
+  </p:cSld>
+  <p:clrMapOvr>
+    <a:masterClrMapping/>
+  </p:clrMapOvr>
+</p:sld>
+</file>
+
+<file path=ppt/slides/slide11.xml><?xml version="1.0" encoding="utf-8"?>
 <p:sld xmlns:a="http://schemas.openxmlformats.org/drawingml/2006/main" xmlns:r="http://schemas.openxmlformats.org/officeDocument/2006/relationships" xmlns:p="http://schemas.openxmlformats.org/presentationml/2006/main">
   <p:cSld>
     <p:bg>
@@ -3618,74 +3661,6 @@
     <p:extLst>
       <p:ext uri="{BB962C8B-B14F-4D97-AF65-F5344CB8AC3E}">
         <p14:creationId xmlns:p14="http://schemas.microsoft.com/office/powerpoint/2010/main" val="3217887821"/>
-      </p:ext>
-    </p:extLst>
-  </p:cSld>
-  <p:clrMapOvr>
-    <a:masterClrMapping/>
-  </p:clrMapOvr>
-</p:sld>
-</file>
-
-<file path=ppt/slides/slide11.xml><?xml version="1.0" encoding="utf-8"?>
-<p:sld xmlns:a="http://schemas.openxmlformats.org/drawingml/2006/main" xmlns:r="http://schemas.openxmlformats.org/officeDocument/2006/relationships" xmlns:p="http://schemas.openxmlformats.org/presentationml/2006/main">
-  <p:cSld>
-    <p:spTree>
-      <p:nvGrpSpPr>
-        <p:cNvPr id="1" name=""/>
-        <p:cNvGrpSpPr/>
-        <p:nvPr/>
-      </p:nvGrpSpPr>
-      <p:grpSpPr>
-        <a:xfrm>
-          <a:off x="0" y="0"/>
-          <a:ext cx="0" cy="0"/>
-          <a:chOff x="0" y="0"/>
-          <a:chExt cx="0" cy="0"/>
-        </a:xfrm>
-      </p:grpSpPr>
-      <p:sp>
-        <p:nvSpPr>
-          <p:cNvPr id="2" name="제목 1"/>
-          <p:cNvSpPr>
-            <a:spLocks noGrp="1"/>
-          </p:cNvSpPr>
-          <p:nvPr>
-            <p:ph type="title"/>
-          </p:nvPr>
-        </p:nvSpPr>
-        <p:spPr/>
-        <p:txBody>
-          <a:bodyPr/>
-          <a:lstStyle/>
-          <a:p>
-            <a:endParaRPr lang="ko-KR" altLang="en-US"/>
-          </a:p>
-        </p:txBody>
-      </p:sp>
-      <p:sp>
-        <p:nvSpPr>
-          <p:cNvPr id="3" name="내용 개체 틀 2"/>
-          <p:cNvSpPr>
-            <a:spLocks noGrp="1"/>
-          </p:cNvSpPr>
-          <p:nvPr>
-            <p:ph idx="1"/>
-          </p:nvPr>
-        </p:nvSpPr>
-        <p:spPr/>
-        <p:txBody>
-          <a:bodyPr/>
-          <a:lstStyle/>
-          <a:p>
-            <a:endParaRPr lang="ko-KR" altLang="en-US"/>
-          </a:p>
-        </p:txBody>
-      </p:sp>
-    </p:spTree>
-    <p:extLst>
-      <p:ext uri="{BB962C8B-B14F-4D97-AF65-F5344CB8AC3E}">
-        <p14:creationId xmlns:p14="http://schemas.microsoft.com/office/powerpoint/2010/main" val="3497800340"/>
       </p:ext>
     </p:extLst>
   </p:cSld>
@@ -3869,29 +3844,41 @@
         </p:nvSpPr>
         <p:spPr>
           <a:xfrm>
-            <a:off x="201362" y="803033"/>
-            <a:ext cx="3227638" cy="917697"/>
+            <a:off x="201361" y="803033"/>
+            <a:ext cx="6038073" cy="917697"/>
           </a:xfrm>
         </p:spPr>
         <p:txBody>
           <a:bodyPr>
-            <a:normAutofit/>
+            <a:normAutofit fontScale="90000"/>
           </a:bodyPr>
           <a:lstStyle/>
           <a:p>
             <a:r>
-              <a:rPr lang="en-US" altLang="ko-KR" sz="4800" dirty="0"/>
+              <a:rPr lang="en-US" altLang="ko-KR" sz="6600" dirty="0">
+                <a:latin typeface="HY견명조" panose="02030600000101010101" pitchFamily="18" charset="-127"/>
+                <a:ea typeface="HY견명조" panose="02030600000101010101" pitchFamily="18" charset="-127"/>
+              </a:rPr>
               <a:t>5</a:t>
             </a:r>
             <a:r>
-              <a:rPr lang="ko-KR" altLang="en-US" sz="4800" dirty="0"/>
+              <a:rPr lang="ko-KR" altLang="en-US" sz="6600" dirty="0">
+                <a:latin typeface="HY견명조" panose="02030600000101010101" pitchFamily="18" charset="-127"/>
+                <a:ea typeface="HY견명조" panose="02030600000101010101" pitchFamily="18" charset="-127"/>
+              </a:rPr>
               <a:t>부 </a:t>
             </a:r>
             <a:r>
-              <a:rPr lang="ko-KR" altLang="en-US" sz="4800" dirty="0" err="1"/>
+              <a:rPr lang="ko-KR" altLang="en-US" sz="6600" dirty="0" err="1">
+                <a:latin typeface="HY견명조" panose="02030600000101010101" pitchFamily="18" charset="-127"/>
+                <a:ea typeface="HY견명조" panose="02030600000101010101" pitchFamily="18" charset="-127"/>
+              </a:rPr>
               <a:t>니까야</a:t>
             </a:r>
-            <a:endParaRPr lang="ko-KR" altLang="en-US" sz="4800" dirty="0"/>
+            <a:endParaRPr lang="ko-KR" altLang="en-US" sz="6600" dirty="0">
+              <a:latin typeface="HY견명조" panose="02030600000101010101" pitchFamily="18" charset="-127"/>
+              <a:ea typeface="HY견명조" panose="02030600000101010101" pitchFamily="18" charset="-127"/>
+            </a:endParaRPr>
           </a:p>
         </p:txBody>
       </p:sp>
@@ -4348,16 +4335,12 @@
           <a:p>
             <a:pPr algn="ctr"/>
             <a:r>
-              <a:rPr lang="ko-KR" altLang="en-US" sz="5400" dirty="0" smtClean="0">
+              <a:rPr lang="ko-KR" altLang="en-US" sz="5400" dirty="0">
                 <a:latin typeface="HY견명조" panose="02030600000101010101" pitchFamily="18" charset="-127"/>
                 <a:ea typeface="HY견명조" panose="02030600000101010101" pitchFamily="18" charset="-127"/>
               </a:rPr>
               <a:t>사성제</a:t>
             </a:r>
-            <a:endParaRPr lang="ko-KR" altLang="en-US" sz="5400" dirty="0">
-              <a:latin typeface="HY견명조" panose="02030600000101010101" pitchFamily="18" charset="-127"/>
-              <a:ea typeface="HY견명조" panose="02030600000101010101" pitchFamily="18" charset="-127"/>
-            </a:endParaRPr>
           </a:p>
         </p:txBody>
       </p:sp>
@@ -4379,6 +4362,357 @@
         </p:nvSpPr>
         <p:spPr>
           <a:xfrm>
+            <a:off x="471488" y="1657350"/>
+            <a:ext cx="5915025" cy="4192411"/>
+          </a:xfrm>
+        </p:spPr>
+        <p:txBody>
+          <a:bodyPr>
+            <a:noAutofit/>
+          </a:bodyPr>
+          <a:lstStyle/>
+          <a:p>
+            <a:pPr marL="0" indent="0">
+              <a:lnSpc>
+                <a:spcPct val="150000"/>
+              </a:lnSpc>
+              <a:buNone/>
+            </a:pPr>
+            <a:r>
+              <a:rPr lang="en-US" altLang="ko-KR" sz="3200" b="0" i="0" dirty="0">
+                <a:solidFill>
+                  <a:srgbClr val="000000"/>
+                </a:solidFill>
+                <a:effectLst/>
+                <a:latin typeface="HY견명조" panose="02030600000101010101" pitchFamily="18" charset="-127"/>
+                <a:ea typeface="HY견명조" panose="02030600000101010101" pitchFamily="18" charset="-127"/>
+              </a:rPr>
+              <a:t>1. </a:t>
+            </a:r>
+            <a:r>
+              <a:rPr lang="ko-KR" altLang="en-US" sz="3200" b="0" i="0" dirty="0">
+                <a:solidFill>
+                  <a:srgbClr val="000000"/>
+                </a:solidFill>
+                <a:effectLst/>
+                <a:latin typeface="HY견명조" panose="02030600000101010101" pitchFamily="18" charset="-127"/>
+                <a:ea typeface="HY견명조" panose="02030600000101010101" pitchFamily="18" charset="-127"/>
+              </a:rPr>
+              <a:t>고성제</a:t>
+            </a:r>
+            <a:br>
+              <a:rPr lang="en-US" altLang="ko-KR" sz="3200" b="0" i="0" dirty="0">
+                <a:solidFill>
+                  <a:srgbClr val="000000"/>
+                </a:solidFill>
+                <a:effectLst/>
+                <a:latin typeface="HY견명조" panose="02030600000101010101" pitchFamily="18" charset="-127"/>
+                <a:ea typeface="HY견명조" panose="02030600000101010101" pitchFamily="18" charset="-127"/>
+              </a:rPr>
+            </a:br>
+            <a:r>
+              <a:rPr lang="ko-KR" altLang="en-US" sz="3200" b="0" i="0" dirty="0">
+                <a:solidFill>
+                  <a:srgbClr val="000000"/>
+                </a:solidFill>
+                <a:effectLst/>
+                <a:latin typeface="HY견명조" panose="02030600000101010101" pitchFamily="18" charset="-127"/>
+                <a:ea typeface="HY견명조" panose="02030600000101010101" pitchFamily="18" charset="-127"/>
+              </a:rPr>
+              <a:t>괴로움의 진리에 관한 </a:t>
+            </a:r>
+            <a:r>
+              <a:rPr lang="ko-KR" altLang="en-US" sz="3200" dirty="0">
+                <a:solidFill>
+                  <a:srgbClr val="000000"/>
+                </a:solidFill>
+                <a:latin typeface="HY견명조" panose="02030600000101010101" pitchFamily="18" charset="-127"/>
+                <a:ea typeface="HY견명조" panose="02030600000101010101" pitchFamily="18" charset="-127"/>
+              </a:rPr>
+              <a:t>생각</a:t>
+            </a:r>
+            <a:endParaRPr lang="en-US" altLang="ko-KR" sz="3200" dirty="0">
+              <a:solidFill>
+                <a:srgbClr val="000000"/>
+              </a:solidFill>
+              <a:latin typeface="HY견명조" panose="02030600000101010101" pitchFamily="18" charset="-127"/>
+              <a:ea typeface="HY견명조" panose="02030600000101010101" pitchFamily="18" charset="-127"/>
+            </a:endParaRPr>
+          </a:p>
+          <a:p>
+            <a:pPr marL="0" indent="0">
+              <a:lnSpc>
+                <a:spcPct val="150000"/>
+              </a:lnSpc>
+              <a:buNone/>
+            </a:pPr>
+            <a:r>
+              <a:rPr lang="en-US" altLang="ko-KR" sz="3200" dirty="0">
+                <a:solidFill>
+                  <a:srgbClr val="000000"/>
+                </a:solidFill>
+                <a:latin typeface="HY견명조" panose="02030600000101010101" pitchFamily="18" charset="-127"/>
+                <a:ea typeface="HY견명조" panose="02030600000101010101" pitchFamily="18" charset="-127"/>
+              </a:rPr>
+              <a:t>2. </a:t>
+            </a:r>
+            <a:r>
+              <a:rPr lang="ko-KR" altLang="en-US" sz="3200" dirty="0" err="1">
+                <a:solidFill>
+                  <a:srgbClr val="000000"/>
+                </a:solidFill>
+                <a:latin typeface="HY견명조" panose="02030600000101010101" pitchFamily="18" charset="-127"/>
+                <a:ea typeface="HY견명조" panose="02030600000101010101" pitchFamily="18" charset="-127"/>
+              </a:rPr>
+              <a:t>집성제</a:t>
+            </a:r>
+            <a:br>
+              <a:rPr lang="en-US" altLang="ko-KR" sz="3200" dirty="0">
+                <a:solidFill>
+                  <a:srgbClr val="000000"/>
+                </a:solidFill>
+                <a:latin typeface="HY견명조" panose="02030600000101010101" pitchFamily="18" charset="-127"/>
+                <a:ea typeface="HY견명조" panose="02030600000101010101" pitchFamily="18" charset="-127"/>
+              </a:rPr>
+            </a:br>
+            <a:r>
+              <a:rPr lang="ko-KR" altLang="en-US" sz="3200" dirty="0">
+                <a:solidFill>
+                  <a:srgbClr val="000000"/>
+                </a:solidFill>
+                <a:latin typeface="HY견명조" panose="02030600000101010101" pitchFamily="18" charset="-127"/>
+                <a:ea typeface="HY견명조" panose="02030600000101010101" pitchFamily="18" charset="-127"/>
+              </a:rPr>
+              <a:t>괴로움의 일어남의 진리에 관한 생각</a:t>
+            </a:r>
+            <a:endParaRPr lang="en-US" altLang="ko-KR" sz="3200" dirty="0">
+              <a:solidFill>
+                <a:srgbClr val="000000"/>
+              </a:solidFill>
+              <a:latin typeface="HY견명조" panose="02030600000101010101" pitchFamily="18" charset="-127"/>
+              <a:ea typeface="HY견명조" panose="02030600000101010101" pitchFamily="18" charset="-127"/>
+            </a:endParaRPr>
+          </a:p>
+          <a:p>
+            <a:pPr marL="0" indent="0">
+              <a:lnSpc>
+                <a:spcPct val="150000"/>
+              </a:lnSpc>
+              <a:buNone/>
+            </a:pPr>
+            <a:r>
+              <a:rPr lang="en-US" altLang="ko-KR" sz="3200" dirty="0">
+                <a:solidFill>
+                  <a:srgbClr val="000000"/>
+                </a:solidFill>
+                <a:latin typeface="HY견명조" panose="02030600000101010101" pitchFamily="18" charset="-127"/>
+                <a:ea typeface="HY견명조" panose="02030600000101010101" pitchFamily="18" charset="-127"/>
+              </a:rPr>
+              <a:t>3. </a:t>
+            </a:r>
+            <a:r>
+              <a:rPr lang="ko-KR" altLang="en-US" sz="3200" dirty="0" err="1">
+                <a:solidFill>
+                  <a:srgbClr val="000000"/>
+                </a:solidFill>
+                <a:latin typeface="HY견명조" panose="02030600000101010101" pitchFamily="18" charset="-127"/>
+                <a:ea typeface="HY견명조" panose="02030600000101010101" pitchFamily="18" charset="-127"/>
+              </a:rPr>
+              <a:t>멸성제</a:t>
+            </a:r>
+            <a:br>
+              <a:rPr lang="en-US" altLang="ko-KR" sz="3200" dirty="0">
+                <a:solidFill>
+                  <a:srgbClr val="000000"/>
+                </a:solidFill>
+                <a:latin typeface="HY견명조" panose="02030600000101010101" pitchFamily="18" charset="-127"/>
+                <a:ea typeface="HY견명조" panose="02030600000101010101" pitchFamily="18" charset="-127"/>
+              </a:rPr>
+            </a:br>
+            <a:r>
+              <a:rPr lang="ko-KR" altLang="en-US" sz="3200" dirty="0">
+                <a:solidFill>
+                  <a:srgbClr val="000000"/>
+                </a:solidFill>
+                <a:latin typeface="HY견명조" panose="02030600000101010101" pitchFamily="18" charset="-127"/>
+                <a:ea typeface="HY견명조" panose="02030600000101010101" pitchFamily="18" charset="-127"/>
+              </a:rPr>
+              <a:t>괴로움의 소멸에 관한 생각</a:t>
+            </a:r>
+            <a:endParaRPr lang="en-US" altLang="ko-KR" sz="3200" dirty="0">
+              <a:solidFill>
+                <a:srgbClr val="000000"/>
+              </a:solidFill>
+              <a:latin typeface="HY견명조" panose="02030600000101010101" pitchFamily="18" charset="-127"/>
+              <a:ea typeface="HY견명조" panose="02030600000101010101" pitchFamily="18" charset="-127"/>
+            </a:endParaRPr>
+          </a:p>
+          <a:p>
+            <a:pPr marL="0" indent="0">
+              <a:lnSpc>
+                <a:spcPct val="150000"/>
+              </a:lnSpc>
+              <a:buNone/>
+            </a:pPr>
+            <a:r>
+              <a:rPr lang="en-US" altLang="ko-KR" sz="3200" b="0" i="0" dirty="0">
+                <a:solidFill>
+                  <a:srgbClr val="000000"/>
+                </a:solidFill>
+                <a:effectLst/>
+                <a:latin typeface="HY견명조" panose="02030600000101010101" pitchFamily="18" charset="-127"/>
+                <a:ea typeface="HY견명조" panose="02030600000101010101" pitchFamily="18" charset="-127"/>
+              </a:rPr>
+              <a:t>4. </a:t>
+            </a:r>
+            <a:r>
+              <a:rPr lang="ko-KR" altLang="en-US" sz="3200" b="0" i="0" dirty="0" err="1">
+                <a:solidFill>
+                  <a:srgbClr val="000000"/>
+                </a:solidFill>
+                <a:effectLst/>
+                <a:latin typeface="HY견명조" panose="02030600000101010101" pitchFamily="18" charset="-127"/>
+                <a:ea typeface="HY견명조" panose="02030600000101010101" pitchFamily="18" charset="-127"/>
+              </a:rPr>
+              <a:t>도성제</a:t>
+            </a:r>
+            <a:br>
+              <a:rPr lang="en-US" altLang="ko-KR" sz="3200" b="0" i="0" dirty="0">
+                <a:solidFill>
+                  <a:srgbClr val="000000"/>
+                </a:solidFill>
+                <a:effectLst/>
+                <a:latin typeface="HY견명조" panose="02030600000101010101" pitchFamily="18" charset="-127"/>
+                <a:ea typeface="HY견명조" panose="02030600000101010101" pitchFamily="18" charset="-127"/>
+              </a:rPr>
+            </a:br>
+            <a:r>
+              <a:rPr lang="ko-KR" altLang="en-US" sz="3200" b="0" i="0" dirty="0">
+                <a:solidFill>
+                  <a:srgbClr val="000000"/>
+                </a:solidFill>
+                <a:effectLst/>
+                <a:latin typeface="HY견명조" panose="02030600000101010101" pitchFamily="18" charset="-127"/>
+                <a:ea typeface="HY견명조" panose="02030600000101010101" pitchFamily="18" charset="-127"/>
+              </a:rPr>
+              <a:t>괴로움의 소멸로 인도하는 </a:t>
+            </a:r>
+            <a:r>
+              <a:rPr lang="ko-KR" altLang="en-US" sz="3200" b="0" i="0" dirty="0" err="1">
+                <a:solidFill>
+                  <a:srgbClr val="000000"/>
+                </a:solidFill>
+                <a:effectLst/>
+                <a:latin typeface="HY견명조" panose="02030600000101010101" pitchFamily="18" charset="-127"/>
+                <a:ea typeface="HY견명조" panose="02030600000101010101" pitchFamily="18" charset="-127"/>
+              </a:rPr>
+              <a:t>도닦음에</a:t>
+            </a:r>
+            <a:r>
+              <a:rPr lang="ko-KR" altLang="en-US" sz="3200" b="0" i="0" dirty="0">
+                <a:solidFill>
+                  <a:srgbClr val="000000"/>
+                </a:solidFill>
+                <a:effectLst/>
+                <a:latin typeface="HY견명조" panose="02030600000101010101" pitchFamily="18" charset="-127"/>
+                <a:ea typeface="HY견명조" panose="02030600000101010101" pitchFamily="18" charset="-127"/>
+              </a:rPr>
+              <a:t> 관한 생각</a:t>
+            </a:r>
+            <a:endParaRPr lang="ko-KR" altLang="en-US" sz="3200" dirty="0">
+              <a:latin typeface="HY견명조" panose="02030600000101010101" pitchFamily="18" charset="-127"/>
+              <a:ea typeface="HY견명조" panose="02030600000101010101" pitchFamily="18" charset="-127"/>
+            </a:endParaRPr>
+          </a:p>
+        </p:txBody>
+      </p:sp>
+    </p:spTree>
+    <p:extLst>
+      <p:ext uri="{BB962C8B-B14F-4D97-AF65-F5344CB8AC3E}">
+        <p14:creationId xmlns:p14="http://schemas.microsoft.com/office/powerpoint/2010/main" val="3220079654"/>
+      </p:ext>
+    </p:extLst>
+  </p:cSld>
+  <p:clrMapOvr>
+    <a:masterClrMapping/>
+  </p:clrMapOvr>
+</p:sld>
+</file>
+
+<file path=ppt/slides/slide16.xml><?xml version="1.0" encoding="utf-8"?>
+<p:sld xmlns:a="http://schemas.openxmlformats.org/drawingml/2006/main" xmlns:r="http://schemas.openxmlformats.org/officeDocument/2006/relationships" xmlns:p="http://schemas.openxmlformats.org/presentationml/2006/main">
+  <p:cSld>
+    <p:spTree>
+      <p:nvGrpSpPr>
+        <p:cNvPr id="1" name=""/>
+        <p:cNvGrpSpPr/>
+        <p:nvPr/>
+      </p:nvGrpSpPr>
+      <p:grpSpPr>
+        <a:xfrm>
+          <a:off x="0" y="0"/>
+          <a:ext cx="0" cy="0"/>
+          <a:chOff x="0" y="0"/>
+          <a:chExt cx="0" cy="0"/>
+        </a:xfrm>
+      </p:grpSpPr>
+      <p:sp>
+        <p:nvSpPr>
+          <p:cNvPr id="2" name="제목 1">
+            <a:extLst>
+              <a:ext uri="{FF2B5EF4-FFF2-40B4-BE49-F238E27FC236}">
+                <a16:creationId xmlns:a16="http://schemas.microsoft.com/office/drawing/2014/main" id="{5B8931D2-6D18-42E4-B7B0-2285F6CA02EB}"/>
+              </a:ext>
+            </a:extLst>
+          </p:cNvPr>
+          <p:cNvSpPr>
+            <a:spLocks noGrp="1"/>
+          </p:cNvSpPr>
+          <p:nvPr>
+            <p:ph type="title"/>
+          </p:nvPr>
+        </p:nvSpPr>
+        <p:spPr>
+          <a:xfrm>
+            <a:off x="471488" y="527405"/>
+            <a:ext cx="5915025" cy="1129945"/>
+          </a:xfrm>
+        </p:spPr>
+        <p:txBody>
+          <a:bodyPr>
+            <a:normAutofit/>
+          </a:bodyPr>
+          <a:lstStyle/>
+          <a:p>
+            <a:pPr algn="ctr"/>
+            <a:r>
+              <a:rPr lang="ko-KR" altLang="en-US" sz="5400" dirty="0">
+                <a:latin typeface="HY견명조" panose="02030600000101010101" pitchFamily="18" charset="-127"/>
+                <a:ea typeface="HY견명조" panose="02030600000101010101" pitchFamily="18" charset="-127"/>
+              </a:rPr>
+              <a:t>사성제</a:t>
+            </a:r>
+          </a:p>
+        </p:txBody>
+      </p:sp>
+      <p:sp>
+        <p:nvSpPr>
+          <p:cNvPr id="3" name="내용 개체 틀 2">
+            <a:extLst>
+              <a:ext uri="{FF2B5EF4-FFF2-40B4-BE49-F238E27FC236}">
+                <a16:creationId xmlns:a16="http://schemas.microsoft.com/office/drawing/2014/main" id="{91D118CA-96D0-4640-8F85-6B1E029AABA7}"/>
+              </a:ext>
+            </a:extLst>
+          </p:cNvPr>
+          <p:cNvSpPr>
+            <a:spLocks noGrp="1"/>
+          </p:cNvSpPr>
+          <p:nvPr>
+            <p:ph idx="1"/>
+          </p:nvPr>
+        </p:nvSpPr>
+        <p:spPr>
+          <a:xfrm>
             <a:off x="471488" y="1951213"/>
             <a:ext cx="5915025" cy="4192411"/>
           </a:xfrm>
@@ -4396,7 +4730,7 @@
               <a:buNone/>
             </a:pPr>
             <a:r>
-              <a:rPr lang="ko-KR" altLang="en-US" sz="3200" b="0" i="0" dirty="0" smtClean="0">
+              <a:rPr lang="ko-KR" altLang="en-US" sz="3200" b="0" i="0" dirty="0">
                 <a:solidFill>
                   <a:srgbClr val="000000"/>
                 </a:solidFill>
@@ -4406,7 +4740,7 @@
               </a:rPr>
               <a:t>다섯 무더기</a:t>
             </a:r>
-            <a:endParaRPr lang="en-US" altLang="ko-KR" sz="3200" b="0" i="0" dirty="0" smtClean="0">
+            <a:endParaRPr lang="en-US" altLang="ko-KR" sz="3200" b="0" i="0" dirty="0">
               <a:solidFill>
                 <a:srgbClr val="000000"/>
               </a:solidFill>
@@ -4423,7 +4757,7 @@
               <a:buNone/>
             </a:pPr>
             <a:r>
-              <a:rPr lang="en-US" altLang="ko-KR" sz="3200" b="0" i="0" dirty="0" smtClean="0">
+              <a:rPr lang="en-US" altLang="ko-KR" sz="3200" b="0" i="0" dirty="0">
                 <a:solidFill>
                   <a:srgbClr val="000000"/>
                 </a:solidFill>
@@ -4434,7 +4768,7 @@
               <a:t>  1. </a:t>
             </a:r>
             <a:r>
-              <a:rPr lang="ko-KR" altLang="en-US" sz="3200" b="0" i="0" dirty="0" smtClean="0">
+              <a:rPr lang="ko-KR" altLang="en-US" sz="3200" b="0" i="0" dirty="0">
                 <a:solidFill>
                   <a:srgbClr val="000000"/>
                 </a:solidFill>
@@ -4444,7 +4778,7 @@
               </a:rPr>
               <a:t>물질 무더기</a:t>
             </a:r>
-            <a:endParaRPr lang="en-US" altLang="ko-KR" sz="3200" b="0" i="0" dirty="0" smtClean="0">
+            <a:endParaRPr lang="en-US" altLang="ko-KR" sz="3200" b="0" i="0" dirty="0">
               <a:solidFill>
                 <a:srgbClr val="000000"/>
               </a:solidFill>
@@ -4468,29 +4802,19 @@
                 <a:latin typeface="HY견명조" panose="02030600000101010101" pitchFamily="18" charset="-127"/>
                 <a:ea typeface="HY견명조" panose="02030600000101010101" pitchFamily="18" charset="-127"/>
               </a:rPr>
-              <a:t> </a:t>
-            </a:r>
-            <a:r>
-              <a:rPr lang="en-US" altLang="ko-KR" sz="3200" dirty="0" smtClean="0">
+              <a:t>  2. </a:t>
+            </a:r>
+            <a:r>
+              <a:rPr lang="ko-KR" altLang="en-US" sz="3200" dirty="0">
                 <a:solidFill>
                   <a:srgbClr val="000000"/>
                 </a:solidFill>
                 <a:latin typeface="HY견명조" panose="02030600000101010101" pitchFamily="18" charset="-127"/>
                 <a:ea typeface="HY견명조" panose="02030600000101010101" pitchFamily="18" charset="-127"/>
               </a:rPr>
-              <a:t> 2. </a:t>
-            </a:r>
-            <a:r>
-              <a:rPr lang="ko-KR" altLang="en-US" sz="3200" dirty="0" smtClean="0">
-                <a:solidFill>
-                  <a:srgbClr val="000000"/>
-                </a:solidFill>
-                <a:latin typeface="HY견명조" panose="02030600000101010101" pitchFamily="18" charset="-127"/>
-                <a:ea typeface="HY견명조" panose="02030600000101010101" pitchFamily="18" charset="-127"/>
-              </a:rPr>
               <a:t>느낌 무더기</a:t>
             </a:r>
-            <a:endParaRPr lang="en-US" altLang="ko-KR" sz="3200" dirty="0" smtClean="0">
+            <a:endParaRPr lang="en-US" altLang="ko-KR" sz="3200" dirty="0">
               <a:solidFill>
                 <a:srgbClr val="000000"/>
               </a:solidFill>
@@ -4506,7 +4830,7 @@
               <a:buNone/>
             </a:pPr>
             <a:r>
-              <a:rPr lang="en-US" altLang="ko-KR" sz="3200" dirty="0" smtClean="0">
+              <a:rPr lang="en-US" altLang="ko-KR" sz="3200" dirty="0">
                 <a:solidFill>
                   <a:srgbClr val="000000"/>
                 </a:solidFill>
@@ -4516,7 +4840,7 @@
               <a:t>  3. </a:t>
             </a:r>
             <a:r>
-              <a:rPr lang="ko-KR" altLang="en-US" sz="3200" dirty="0" smtClean="0">
+              <a:rPr lang="ko-KR" altLang="en-US" sz="3200" dirty="0">
                 <a:solidFill>
                   <a:srgbClr val="000000"/>
                 </a:solidFill>
@@ -4525,7 +4849,7 @@
               </a:rPr>
               <a:t>인식 무더기</a:t>
             </a:r>
-            <a:endParaRPr lang="en-US" altLang="ko-KR" sz="3200" dirty="0" smtClean="0">
+            <a:endParaRPr lang="en-US" altLang="ko-KR" sz="3200" dirty="0">
               <a:solidFill>
                 <a:srgbClr val="000000"/>
               </a:solidFill>
@@ -4549,10 +4873,10 @@
                 <a:latin typeface="HY견명조" panose="02030600000101010101" pitchFamily="18" charset="-127"/>
                 <a:ea typeface="HY견명조" panose="02030600000101010101" pitchFamily="18" charset="-127"/>
               </a:rPr>
-              <a:t> </a:t>
-            </a:r>
-            <a:r>
-              <a:rPr lang="en-US" altLang="ko-KR" sz="3200" b="0" i="0" dirty="0" smtClean="0">
+              <a:t>  4. </a:t>
+            </a:r>
+            <a:r>
+              <a:rPr lang="ko-KR" altLang="en-US" sz="3200" b="0" i="0" dirty="0">
                 <a:solidFill>
                   <a:srgbClr val="000000"/>
                 </a:solidFill>
@@ -4560,20 +4884,9 @@
                 <a:latin typeface="HY견명조" panose="02030600000101010101" pitchFamily="18" charset="-127"/>
                 <a:ea typeface="HY견명조" panose="02030600000101010101" pitchFamily="18" charset="-127"/>
               </a:rPr>
-              <a:t> 4. </a:t>
-            </a:r>
-            <a:r>
-              <a:rPr lang="ko-KR" altLang="en-US" sz="3200" b="0" i="0" dirty="0" smtClean="0">
-                <a:solidFill>
-                  <a:srgbClr val="000000"/>
-                </a:solidFill>
-                <a:effectLst/>
-                <a:latin typeface="HY견명조" panose="02030600000101010101" pitchFamily="18" charset="-127"/>
-                <a:ea typeface="HY견명조" panose="02030600000101010101" pitchFamily="18" charset="-127"/>
-              </a:rPr>
               <a:t>형성 무더기</a:t>
             </a:r>
-            <a:endParaRPr lang="en-US" altLang="ko-KR" sz="3200" b="0" i="0" dirty="0" smtClean="0">
+            <a:endParaRPr lang="en-US" altLang="ko-KR" sz="3200" b="0" i="0" dirty="0">
               <a:solidFill>
                 <a:srgbClr val="000000"/>
               </a:solidFill>
@@ -4597,20 +4910,10 @@
                 <a:latin typeface="HY견명조" panose="02030600000101010101" pitchFamily="18" charset="-127"/>
                 <a:ea typeface="HY견명조" panose="02030600000101010101" pitchFamily="18" charset="-127"/>
               </a:rPr>
-              <a:t> </a:t>
-            </a:r>
-            <a:r>
-              <a:rPr lang="en-US" altLang="ko-KR" sz="3200" dirty="0" smtClean="0">
-                <a:solidFill>
-                  <a:srgbClr val="000000"/>
-                </a:solidFill>
-                <a:latin typeface="HY견명조" panose="02030600000101010101" pitchFamily="18" charset="-127"/>
-                <a:ea typeface="HY견명조" panose="02030600000101010101" pitchFamily="18" charset="-127"/>
-              </a:rPr>
-              <a:t> 5. </a:t>
-            </a:r>
-            <a:r>
-              <a:rPr lang="ko-KR" altLang="en-US" sz="3200" dirty="0" smtClean="0">
+              <a:t>  5. </a:t>
+            </a:r>
+            <a:r>
+              <a:rPr lang="ko-KR" altLang="en-US" sz="3200" dirty="0">
                 <a:solidFill>
                   <a:srgbClr val="000000"/>
                 </a:solidFill>
@@ -4641,6 +4944,518 @@
     <p:extLst>
       <p:ext uri="{BB962C8B-B14F-4D97-AF65-F5344CB8AC3E}">
         <p14:creationId xmlns:p14="http://schemas.microsoft.com/office/powerpoint/2010/main" val="1078977095"/>
+      </p:ext>
+    </p:extLst>
+  </p:cSld>
+  <p:clrMapOvr>
+    <a:masterClrMapping/>
+  </p:clrMapOvr>
+</p:sld>
+</file>
+
+<file path=ppt/slides/slide17.xml><?xml version="1.0" encoding="utf-8"?>
+<p:sld xmlns:a="http://schemas.openxmlformats.org/drawingml/2006/main" xmlns:r="http://schemas.openxmlformats.org/officeDocument/2006/relationships" xmlns:p="http://schemas.openxmlformats.org/presentationml/2006/main">
+  <p:cSld>
+    <p:spTree>
+      <p:nvGrpSpPr>
+        <p:cNvPr id="1" name=""/>
+        <p:cNvGrpSpPr/>
+        <p:nvPr/>
+      </p:nvGrpSpPr>
+      <p:grpSpPr>
+        <a:xfrm>
+          <a:off x="0" y="0"/>
+          <a:ext cx="0" cy="0"/>
+          <a:chOff x="0" y="0"/>
+          <a:chExt cx="0" cy="0"/>
+        </a:xfrm>
+      </p:grpSpPr>
+      <p:sp>
+        <p:nvSpPr>
+          <p:cNvPr id="2" name="제목 1">
+            <a:extLst>
+              <a:ext uri="{FF2B5EF4-FFF2-40B4-BE49-F238E27FC236}">
+                <a16:creationId xmlns:a16="http://schemas.microsoft.com/office/drawing/2014/main" id="{B2BBAF5C-2ACE-5FFC-C03D-12B544C7BDC8}"/>
+              </a:ext>
+            </a:extLst>
+          </p:cNvPr>
+          <p:cNvSpPr>
+            <a:spLocks noGrp="1"/>
+          </p:cNvSpPr>
+          <p:nvPr>
+            <p:ph type="title"/>
+          </p:nvPr>
+        </p:nvSpPr>
+        <p:spPr/>
+        <p:txBody>
+          <a:bodyPr/>
+          <a:lstStyle/>
+          <a:p>
+            <a:endParaRPr lang="ko-KR" altLang="en-US"/>
+          </a:p>
+        </p:txBody>
+      </p:sp>
+      <p:sp>
+        <p:nvSpPr>
+          <p:cNvPr id="3" name="내용 개체 틀 2">
+            <a:extLst>
+              <a:ext uri="{FF2B5EF4-FFF2-40B4-BE49-F238E27FC236}">
+                <a16:creationId xmlns:a16="http://schemas.microsoft.com/office/drawing/2014/main" id="{05745A0D-65A4-DD73-91BB-128C708FE447}"/>
+              </a:ext>
+            </a:extLst>
+          </p:cNvPr>
+          <p:cNvSpPr>
+            <a:spLocks noGrp="1"/>
+          </p:cNvSpPr>
+          <p:nvPr>
+            <p:ph idx="1"/>
+          </p:nvPr>
+        </p:nvSpPr>
+        <p:spPr>
+          <a:xfrm>
+            <a:off x="471487" y="3699230"/>
+            <a:ext cx="5915025" cy="6285266"/>
+          </a:xfrm>
+        </p:spPr>
+        <p:txBody>
+          <a:bodyPr>
+            <a:normAutofit/>
+          </a:bodyPr>
+          <a:lstStyle/>
+          <a:p>
+            <a:pPr marL="0" indent="0">
+              <a:buNone/>
+            </a:pPr>
+            <a:r>
+              <a:rPr lang="ko-KR" altLang="en-US" sz="4000" b="1" i="0" dirty="0">
+                <a:solidFill>
+                  <a:srgbClr val="000000"/>
+                </a:solidFill>
+                <a:effectLst/>
+                <a:latin typeface="inherit"/>
+              </a:rPr>
+              <a:t>三日修心千載寶</a:t>
+            </a:r>
+            <a:br>
+              <a:rPr lang="ko-KR" altLang="en-US" sz="4000" dirty="0"/>
+            </a:br>
+            <a:r>
+              <a:rPr lang="en-US" altLang="ko-KR" sz="4000" b="0" i="0" dirty="0">
+                <a:solidFill>
+                  <a:srgbClr val="000000"/>
+                </a:solidFill>
+                <a:effectLst/>
+                <a:latin typeface="Helvetica Neue"/>
+              </a:rPr>
+              <a:t>(</a:t>
+            </a:r>
+            <a:r>
+              <a:rPr lang="ko-KR" altLang="en-US" sz="4000" b="0" i="0" dirty="0" err="1">
+                <a:solidFill>
+                  <a:srgbClr val="000000"/>
+                </a:solidFill>
+                <a:effectLst/>
+                <a:latin typeface="Helvetica Neue"/>
+              </a:rPr>
+              <a:t>삼일수심천재보</a:t>
+            </a:r>
+            <a:r>
+              <a:rPr lang="en-US" altLang="ko-KR" sz="4000" b="0" i="0" dirty="0">
+                <a:solidFill>
+                  <a:srgbClr val="000000"/>
+                </a:solidFill>
+                <a:effectLst/>
+                <a:latin typeface="Helvetica Neue"/>
+              </a:rPr>
+              <a:t>)</a:t>
+            </a:r>
+            <a:br>
+              <a:rPr lang="ko-KR" altLang="en-US" sz="4000" dirty="0"/>
+            </a:br>
+            <a:r>
+              <a:rPr lang="ko-KR" altLang="en-US" sz="4000" b="0" i="0" dirty="0">
+                <a:solidFill>
+                  <a:srgbClr val="000000"/>
+                </a:solidFill>
+                <a:effectLst/>
+                <a:latin typeface="Helvetica Neue"/>
+              </a:rPr>
+              <a:t>삼 일간 닦은 마음은 천 년의 보배요</a:t>
+            </a:r>
+            <a:r>
+              <a:rPr lang="en-US" altLang="ko-KR" sz="4000" b="0" i="0" dirty="0">
+                <a:solidFill>
+                  <a:srgbClr val="000000"/>
+                </a:solidFill>
+                <a:effectLst/>
+                <a:latin typeface="Helvetica Neue"/>
+              </a:rPr>
+              <a:t>,</a:t>
+            </a:r>
+            <a:br>
+              <a:rPr lang="ko-KR" altLang="en-US" sz="4000" dirty="0"/>
+            </a:br>
+            <a:br>
+              <a:rPr lang="ko-KR" altLang="en-US" sz="4000" dirty="0"/>
+            </a:br>
+            <a:r>
+              <a:rPr lang="ko-KR" altLang="en-US" sz="4000" b="1" i="0" dirty="0">
+                <a:solidFill>
+                  <a:srgbClr val="000000"/>
+                </a:solidFill>
+                <a:effectLst/>
+                <a:latin typeface="inherit"/>
+              </a:rPr>
+              <a:t>百年貪物一朝塵</a:t>
+            </a:r>
+            <a:br>
+              <a:rPr lang="ko-KR" altLang="en-US" sz="4000" dirty="0"/>
+            </a:br>
+            <a:r>
+              <a:rPr lang="en-US" altLang="ko-KR" sz="4000" b="0" i="0" dirty="0">
+                <a:solidFill>
+                  <a:srgbClr val="000000"/>
+                </a:solidFill>
+                <a:effectLst/>
+                <a:latin typeface="Helvetica Neue"/>
+              </a:rPr>
+              <a:t>(</a:t>
+            </a:r>
+            <a:r>
+              <a:rPr lang="ko-KR" altLang="en-US" sz="4000" b="0" i="0" dirty="0" err="1">
+                <a:solidFill>
+                  <a:srgbClr val="000000"/>
+                </a:solidFill>
+                <a:effectLst/>
+                <a:latin typeface="Helvetica Neue"/>
+              </a:rPr>
+              <a:t>백년탐물일조진</a:t>
+            </a:r>
+            <a:r>
+              <a:rPr lang="en-US" altLang="ko-KR" sz="4000" b="0" i="0" dirty="0">
+                <a:solidFill>
+                  <a:srgbClr val="000000"/>
+                </a:solidFill>
+                <a:effectLst/>
+                <a:latin typeface="Helvetica Neue"/>
+              </a:rPr>
+              <a:t>)</a:t>
+            </a:r>
+            <a:br>
+              <a:rPr lang="ko-KR" altLang="en-US" sz="4000" dirty="0"/>
+            </a:br>
+            <a:r>
+              <a:rPr lang="ko-KR" altLang="en-US" sz="4000" b="0" i="0" dirty="0">
+                <a:solidFill>
+                  <a:srgbClr val="000000"/>
+                </a:solidFill>
+                <a:effectLst/>
+                <a:latin typeface="Helvetica Neue"/>
+              </a:rPr>
+              <a:t>백 년간 탐하여 모은 재산은 하루아침에 먼지가 된다</a:t>
+            </a:r>
+            <a:r>
+              <a:rPr lang="en-US" altLang="ko-KR" sz="4000" b="0" i="0" dirty="0">
+                <a:solidFill>
+                  <a:srgbClr val="000000"/>
+                </a:solidFill>
+                <a:effectLst/>
+                <a:latin typeface="Helvetica Neue"/>
+              </a:rPr>
+              <a:t>.</a:t>
+            </a:r>
+            <a:endParaRPr lang="ko-KR" altLang="en-US" sz="4000" dirty="0"/>
+          </a:p>
+        </p:txBody>
+      </p:sp>
+      <p:pic>
+        <p:nvPicPr>
+          <p:cNvPr id="1026" name="Picture 2">
+            <a:extLst>
+              <a:ext uri="{FF2B5EF4-FFF2-40B4-BE49-F238E27FC236}">
+                <a16:creationId xmlns:a16="http://schemas.microsoft.com/office/drawing/2014/main" id="{8712CE16-31A5-2390-A31A-5277FF865AA9}"/>
+              </a:ext>
+            </a:extLst>
+          </p:cNvPr>
+          <p:cNvPicPr>
+            <a:picLocks noChangeAspect="1" noChangeArrowheads="1"/>
+          </p:cNvPicPr>
+          <p:nvPr/>
+        </p:nvPicPr>
+        <p:blipFill>
+          <a:blip r:embed="rId2">
+            <a:extLst>
+              <a:ext uri="{28A0092B-C50C-407E-A947-70E740481C1C}">
+                <a14:useLocalDpi xmlns:a14="http://schemas.microsoft.com/office/drawing/2010/main" val="0"/>
+              </a:ext>
+            </a:extLst>
+          </a:blip>
+          <a:srcRect/>
+          <a:stretch>
+            <a:fillRect/>
+          </a:stretch>
+        </p:blipFill>
+        <p:spPr bwMode="auto">
+          <a:xfrm>
+            <a:off x="0" y="0"/>
+            <a:ext cx="6858000" cy="3171825"/>
+          </a:xfrm>
+          <a:prstGeom prst="rect">
+            <a:avLst/>
+          </a:prstGeom>
+          <a:noFill/>
+          <a:extLst>
+            <a:ext uri="{909E8E84-426E-40DD-AFC4-6F175D3DCCD1}">
+              <a14:hiddenFill xmlns:a14="http://schemas.microsoft.com/office/drawing/2010/main">
+                <a:solidFill>
+                  <a:srgbClr val="FFFFFF"/>
+                </a:solidFill>
+              </a14:hiddenFill>
+            </a:ext>
+          </a:extLst>
+        </p:spPr>
+      </p:pic>
+    </p:spTree>
+    <p:extLst>
+      <p:ext uri="{BB962C8B-B14F-4D97-AF65-F5344CB8AC3E}">
+        <p14:creationId xmlns:p14="http://schemas.microsoft.com/office/powerpoint/2010/main" val="2073533674"/>
+      </p:ext>
+    </p:extLst>
+  </p:cSld>
+  <p:clrMapOvr>
+    <a:masterClrMapping/>
+  </p:clrMapOvr>
+</p:sld>
+</file>
+
+<file path=ppt/slides/slide18.xml><?xml version="1.0" encoding="utf-8"?>
+<p:sld xmlns:a="http://schemas.openxmlformats.org/drawingml/2006/main" xmlns:r="http://schemas.openxmlformats.org/officeDocument/2006/relationships" xmlns:p="http://schemas.openxmlformats.org/presentationml/2006/main">
+  <p:cSld>
+    <p:spTree>
+      <p:nvGrpSpPr>
+        <p:cNvPr id="1" name=""/>
+        <p:cNvGrpSpPr/>
+        <p:nvPr/>
+      </p:nvGrpSpPr>
+      <p:grpSpPr>
+        <a:xfrm>
+          <a:off x="0" y="0"/>
+          <a:ext cx="0" cy="0"/>
+          <a:chOff x="0" y="0"/>
+          <a:chExt cx="0" cy="0"/>
+        </a:xfrm>
+      </p:grpSpPr>
+      <p:sp>
+        <p:nvSpPr>
+          <p:cNvPr id="2" name="제목 1">
+            <a:extLst>
+              <a:ext uri="{FF2B5EF4-FFF2-40B4-BE49-F238E27FC236}">
+                <a16:creationId xmlns:a16="http://schemas.microsoft.com/office/drawing/2014/main" id="{99C82029-9811-096C-7E2E-CFE1C7ACC26F}"/>
+              </a:ext>
+            </a:extLst>
+          </p:cNvPr>
+          <p:cNvSpPr>
+            <a:spLocks noGrp="1"/>
+          </p:cNvSpPr>
+          <p:nvPr>
+            <p:ph type="title"/>
+          </p:nvPr>
+        </p:nvSpPr>
+        <p:spPr/>
+        <p:txBody>
+          <a:bodyPr>
+            <a:normAutofit/>
+          </a:bodyPr>
+          <a:lstStyle/>
+          <a:p>
+            <a:pPr algn="ctr"/>
+            <a:r>
+              <a:rPr lang="ko-KR" altLang="en-US" sz="4800" dirty="0">
+                <a:latin typeface="HY견명조" panose="02030600000101010101" pitchFamily="18" charset="-127"/>
+                <a:ea typeface="HY견명조" panose="02030600000101010101" pitchFamily="18" charset="-127"/>
+              </a:rPr>
+              <a:t>사고팔고</a:t>
+            </a:r>
+            <a:br>
+              <a:rPr lang="en-US" altLang="ko-KR" sz="4800" dirty="0">
+                <a:latin typeface="HY견명조" panose="02030600000101010101" pitchFamily="18" charset="-127"/>
+                <a:ea typeface="HY견명조" panose="02030600000101010101" pitchFamily="18" charset="-127"/>
+              </a:rPr>
+            </a:br>
+            <a:r>
+              <a:rPr lang="ko-KR" altLang="en-US" sz="4800" dirty="0">
+                <a:latin typeface="HY견명조" panose="02030600000101010101" pitchFamily="18" charset="-127"/>
+                <a:ea typeface="HY견명조" panose="02030600000101010101" pitchFamily="18" charset="-127"/>
+              </a:rPr>
+              <a:t>四苦八苦</a:t>
+            </a:r>
+          </a:p>
+        </p:txBody>
+      </p:sp>
+      <p:sp>
+        <p:nvSpPr>
+          <p:cNvPr id="3" name="내용 개체 틀 2">
+            <a:extLst>
+              <a:ext uri="{FF2B5EF4-FFF2-40B4-BE49-F238E27FC236}">
+                <a16:creationId xmlns:a16="http://schemas.microsoft.com/office/drawing/2014/main" id="{0886E9F1-90CC-C505-26F7-3A4980234484}"/>
+              </a:ext>
+            </a:extLst>
+          </p:cNvPr>
+          <p:cNvSpPr>
+            <a:spLocks noGrp="1"/>
+          </p:cNvSpPr>
+          <p:nvPr>
+            <p:ph idx="1"/>
+          </p:nvPr>
+        </p:nvSpPr>
+        <p:spPr>
+          <a:xfrm>
+            <a:off x="484935" y="2932849"/>
+            <a:ext cx="5915025" cy="4920233"/>
+          </a:xfrm>
+        </p:spPr>
+        <p:txBody>
+          <a:bodyPr>
+            <a:normAutofit/>
+          </a:bodyPr>
+          <a:lstStyle/>
+          <a:p>
+            <a:r>
+              <a:rPr lang="ko-KR" altLang="en-US" sz="4000" dirty="0">
+                <a:latin typeface="HY견명조" panose="02030600000101010101" pitchFamily="18" charset="-127"/>
+                <a:ea typeface="HY견명조" panose="02030600000101010101" pitchFamily="18" charset="-127"/>
+              </a:rPr>
+              <a:t>四苦사고</a:t>
+            </a:r>
+            <a:endParaRPr lang="en-US" altLang="ko-KR" sz="4000" dirty="0">
+              <a:latin typeface="HY견명조" panose="02030600000101010101" pitchFamily="18" charset="-127"/>
+              <a:ea typeface="HY견명조" panose="02030600000101010101" pitchFamily="18" charset="-127"/>
+            </a:endParaRPr>
+          </a:p>
+          <a:p>
+            <a:pPr lvl="1"/>
+            <a:r>
+              <a:rPr lang="ko-KR" altLang="en-US" sz="3700" dirty="0">
+                <a:latin typeface="HY견명조" panose="02030600000101010101" pitchFamily="18" charset="-127"/>
+                <a:ea typeface="HY견명조" panose="02030600000101010101" pitchFamily="18" charset="-127"/>
+              </a:rPr>
+              <a:t>生老病死 생로병사</a:t>
+            </a:r>
+            <a:endParaRPr lang="en-US" altLang="ko-KR" sz="3700" dirty="0">
+              <a:latin typeface="HY견명조" panose="02030600000101010101" pitchFamily="18" charset="-127"/>
+              <a:ea typeface="HY견명조" panose="02030600000101010101" pitchFamily="18" charset="-127"/>
+            </a:endParaRPr>
+          </a:p>
+          <a:p>
+            <a:pPr lvl="1"/>
+            <a:endParaRPr lang="en-US" altLang="ko-KR" sz="3700" dirty="0">
+              <a:latin typeface="HY견명조" panose="02030600000101010101" pitchFamily="18" charset="-127"/>
+              <a:ea typeface="HY견명조" panose="02030600000101010101" pitchFamily="18" charset="-127"/>
+            </a:endParaRPr>
+          </a:p>
+          <a:p>
+            <a:r>
+              <a:rPr lang="ko-KR" altLang="en-US" sz="4000" dirty="0">
+                <a:latin typeface="HY견명조" panose="02030600000101010101" pitchFamily="18" charset="-127"/>
+                <a:ea typeface="HY견명조" panose="02030600000101010101" pitchFamily="18" charset="-127"/>
+              </a:rPr>
+              <a:t>八苦팔고</a:t>
+            </a:r>
+            <a:endParaRPr lang="en-US" altLang="ko-KR" sz="4000" dirty="0">
+              <a:latin typeface="HY견명조" panose="02030600000101010101" pitchFamily="18" charset="-127"/>
+              <a:ea typeface="HY견명조" panose="02030600000101010101" pitchFamily="18" charset="-127"/>
+            </a:endParaRPr>
+          </a:p>
+          <a:p>
+            <a:pPr lvl="1"/>
+            <a:r>
+              <a:rPr lang="ko-KR" altLang="en-US" sz="3700" dirty="0">
+                <a:latin typeface="HY견명조" panose="02030600000101010101" pitchFamily="18" charset="-127"/>
+                <a:ea typeface="HY견명조" panose="02030600000101010101" pitchFamily="18" charset="-127"/>
+              </a:rPr>
+              <a:t>愛別離苦 </a:t>
+            </a:r>
+            <a:r>
+              <a:rPr lang="ko-KR" altLang="en-US" sz="3700" dirty="0" err="1">
+                <a:latin typeface="HY견명조" panose="02030600000101010101" pitchFamily="18" charset="-127"/>
+                <a:ea typeface="HY견명조" panose="02030600000101010101" pitchFamily="18" charset="-127"/>
+              </a:rPr>
+              <a:t>애벌리고</a:t>
+            </a:r>
+            <a:endParaRPr lang="en-US" altLang="ko-KR" sz="3700" dirty="0">
+              <a:latin typeface="HY견명조" panose="02030600000101010101" pitchFamily="18" charset="-127"/>
+              <a:ea typeface="HY견명조" panose="02030600000101010101" pitchFamily="18" charset="-127"/>
+            </a:endParaRPr>
+          </a:p>
+          <a:p>
+            <a:pPr lvl="1"/>
+            <a:r>
+              <a:rPr lang="ko-KR" altLang="en-US" sz="3700" dirty="0">
+                <a:latin typeface="HY견명조" panose="02030600000101010101" pitchFamily="18" charset="-127"/>
+                <a:ea typeface="HY견명조" panose="02030600000101010101" pitchFamily="18" charset="-127"/>
+              </a:rPr>
+              <a:t>怨憎會苦 </a:t>
+            </a:r>
+            <a:r>
+              <a:rPr lang="ko-KR" altLang="en-US" sz="3700" dirty="0" err="1">
+                <a:latin typeface="HY견명조" panose="02030600000101010101" pitchFamily="18" charset="-127"/>
+                <a:ea typeface="HY견명조" panose="02030600000101010101" pitchFamily="18" charset="-127"/>
+              </a:rPr>
+              <a:t>원증회고</a:t>
+            </a:r>
+            <a:endParaRPr lang="en-US" altLang="ko-KR" sz="3700" dirty="0">
+              <a:latin typeface="HY견명조" panose="02030600000101010101" pitchFamily="18" charset="-127"/>
+              <a:ea typeface="HY견명조" panose="02030600000101010101" pitchFamily="18" charset="-127"/>
+            </a:endParaRPr>
+          </a:p>
+          <a:p>
+            <a:pPr lvl="1"/>
+            <a:r>
+              <a:rPr lang="ko-KR" altLang="en-US" sz="3700" dirty="0">
+                <a:latin typeface="HY견명조" panose="02030600000101010101" pitchFamily="18" charset="-127"/>
+                <a:ea typeface="HY견명조" panose="02030600000101010101" pitchFamily="18" charset="-127"/>
+              </a:rPr>
+              <a:t>救不得苦 </a:t>
+            </a:r>
+            <a:r>
+              <a:rPr lang="ko-KR" altLang="en-US" sz="3700" dirty="0" err="1">
+                <a:latin typeface="HY견명조" panose="02030600000101010101" pitchFamily="18" charset="-127"/>
+                <a:ea typeface="HY견명조" panose="02030600000101010101" pitchFamily="18" charset="-127"/>
+              </a:rPr>
+              <a:t>구불득고</a:t>
+            </a:r>
+            <a:endParaRPr lang="en-US" altLang="ko-KR" sz="3700" dirty="0">
+              <a:latin typeface="HY견명조" panose="02030600000101010101" pitchFamily="18" charset="-127"/>
+              <a:ea typeface="HY견명조" panose="02030600000101010101" pitchFamily="18" charset="-127"/>
+            </a:endParaRPr>
+          </a:p>
+          <a:p>
+            <a:pPr lvl="1"/>
+            <a:r>
+              <a:rPr lang="ko-KR" altLang="en-US" sz="3700" dirty="0">
+                <a:latin typeface="HY견명조" panose="02030600000101010101" pitchFamily="18" charset="-127"/>
+                <a:ea typeface="HY견명조" panose="02030600000101010101" pitchFamily="18" charset="-127"/>
+              </a:rPr>
+              <a:t>五陰盛苦 </a:t>
+            </a:r>
+            <a:r>
+              <a:rPr lang="ko-KR" altLang="en-US" sz="3700" dirty="0" err="1">
+                <a:latin typeface="HY견명조" panose="02030600000101010101" pitchFamily="18" charset="-127"/>
+                <a:ea typeface="HY견명조" panose="02030600000101010101" pitchFamily="18" charset="-127"/>
+              </a:rPr>
+              <a:t>오음성고</a:t>
+            </a:r>
+            <a:endParaRPr lang="ko-KR" altLang="en-US" sz="3700" dirty="0">
+              <a:latin typeface="HY견명조" panose="02030600000101010101" pitchFamily="18" charset="-127"/>
+              <a:ea typeface="HY견명조" panose="02030600000101010101" pitchFamily="18" charset="-127"/>
+            </a:endParaRPr>
+          </a:p>
+        </p:txBody>
+      </p:sp>
+    </p:spTree>
+    <p:extLst>
+      <p:ext uri="{BB962C8B-B14F-4D97-AF65-F5344CB8AC3E}">
+        <p14:creationId xmlns:p14="http://schemas.microsoft.com/office/powerpoint/2010/main" val="3954621932"/>
       </p:ext>
     </p:extLst>
   </p:cSld>
@@ -5609,14 +6424,14 @@
             <p:ph idx="1"/>
             <p:extLst>
               <p:ext uri="{D42A27DB-BD31-4B8C-83A1-F6EECF244321}">
-                <p14:modId xmlns:p14="http://schemas.microsoft.com/office/powerpoint/2010/main" val="127826880"/>
+                <p14:modId xmlns:p14="http://schemas.microsoft.com/office/powerpoint/2010/main" val="3132943255"/>
               </p:ext>
             </p:extLst>
           </p:nvPr>
         </p:nvGraphicFramePr>
         <p:xfrm>
           <a:off x="1003299" y="2433612"/>
-          <a:ext cx="5554664" cy="6414864"/>
+          <a:ext cx="5554664" cy="5475702"/>
         </p:xfrm>
         <a:graphic>
           <a:graphicData uri="http://schemas.openxmlformats.org/drawingml/2006/table">
@@ -5656,6 +6471,8 @@
                           <a:solidFill>
                             <a:schemeClr val="tx1"/>
                           </a:solidFill>
+                          <a:latin typeface="HY견명조" panose="02030600000101010101" pitchFamily="18" charset="-127"/>
+                          <a:ea typeface="HY견명조" panose="02030600000101010101" pitchFamily="18" charset="-127"/>
                         </a:rPr>
                         <a:t>천안통</a:t>
                       </a:r>
@@ -5663,6 +6480,8 @@
                         <a:solidFill>
                           <a:schemeClr val="tx1"/>
                         </a:solidFill>
+                        <a:latin typeface="HY견명조" panose="02030600000101010101" pitchFamily="18" charset="-127"/>
+                        <a:ea typeface="HY견명조" panose="02030600000101010101" pitchFamily="18" charset="-127"/>
                       </a:endParaRPr>
                     </a:p>
                   </a:txBody>
@@ -5685,7 +6504,8 @@
                           <a:solidFill>
                             <a:schemeClr val="tx1"/>
                           </a:solidFill>
-                          <a:latin typeface="FZShuTi-S05T" panose="03000509000000000000" pitchFamily="65" charset="-122"/>
+                          <a:latin typeface="HY견명조" panose="02030600000101010101" pitchFamily="18" charset="-127"/>
+                          <a:ea typeface="HY견명조" panose="02030600000101010101" pitchFamily="18" charset="-127"/>
                         </a:rPr>
                         <a:t>天眼通</a:t>
                       </a:r>
@@ -5717,6 +6537,8 @@
                           <a:solidFill>
                             <a:schemeClr val="tx1"/>
                           </a:solidFill>
+                          <a:latin typeface="HY견명조" panose="02030600000101010101" pitchFamily="18" charset="-127"/>
+                          <a:ea typeface="HY견명조" panose="02030600000101010101" pitchFamily="18" charset="-127"/>
                         </a:rPr>
                         <a:t>천이통</a:t>
                       </a:r>
@@ -5724,6 +6546,8 @@
                         <a:solidFill>
                           <a:schemeClr val="tx1"/>
                         </a:solidFill>
+                        <a:latin typeface="HY견명조" panose="02030600000101010101" pitchFamily="18" charset="-127"/>
+                        <a:ea typeface="HY견명조" panose="02030600000101010101" pitchFamily="18" charset="-127"/>
                       </a:endParaRPr>
                     </a:p>
                   </a:txBody>
@@ -5746,7 +6570,8 @@
                           <a:solidFill>
                             <a:schemeClr val="tx1"/>
                           </a:solidFill>
-                          <a:latin typeface="FZShuTi-S05T" panose="03000509000000000000" pitchFamily="65" charset="-122"/>
+                          <a:latin typeface="HY견명조" panose="02030600000101010101" pitchFamily="18" charset="-127"/>
+                          <a:ea typeface="HY견명조" panose="02030600000101010101" pitchFamily="18" charset="-127"/>
                         </a:rPr>
                         <a:t>天耳通</a:t>
                       </a:r>
@@ -5778,6 +6603,8 @@
                           <a:solidFill>
                             <a:schemeClr val="tx1"/>
                           </a:solidFill>
+                          <a:latin typeface="HY견명조" panose="02030600000101010101" pitchFamily="18" charset="-127"/>
+                          <a:ea typeface="HY견명조" panose="02030600000101010101" pitchFamily="18" charset="-127"/>
                         </a:rPr>
                         <a:t>타심통</a:t>
                       </a:r>
@@ -5785,6 +6612,8 @@
                         <a:solidFill>
                           <a:schemeClr val="tx1"/>
                         </a:solidFill>
+                        <a:latin typeface="HY견명조" panose="02030600000101010101" pitchFamily="18" charset="-127"/>
+                        <a:ea typeface="HY견명조" panose="02030600000101010101" pitchFamily="18" charset="-127"/>
                       </a:endParaRPr>
                     </a:p>
                   </a:txBody>
@@ -5807,7 +6636,8 @@
                           <a:solidFill>
                             <a:schemeClr val="tx1"/>
                           </a:solidFill>
-                          <a:latin typeface="FZShuTi-S05T" panose="03000509000000000000" pitchFamily="65" charset="-122"/>
+                          <a:latin typeface="HY견명조" panose="02030600000101010101" pitchFamily="18" charset="-127"/>
+                          <a:ea typeface="HY견명조" panose="02030600000101010101" pitchFamily="18" charset="-127"/>
                         </a:rPr>
                         <a:t>他心通</a:t>
                       </a:r>
@@ -5839,6 +6669,8 @@
                           <a:solidFill>
                             <a:schemeClr val="tx1"/>
                           </a:solidFill>
+                          <a:latin typeface="HY견명조" panose="02030600000101010101" pitchFamily="18" charset="-127"/>
+                          <a:ea typeface="HY견명조" panose="02030600000101010101" pitchFamily="18" charset="-127"/>
                         </a:rPr>
                         <a:t>숙명통</a:t>
                       </a:r>
@@ -5846,6 +6678,8 @@
                         <a:solidFill>
                           <a:schemeClr val="tx1"/>
                         </a:solidFill>
+                        <a:latin typeface="HY견명조" panose="02030600000101010101" pitchFamily="18" charset="-127"/>
+                        <a:ea typeface="HY견명조" panose="02030600000101010101" pitchFamily="18" charset="-127"/>
                       </a:endParaRPr>
                     </a:p>
                   </a:txBody>
@@ -5868,7 +6702,8 @@
                           <a:solidFill>
                             <a:schemeClr val="tx1"/>
                           </a:solidFill>
-                          <a:latin typeface="FZShuTi-S05T" panose="03000509000000000000" pitchFamily="65" charset="-122"/>
+                          <a:latin typeface="HY견명조" panose="02030600000101010101" pitchFamily="18" charset="-127"/>
+                          <a:ea typeface="HY견명조" panose="02030600000101010101" pitchFamily="18" charset="-127"/>
                         </a:rPr>
                         <a:t>宿命通</a:t>
                       </a:r>
@@ -5900,6 +6735,8 @@
                           <a:solidFill>
                             <a:schemeClr val="tx1"/>
                           </a:solidFill>
+                          <a:latin typeface="HY견명조" panose="02030600000101010101" pitchFamily="18" charset="-127"/>
+                          <a:ea typeface="HY견명조" panose="02030600000101010101" pitchFamily="18" charset="-127"/>
                         </a:rPr>
                         <a:t>신족통</a:t>
                       </a:r>
@@ -5907,6 +6744,8 @@
                         <a:solidFill>
                           <a:schemeClr val="tx1"/>
                         </a:solidFill>
+                        <a:latin typeface="HY견명조" panose="02030600000101010101" pitchFamily="18" charset="-127"/>
+                        <a:ea typeface="HY견명조" panose="02030600000101010101" pitchFamily="18" charset="-127"/>
                       </a:endParaRPr>
                     </a:p>
                   </a:txBody>
@@ -5929,7 +6768,8 @@
                           <a:solidFill>
                             <a:schemeClr val="tx1"/>
                           </a:solidFill>
-                          <a:latin typeface="FZShuTi-S05T" panose="03000509000000000000" pitchFamily="65" charset="-122"/>
+                          <a:latin typeface="HY견명조" panose="02030600000101010101" pitchFamily="18" charset="-127"/>
+                          <a:ea typeface="HY견명조" panose="02030600000101010101" pitchFamily="18" charset="-127"/>
                         </a:rPr>
                         <a:t>神足通</a:t>
                       </a:r>
@@ -5961,6 +6801,8 @@
                           <a:solidFill>
                             <a:schemeClr val="tx1"/>
                           </a:solidFill>
+                          <a:latin typeface="HY견명조" panose="02030600000101010101" pitchFamily="18" charset="-127"/>
+                          <a:ea typeface="HY견명조" panose="02030600000101010101" pitchFamily="18" charset="-127"/>
                         </a:rPr>
                         <a:t>누진통</a:t>
                       </a:r>
@@ -5968,6 +6810,8 @@
                         <a:solidFill>
                           <a:schemeClr val="tx1"/>
                         </a:solidFill>
+                        <a:latin typeface="HY견명조" panose="02030600000101010101" pitchFamily="18" charset="-127"/>
+                        <a:ea typeface="HY견명조" panose="02030600000101010101" pitchFamily="18" charset="-127"/>
                       </a:endParaRPr>
                     </a:p>
                   </a:txBody>
@@ -5990,7 +6834,8 @@
                           <a:solidFill>
                             <a:schemeClr val="tx1"/>
                           </a:solidFill>
-                          <a:latin typeface="FZShuTi-S05T" panose="03000509000000000000" pitchFamily="65" charset="-122"/>
+                          <a:latin typeface="HY견명조" panose="02030600000101010101" pitchFamily="18" charset="-127"/>
+                          <a:ea typeface="HY견명조" panose="02030600000101010101" pitchFamily="18" charset="-127"/>
                         </a:rPr>
                         <a:t>漏盡通</a:t>
                       </a:r>
@@ -6756,7 +7601,7 @@
                         <a:t> 바라아제 </a:t>
                       </a:r>
                       <a:r>
-                        <a:rPr lang="ko-KR" altLang="en-US" sz="2800" spc="-300" dirty="0" err="1" smtClean="0">
+                        <a:rPr lang="ko-KR" altLang="en-US" sz="2800" spc="-300" dirty="0" err="1">
                           <a:solidFill>
                             <a:schemeClr val="tx1"/>
                           </a:solidFill>
@@ -6766,7 +7611,7 @@
                         <a:t>바라승아제</a:t>
                       </a:r>
                       <a:r>
-                        <a:rPr lang="ko-KR" altLang="en-US" sz="2800" spc="-300" dirty="0" smtClean="0">
+                        <a:rPr lang="ko-KR" altLang="en-US" sz="2800" spc="-300" dirty="0">
                           <a:solidFill>
                             <a:schemeClr val="tx1"/>
                           </a:solidFill>
@@ -6776,7 +7621,7 @@
                         <a:t> </a:t>
                       </a:r>
                       <a:r>
-                        <a:rPr lang="ko-KR" altLang="en-US" sz="2800" spc="-300" dirty="0" err="1" smtClean="0">
+                        <a:rPr lang="ko-KR" altLang="en-US" sz="2800" spc="-300" dirty="0" err="1">
                           <a:solidFill>
                             <a:schemeClr val="tx1"/>
                           </a:solidFill>
@@ -7069,40 +7914,26 @@
           <a:p>
             <a:pPr algn="ctr"/>
             <a:r>
-              <a:rPr lang="ko-KR" altLang="en-US" sz="4800" smtClean="0">
+              <a:rPr lang="ko-KR" altLang="en-US" sz="4800">
                 <a:latin typeface="HY견명조" panose="02030600000101010101" pitchFamily="18" charset="-127"/>
                 <a:ea typeface="HY견명조" panose="02030600000101010101" pitchFamily="18" charset="-127"/>
               </a:rPr>
               <a:t>지장보살 멸장업진언</a:t>
             </a:r>
-            <a:r>
-              <a:rPr lang="en-US" altLang="ko-KR" sz="4800" smtClean="0">
-                <a:latin typeface="HY견명조" panose="02030600000101010101" pitchFamily="18" charset="-127"/>
-                <a:ea typeface="HY견명조" panose="02030600000101010101" pitchFamily="18" charset="-127"/>
-              </a:rPr>
-              <a:t/>
-            </a:r>
             <a:br>
-              <a:rPr lang="en-US" altLang="ko-KR" sz="4800" smtClean="0">
+              <a:rPr lang="en-US" altLang="ko-KR" sz="4800">
                 <a:latin typeface="HY견명조" panose="02030600000101010101" pitchFamily="18" charset="-127"/>
                 <a:ea typeface="HY견명조" panose="02030600000101010101" pitchFamily="18" charset="-127"/>
               </a:rPr>
             </a:br>
-            <a:r>
-              <a:rPr lang="en-US" altLang="ko-KR" sz="4800" smtClean="0">
-                <a:latin typeface="HY견명조" panose="02030600000101010101" pitchFamily="18" charset="-127"/>
-                <a:ea typeface="HY견명조" panose="02030600000101010101" pitchFamily="18" charset="-127"/>
-              </a:rPr>
-              <a:t/>
-            </a:r>
             <a:br>
-              <a:rPr lang="en-US" altLang="ko-KR" sz="4800" smtClean="0">
+              <a:rPr lang="en-US" altLang="ko-KR" sz="4800">
                 <a:latin typeface="HY견명조" panose="02030600000101010101" pitchFamily="18" charset="-127"/>
                 <a:ea typeface="HY견명조" panose="02030600000101010101" pitchFamily="18" charset="-127"/>
               </a:rPr>
             </a:br>
             <a:r>
-              <a:rPr lang="ko-KR" altLang="en-US" sz="4000" smtClean="0">
+              <a:rPr lang="ko-KR" altLang="en-US" sz="4000">
                 <a:latin typeface="HY견명조" panose="02030600000101010101" pitchFamily="18" charset="-127"/>
                 <a:ea typeface="HY견명조" panose="02030600000101010101" pitchFamily="18" charset="-127"/>
               </a:rPr>
@@ -7215,7 +8046,7 @@
         </p:spPr>
         <p:txBody>
           <a:bodyPr>
-            <a:normAutofit lnSpcReduction="10000"/>
+            <a:normAutofit/>
           </a:bodyPr>
           <a:lstStyle/>
           <a:p>
@@ -7269,13 +8100,6 @@
               </a:rPr>
               <a:t>)</a:t>
             </a:r>
-            <a:r>
-              <a:rPr lang="ko-KR" altLang="en-US" sz="3600" dirty="0">
-                <a:latin typeface="HY견명조" panose="02030600000101010101" pitchFamily="18" charset="-127"/>
-                <a:ea typeface="HY견명조" panose="02030600000101010101" pitchFamily="18" charset="-127"/>
-              </a:rPr>
-              <a:t/>
-            </a:r>
             <a:br>
               <a:rPr lang="ko-KR" altLang="en-US" sz="3600" dirty="0">
                 <a:latin typeface="HY견명조" panose="02030600000101010101" pitchFamily="18" charset="-127"/>
@@ -7326,13 +8150,6 @@
               </a:rPr>
               <a:t>)</a:t>
             </a:r>
-            <a:r>
-              <a:rPr lang="ko-KR" altLang="en-US" sz="3600" dirty="0">
-                <a:latin typeface="HY견명조" panose="02030600000101010101" pitchFamily="18" charset="-127"/>
-                <a:ea typeface="HY견명조" panose="02030600000101010101" pitchFamily="18" charset="-127"/>
-              </a:rPr>
-              <a:t/>
-            </a:r>
             <a:br>
               <a:rPr lang="ko-KR" altLang="en-US" sz="3600" dirty="0">
                 <a:latin typeface="HY견명조" panose="02030600000101010101" pitchFamily="18" charset="-127"/>
@@ -7383,13 +8200,6 @@
               </a:rPr>
               <a:t>)</a:t>
             </a:r>
-            <a:r>
-              <a:rPr lang="ko-KR" altLang="en-US" sz="3600" dirty="0">
-                <a:latin typeface="HY견명조" panose="02030600000101010101" pitchFamily="18" charset="-127"/>
-                <a:ea typeface="HY견명조" panose="02030600000101010101" pitchFamily="18" charset="-127"/>
-              </a:rPr>
-              <a:t/>
-            </a:r>
             <a:br>
               <a:rPr lang="ko-KR" altLang="en-US" sz="3600" dirty="0">
                 <a:latin typeface="HY견명조" panose="02030600000101010101" pitchFamily="18" charset="-127"/>
@@ -7439,13 +8249,6 @@
                 <a:ea typeface="HY견명조" panose="02030600000101010101" pitchFamily="18" charset="-127"/>
               </a:rPr>
               <a:t>) </a:t>
-            </a:r>
-            <a:r>
-              <a:rPr lang="ko-KR" altLang="en-US" sz="3600" dirty="0">
-                <a:latin typeface="HY견명조" panose="02030600000101010101" pitchFamily="18" charset="-127"/>
-                <a:ea typeface="HY견명조" panose="02030600000101010101" pitchFamily="18" charset="-127"/>
-              </a:rPr>
-              <a:t/>
             </a:r>
             <a:br>
               <a:rPr lang="ko-KR" altLang="en-US" sz="3600" dirty="0">
@@ -7531,54 +8334,40 @@
           <a:p>
             <a:pPr algn="ctr"/>
             <a:r>
-              <a:rPr lang="ko-KR" altLang="en-US" sz="4800" dirty="0" smtClean="0">
+              <a:rPr lang="ko-KR" altLang="en-US" sz="4800" dirty="0">
                 <a:latin typeface="HY견명조" panose="02030600000101010101" pitchFamily="18" charset="-127"/>
                 <a:ea typeface="HY견명조" panose="02030600000101010101" pitchFamily="18" charset="-127"/>
               </a:rPr>
               <a:t>지장보살 </a:t>
             </a:r>
             <a:r>
-              <a:rPr lang="ko-KR" altLang="en-US" sz="4800" dirty="0" err="1" smtClean="0">
+              <a:rPr lang="ko-KR" altLang="en-US" sz="4800" dirty="0" err="1">
                 <a:latin typeface="HY견명조" panose="02030600000101010101" pitchFamily="18" charset="-127"/>
                 <a:ea typeface="HY견명조" panose="02030600000101010101" pitchFamily="18" charset="-127"/>
               </a:rPr>
               <a:t>멸장업진언</a:t>
             </a:r>
-            <a:r>
-              <a:rPr lang="en-US" altLang="ko-KR" sz="4800" dirty="0" smtClean="0">
-                <a:latin typeface="HY견명조" panose="02030600000101010101" pitchFamily="18" charset="-127"/>
-                <a:ea typeface="HY견명조" panose="02030600000101010101" pitchFamily="18" charset="-127"/>
-              </a:rPr>
-              <a:t/>
-            </a:r>
             <a:br>
-              <a:rPr lang="en-US" altLang="ko-KR" sz="4800" dirty="0" smtClean="0">
+              <a:rPr lang="en-US" altLang="ko-KR" sz="4800" dirty="0">
                 <a:latin typeface="HY견명조" panose="02030600000101010101" pitchFamily="18" charset="-127"/>
                 <a:ea typeface="HY견명조" panose="02030600000101010101" pitchFamily="18" charset="-127"/>
               </a:rPr>
             </a:br>
-            <a:r>
-              <a:rPr lang="en-US" altLang="ko-KR" sz="4800" dirty="0" smtClean="0">
-                <a:latin typeface="HY견명조" panose="02030600000101010101" pitchFamily="18" charset="-127"/>
-                <a:ea typeface="HY견명조" panose="02030600000101010101" pitchFamily="18" charset="-127"/>
-              </a:rPr>
-              <a:t/>
-            </a:r>
             <a:br>
-              <a:rPr lang="en-US" altLang="ko-KR" sz="4800" dirty="0" smtClean="0">
+              <a:rPr lang="en-US" altLang="ko-KR" sz="4800" dirty="0">
                 <a:latin typeface="HY견명조" panose="02030600000101010101" pitchFamily="18" charset="-127"/>
                 <a:ea typeface="HY견명조" panose="02030600000101010101" pitchFamily="18" charset="-127"/>
               </a:rPr>
             </a:br>
             <a:r>
-              <a:rPr lang="ko-KR" altLang="en-US" sz="4000" dirty="0" smtClean="0">
+              <a:rPr lang="ko-KR" altLang="en-US" sz="4000" dirty="0">
                 <a:latin typeface="HY견명조" panose="02030600000101010101" pitchFamily="18" charset="-127"/>
                 <a:ea typeface="HY견명조" panose="02030600000101010101" pitchFamily="18" charset="-127"/>
               </a:rPr>
               <a:t>옴 바라 마니 다이 </a:t>
             </a:r>
             <a:r>
-              <a:rPr lang="ko-KR" altLang="en-US" sz="4000" dirty="0" err="1" smtClean="0">
+              <a:rPr lang="ko-KR" altLang="en-US" sz="4000" dirty="0" err="1">
                 <a:latin typeface="HY견명조" panose="02030600000101010101" pitchFamily="18" charset="-127"/>
                 <a:ea typeface="HY견명조" panose="02030600000101010101" pitchFamily="18" charset="-127"/>
               </a:rPr>

--- a/불교/[암기장]  1 불교 20220623목.pptx
+++ b/불교/[암기장]  1 불교 20220623목.pptx
@@ -23,6 +23,8 @@
     <p:sldId id="271" r:id="rId17"/>
     <p:sldId id="274" r:id="rId18"/>
     <p:sldId id="275" r:id="rId19"/>
+    <p:sldId id="276" r:id="rId20"/>
+    <p:sldId id="277" r:id="rId21"/>
   </p:sldIdLst>
   <p:sldSz cx="6858000" cy="9906000" type="A4"/>
   <p:notesSz cx="7104063" cy="10234613"/>
@@ -281,7 +283,7 @@
           <a:p>
             <a:fld id="{C93A7EF4-D5C1-4649-8A60-AD5557F2BE22}" type="datetimeFigureOut">
               <a:rPr lang="ko-KR" altLang="en-US" smtClean="0"/>
-              <a:t>2022-07-22</a:t>
+              <a:t>2022-07-28</a:t>
             </a:fld>
             <a:endParaRPr lang="ko-KR" altLang="en-US"/>
           </a:p>
@@ -451,7 +453,7 @@
           <a:p>
             <a:fld id="{C93A7EF4-D5C1-4649-8A60-AD5557F2BE22}" type="datetimeFigureOut">
               <a:rPr lang="ko-KR" altLang="en-US" smtClean="0"/>
-              <a:t>2022-07-22</a:t>
+              <a:t>2022-07-28</a:t>
             </a:fld>
             <a:endParaRPr lang="ko-KR" altLang="en-US"/>
           </a:p>
@@ -631,7 +633,7 @@
           <a:p>
             <a:fld id="{C93A7EF4-D5C1-4649-8A60-AD5557F2BE22}" type="datetimeFigureOut">
               <a:rPr lang="ko-KR" altLang="en-US" smtClean="0"/>
-              <a:t>2022-07-22</a:t>
+              <a:t>2022-07-28</a:t>
             </a:fld>
             <a:endParaRPr lang="ko-KR" altLang="en-US"/>
           </a:p>
@@ -801,7 +803,7 @@
           <a:p>
             <a:fld id="{C93A7EF4-D5C1-4649-8A60-AD5557F2BE22}" type="datetimeFigureOut">
               <a:rPr lang="ko-KR" altLang="en-US" smtClean="0"/>
-              <a:t>2022-07-22</a:t>
+              <a:t>2022-07-28</a:t>
             </a:fld>
             <a:endParaRPr lang="ko-KR" altLang="en-US"/>
           </a:p>
@@ -1045,7 +1047,7 @@
           <a:p>
             <a:fld id="{C93A7EF4-D5C1-4649-8A60-AD5557F2BE22}" type="datetimeFigureOut">
               <a:rPr lang="ko-KR" altLang="en-US" smtClean="0"/>
-              <a:t>2022-07-22</a:t>
+              <a:t>2022-07-28</a:t>
             </a:fld>
             <a:endParaRPr lang="ko-KR" altLang="en-US"/>
           </a:p>
@@ -1277,7 +1279,7 @@
           <a:p>
             <a:fld id="{C93A7EF4-D5C1-4649-8A60-AD5557F2BE22}" type="datetimeFigureOut">
               <a:rPr lang="ko-KR" altLang="en-US" smtClean="0"/>
-              <a:t>2022-07-22</a:t>
+              <a:t>2022-07-28</a:t>
             </a:fld>
             <a:endParaRPr lang="ko-KR" altLang="en-US"/>
           </a:p>
@@ -1644,7 +1646,7 @@
           <a:p>
             <a:fld id="{C93A7EF4-D5C1-4649-8A60-AD5557F2BE22}" type="datetimeFigureOut">
               <a:rPr lang="ko-KR" altLang="en-US" smtClean="0"/>
-              <a:t>2022-07-22</a:t>
+              <a:t>2022-07-28</a:t>
             </a:fld>
             <a:endParaRPr lang="ko-KR" altLang="en-US"/>
           </a:p>
@@ -1762,7 +1764,7 @@
           <a:p>
             <a:fld id="{C93A7EF4-D5C1-4649-8A60-AD5557F2BE22}" type="datetimeFigureOut">
               <a:rPr lang="ko-KR" altLang="en-US" smtClean="0"/>
-              <a:t>2022-07-22</a:t>
+              <a:t>2022-07-28</a:t>
             </a:fld>
             <a:endParaRPr lang="ko-KR" altLang="en-US"/>
           </a:p>
@@ -1857,7 +1859,7 @@
           <a:p>
             <a:fld id="{C93A7EF4-D5C1-4649-8A60-AD5557F2BE22}" type="datetimeFigureOut">
               <a:rPr lang="ko-KR" altLang="en-US" smtClean="0"/>
-              <a:t>2022-07-22</a:t>
+              <a:t>2022-07-28</a:t>
             </a:fld>
             <a:endParaRPr lang="ko-KR" altLang="en-US"/>
           </a:p>
@@ -2134,7 +2136,7 @@
           <a:p>
             <a:fld id="{C93A7EF4-D5C1-4649-8A60-AD5557F2BE22}" type="datetimeFigureOut">
               <a:rPr lang="ko-KR" altLang="en-US" smtClean="0"/>
-              <a:t>2022-07-22</a:t>
+              <a:t>2022-07-28</a:t>
             </a:fld>
             <a:endParaRPr lang="ko-KR" altLang="en-US"/>
           </a:p>
@@ -2391,7 +2393,7 @@
           <a:p>
             <a:fld id="{C93A7EF4-D5C1-4649-8A60-AD5557F2BE22}" type="datetimeFigureOut">
               <a:rPr lang="ko-KR" altLang="en-US" smtClean="0"/>
-              <a:t>2022-07-22</a:t>
+              <a:t>2022-07-28</a:t>
             </a:fld>
             <a:endParaRPr lang="ko-KR" altLang="en-US"/>
           </a:p>
@@ -2604,7 +2606,7 @@
           <a:p>
             <a:fld id="{C93A7EF4-D5C1-4649-8A60-AD5557F2BE22}" type="datetimeFigureOut">
               <a:rPr lang="ko-KR" altLang="en-US" smtClean="0"/>
-              <a:t>2022-07-22</a:t>
+              <a:t>2022-07-28</a:t>
             </a:fld>
             <a:endParaRPr lang="ko-KR" altLang="en-US"/>
           </a:p>
@@ -3416,6 +3418,13 @@
                 <a:spcPct val="100000"/>
               </a:lnSpc>
             </a:pPr>
+            <a:r>
+              <a:rPr lang="en-US" altLang="ko-KR" sz="4800" dirty="0">
+                <a:latin typeface="궁서" panose="02030600000101010101" pitchFamily="18" charset="-127"/>
+                <a:ea typeface="궁서" panose="02030600000101010101" pitchFamily="18" charset="-127"/>
+              </a:rPr>
+              <a:t/>
+            </a:r>
             <a:br>
               <a:rPr lang="en-US" altLang="ko-KR" sz="4800" dirty="0">
                 <a:latin typeface="궁서" panose="02030600000101010101" pitchFamily="18" charset="-127"/>
@@ -3436,6 +3445,13 @@
               </a:rPr>
               <a:t>제악막작</a:t>
             </a:r>
+            <a:r>
+              <a:rPr lang="en-US" altLang="ko-KR" sz="4800" dirty="0">
+                <a:latin typeface="궁서" panose="02030600000101010101" pitchFamily="18" charset="-127"/>
+                <a:ea typeface="궁서" panose="02030600000101010101" pitchFamily="18" charset="-127"/>
+              </a:rPr>
+              <a:t/>
+            </a:r>
             <a:br>
               <a:rPr lang="en-US" altLang="ko-KR" sz="4800" dirty="0">
                 <a:latin typeface="궁서" panose="02030600000101010101" pitchFamily="18" charset="-127"/>
@@ -3456,6 +3472,13 @@
               </a:rPr>
               <a:t>중선봉행</a:t>
             </a:r>
+            <a:r>
+              <a:rPr lang="en-US" altLang="ko-KR" sz="4800" dirty="0">
+                <a:latin typeface="궁서" panose="02030600000101010101" pitchFamily="18" charset="-127"/>
+                <a:ea typeface="궁서" panose="02030600000101010101" pitchFamily="18" charset="-127"/>
+              </a:rPr>
+              <a:t/>
+            </a:r>
             <a:br>
               <a:rPr lang="en-US" altLang="ko-KR" sz="4800" dirty="0">
                 <a:latin typeface="궁서" panose="02030600000101010101" pitchFamily="18" charset="-127"/>
@@ -3475,6 +3498,13 @@
                 <a:ea typeface="궁서" panose="02030600000101010101" pitchFamily="18" charset="-127"/>
               </a:rPr>
               <a:t>자정기의</a:t>
+            </a:r>
+            <a:r>
+              <a:rPr lang="en-US" altLang="ko-KR" sz="4800" dirty="0">
+                <a:latin typeface="궁서" panose="02030600000101010101" pitchFamily="18" charset="-127"/>
+                <a:ea typeface="궁서" panose="02030600000101010101" pitchFamily="18" charset="-127"/>
+              </a:rPr>
+              <a:t/>
             </a:r>
             <a:br>
               <a:rPr lang="en-US" altLang="ko-KR" sz="4800" dirty="0">
@@ -4335,12 +4365,16 @@
           <a:p>
             <a:pPr algn="ctr"/>
             <a:r>
-              <a:rPr lang="ko-KR" altLang="en-US" sz="5400" dirty="0">
-                <a:latin typeface="HY견명조" panose="02030600000101010101" pitchFamily="18" charset="-127"/>
-                <a:ea typeface="HY견명조" panose="02030600000101010101" pitchFamily="18" charset="-127"/>
-              </a:rPr>
-              <a:t>사성제</a:t>
-            </a:r>
+              <a:rPr lang="ko-KR" altLang="en-US" sz="5400" dirty="0" smtClean="0">
+                <a:latin typeface="HY견명조" panose="02030600000101010101" pitchFamily="18" charset="-127"/>
+                <a:ea typeface="HY견명조" panose="02030600000101010101" pitchFamily="18" charset="-127"/>
+              </a:rPr>
+              <a:t>四聖諦 사성제</a:t>
+            </a:r>
+            <a:endParaRPr lang="ko-KR" altLang="en-US" sz="5400" dirty="0">
+              <a:latin typeface="HY견명조" panose="02030600000101010101" pitchFamily="18" charset="-127"/>
+              <a:ea typeface="HY견명조" panose="02030600000101010101" pitchFamily="18" charset="-127"/>
+            </a:endParaRPr>
           </a:p>
         </p:txBody>
       </p:sp>
@@ -4372,14 +4406,14 @@
           </a:bodyPr>
           <a:lstStyle/>
           <a:p>
-            <a:pPr marL="0" indent="0">
+            <a:pPr marL="539750" indent="-539750">
               <a:lnSpc>
                 <a:spcPct val="150000"/>
               </a:lnSpc>
               <a:buNone/>
             </a:pPr>
             <a:r>
-              <a:rPr lang="en-US" altLang="ko-KR" sz="3200" b="0" i="0" dirty="0">
+              <a:rPr lang="en-US" altLang="ko-KR" sz="3200" b="1" i="0" dirty="0">
                 <a:solidFill>
                   <a:srgbClr val="000000"/>
                 </a:solidFill>
@@ -4390,7 +4424,7 @@
               <a:t>1. </a:t>
             </a:r>
             <a:r>
-              <a:rPr lang="ko-KR" altLang="en-US" sz="3200" b="0" i="0" dirty="0">
+              <a:rPr lang="ko-KR" altLang="en-US" sz="3200" b="1" i="0" dirty="0" smtClean="0">
                 <a:solidFill>
                   <a:srgbClr val="000000"/>
                 </a:solidFill>
@@ -4398,10 +4432,21 @@
                 <a:latin typeface="HY견명조" panose="02030600000101010101" pitchFamily="18" charset="-127"/>
                 <a:ea typeface="HY견명조" panose="02030600000101010101" pitchFamily="18" charset="-127"/>
               </a:rPr>
-              <a:t>고성제</a:t>
+              <a:t>苦聖諦 고성제</a:t>
+            </a:r>
+            <a:r>
+              <a:rPr lang="en-US" altLang="ko-KR" sz="3200" b="1" i="0" dirty="0">
+                <a:solidFill>
+                  <a:srgbClr val="000000"/>
+                </a:solidFill>
+                <a:effectLst/>
+                <a:latin typeface="HY견명조" panose="02030600000101010101" pitchFamily="18" charset="-127"/>
+                <a:ea typeface="HY견명조" panose="02030600000101010101" pitchFamily="18" charset="-127"/>
+              </a:rPr>
+              <a:t/>
             </a:r>
             <a:br>
-              <a:rPr lang="en-US" altLang="ko-KR" sz="3200" b="0" i="0" dirty="0">
+              <a:rPr lang="en-US" altLang="ko-KR" sz="3200" b="1" i="0" dirty="0">
                 <a:solidFill>
                   <a:srgbClr val="000000"/>
                 </a:solidFill>
@@ -4440,14 +4485,14 @@
             </a:endParaRPr>
           </a:p>
           <a:p>
-            <a:pPr marL="0" indent="0">
+            <a:pPr marL="623888" indent="-540000">
               <a:lnSpc>
                 <a:spcPct val="150000"/>
               </a:lnSpc>
               <a:buNone/>
             </a:pPr>
             <a:r>
-              <a:rPr lang="en-US" altLang="ko-KR" sz="3200" dirty="0">
+              <a:rPr lang="en-US" altLang="ko-KR" sz="3200" b="1" dirty="0">
                 <a:solidFill>
                   <a:srgbClr val="000000"/>
                 </a:solidFill>
@@ -4457,17 +4502,37 @@
               <a:t>2. </a:t>
             </a:r>
             <a:r>
-              <a:rPr lang="ko-KR" altLang="en-US" sz="3200" dirty="0" err="1">
+              <a:rPr lang="ko-KR" altLang="en-US" sz="3200" b="1" dirty="0" smtClean="0">
                 <a:solidFill>
                   <a:srgbClr val="000000"/>
                 </a:solidFill>
                 <a:latin typeface="HY견명조" panose="02030600000101010101" pitchFamily="18" charset="-127"/>
                 <a:ea typeface="HY견명조" panose="02030600000101010101" pitchFamily="18" charset="-127"/>
               </a:rPr>
+              <a:t>集聖諦 </a:t>
+            </a:r>
+            <a:r>
+              <a:rPr lang="ko-KR" altLang="en-US" sz="3200" b="1" dirty="0" err="1" smtClean="0">
+                <a:solidFill>
+                  <a:srgbClr val="000000"/>
+                </a:solidFill>
+                <a:latin typeface="HY견명조" panose="02030600000101010101" pitchFamily="18" charset="-127"/>
+                <a:ea typeface="HY견명조" panose="02030600000101010101" pitchFamily="18" charset="-127"/>
+              </a:rPr>
               <a:t>집성제</a:t>
             </a:r>
+            <a:r>
+              <a:rPr lang="en-US" altLang="ko-KR" sz="3200" b="1" dirty="0">
+                <a:solidFill>
+                  <a:srgbClr val="000000"/>
+                </a:solidFill>
+                <a:latin typeface="HY견명조" panose="02030600000101010101" pitchFamily="18" charset="-127"/>
+                <a:ea typeface="HY견명조" panose="02030600000101010101" pitchFamily="18" charset="-127"/>
+              </a:rPr>
+              <a:t/>
+            </a:r>
             <a:br>
-              <a:rPr lang="en-US" altLang="ko-KR" sz="3200" dirty="0">
+              <a:rPr lang="en-US" altLang="ko-KR" sz="3200" b="1" dirty="0">
                 <a:solidFill>
                   <a:srgbClr val="000000"/>
                 </a:solidFill>
@@ -4494,14 +4559,14 @@
             </a:endParaRPr>
           </a:p>
           <a:p>
-            <a:pPr marL="0" indent="0">
+            <a:pPr marL="623888" indent="-540000">
               <a:lnSpc>
                 <a:spcPct val="150000"/>
               </a:lnSpc>
               <a:buNone/>
             </a:pPr>
             <a:r>
-              <a:rPr lang="en-US" altLang="ko-KR" sz="3200" dirty="0">
+              <a:rPr lang="en-US" altLang="ko-KR" sz="3200" b="1" dirty="0">
                 <a:solidFill>
                   <a:srgbClr val="000000"/>
                 </a:solidFill>
@@ -4511,17 +4576,37 @@
               <a:t>3. </a:t>
             </a:r>
             <a:r>
-              <a:rPr lang="ko-KR" altLang="en-US" sz="3200" dirty="0" err="1">
+              <a:rPr lang="ko-KR" altLang="en-US" sz="3200" b="1" dirty="0" smtClean="0">
                 <a:solidFill>
                   <a:srgbClr val="000000"/>
                 </a:solidFill>
                 <a:latin typeface="HY견명조" panose="02030600000101010101" pitchFamily="18" charset="-127"/>
                 <a:ea typeface="HY견명조" panose="02030600000101010101" pitchFamily="18" charset="-127"/>
               </a:rPr>
+              <a:t>滅聖諦 </a:t>
+            </a:r>
+            <a:r>
+              <a:rPr lang="ko-KR" altLang="en-US" sz="3200" b="1" dirty="0" err="1" smtClean="0">
+                <a:solidFill>
+                  <a:srgbClr val="000000"/>
+                </a:solidFill>
+                <a:latin typeface="HY견명조" panose="02030600000101010101" pitchFamily="18" charset="-127"/>
+                <a:ea typeface="HY견명조" panose="02030600000101010101" pitchFamily="18" charset="-127"/>
+              </a:rPr>
               <a:t>멸성제</a:t>
             </a:r>
+            <a:r>
+              <a:rPr lang="en-US" altLang="ko-KR" sz="3200" b="1" dirty="0">
+                <a:solidFill>
+                  <a:srgbClr val="000000"/>
+                </a:solidFill>
+                <a:latin typeface="HY견명조" panose="02030600000101010101" pitchFamily="18" charset="-127"/>
+                <a:ea typeface="HY견명조" panose="02030600000101010101" pitchFamily="18" charset="-127"/>
+              </a:rPr>
+              <a:t/>
+            </a:r>
             <a:br>
-              <a:rPr lang="en-US" altLang="ko-KR" sz="3200" dirty="0">
+              <a:rPr lang="en-US" altLang="ko-KR" sz="3200" b="1" dirty="0">
                 <a:solidFill>
                   <a:srgbClr val="000000"/>
                 </a:solidFill>
@@ -4548,14 +4633,14 @@
             </a:endParaRPr>
           </a:p>
           <a:p>
-            <a:pPr marL="0" indent="0">
+            <a:pPr marL="623888" indent="-540000">
               <a:lnSpc>
                 <a:spcPct val="150000"/>
               </a:lnSpc>
               <a:buNone/>
             </a:pPr>
             <a:r>
-              <a:rPr lang="en-US" altLang="ko-KR" sz="3200" b="0" i="0" dirty="0">
+              <a:rPr lang="en-US" altLang="ko-KR" sz="3200" b="1" i="0" dirty="0">
                 <a:solidFill>
                   <a:srgbClr val="000000"/>
                 </a:solidFill>
@@ -4566,7 +4651,7 @@
               <a:t>4. </a:t>
             </a:r>
             <a:r>
-              <a:rPr lang="ko-KR" altLang="en-US" sz="3200" b="0" i="0" dirty="0" err="1">
+              <a:rPr lang="ko-KR" altLang="en-US" sz="3200" b="1" i="0" dirty="0" smtClean="0">
                 <a:solidFill>
                   <a:srgbClr val="000000"/>
                 </a:solidFill>
@@ -4574,10 +4659,32 @@
                 <a:latin typeface="HY견명조" panose="02030600000101010101" pitchFamily="18" charset="-127"/>
                 <a:ea typeface="HY견명조" panose="02030600000101010101" pitchFamily="18" charset="-127"/>
               </a:rPr>
+              <a:t>道聖諦 </a:t>
+            </a:r>
+            <a:r>
+              <a:rPr lang="ko-KR" altLang="en-US" sz="3200" b="1" i="0" dirty="0" err="1" smtClean="0">
+                <a:solidFill>
+                  <a:srgbClr val="000000"/>
+                </a:solidFill>
+                <a:effectLst/>
+                <a:latin typeface="HY견명조" panose="02030600000101010101" pitchFamily="18" charset="-127"/>
+                <a:ea typeface="HY견명조" panose="02030600000101010101" pitchFamily="18" charset="-127"/>
+              </a:rPr>
               <a:t>도성제</a:t>
             </a:r>
+            <a:r>
+              <a:rPr lang="en-US" altLang="ko-KR" sz="3200" b="1" i="0" dirty="0">
+                <a:solidFill>
+                  <a:srgbClr val="000000"/>
+                </a:solidFill>
+                <a:effectLst/>
+                <a:latin typeface="HY견명조" panose="02030600000101010101" pitchFamily="18" charset="-127"/>
+                <a:ea typeface="HY견명조" panose="02030600000101010101" pitchFamily="18" charset="-127"/>
+              </a:rPr>
+              <a:t/>
+            </a:r>
             <a:br>
-              <a:rPr lang="en-US" altLang="ko-KR" sz="3200" b="0" i="0" dirty="0">
+              <a:rPr lang="en-US" altLang="ko-KR" sz="3200" b="1" i="0" dirty="0">
                 <a:solidFill>
                   <a:srgbClr val="000000"/>
                 </a:solidFill>
@@ -5036,6 +5143,10 @@
               </a:rPr>
               <a:t>三日修心千載寶</a:t>
             </a:r>
+            <a:r>
+              <a:rPr lang="ko-KR" altLang="en-US" sz="4000" dirty="0"/>
+              <a:t/>
+            </a:r>
             <a:br>
               <a:rPr lang="ko-KR" altLang="en-US" sz="4000" dirty="0"/>
             </a:br>
@@ -5069,6 +5180,10 @@
               </a:rPr>
               <a:t>)</a:t>
             </a:r>
+            <a:r>
+              <a:rPr lang="ko-KR" altLang="en-US" sz="4000" dirty="0"/>
+              <a:t/>
+            </a:r>
             <a:br>
               <a:rPr lang="ko-KR" altLang="en-US" sz="4000" dirty="0"/>
             </a:br>
@@ -5092,9 +5207,17 @@
               </a:rPr>
               <a:t>,</a:t>
             </a:r>
+            <a:r>
+              <a:rPr lang="ko-KR" altLang="en-US" sz="4000" dirty="0"/>
+              <a:t/>
+            </a:r>
             <a:br>
               <a:rPr lang="ko-KR" altLang="en-US" sz="4000" dirty="0"/>
             </a:br>
+            <a:r>
+              <a:rPr lang="ko-KR" altLang="en-US" sz="4000" dirty="0"/>
+              <a:t/>
+            </a:r>
             <a:br>
               <a:rPr lang="ko-KR" altLang="en-US" sz="4000" dirty="0"/>
             </a:br>
@@ -5108,6 +5231,10 @@
               </a:rPr>
               <a:t>百年貪物一朝塵</a:t>
             </a:r>
+            <a:r>
+              <a:rPr lang="ko-KR" altLang="en-US" sz="4000" dirty="0"/>
+              <a:t/>
+            </a:r>
             <a:br>
               <a:rPr lang="ko-KR" altLang="en-US" sz="4000" dirty="0"/>
             </a:br>
@@ -5140,6 +5267,10 @@
                 <a:latin typeface="Helvetica Neue"/>
               </a:rPr>
               <a:t>)</a:t>
+            </a:r>
+            <a:r>
+              <a:rPr lang="ko-KR" altLang="en-US" sz="4000" dirty="0"/>
+              <a:t/>
             </a:r>
             <a:br>
               <a:rPr lang="ko-KR" altLang="en-US" sz="4000" dirty="0"/>
@@ -5276,6 +5407,13 @@
               </a:rPr>
               <a:t>사고팔고</a:t>
             </a:r>
+            <a:r>
+              <a:rPr lang="en-US" altLang="ko-KR" sz="4800" dirty="0">
+                <a:latin typeface="HY견명조" panose="02030600000101010101" pitchFamily="18" charset="-127"/>
+                <a:ea typeface="HY견명조" panose="02030600000101010101" pitchFamily="18" charset="-127"/>
+              </a:rPr>
+              <a:t/>
+            </a:r>
             <a:br>
               <a:rPr lang="en-US" altLang="ko-KR" sz="4800" dirty="0">
                 <a:latin typeface="HY견명조" panose="02030600000101010101" pitchFamily="18" charset="-127"/>
@@ -5456,6 +5594,494 @@
     <p:extLst>
       <p:ext uri="{BB962C8B-B14F-4D97-AF65-F5344CB8AC3E}">
         <p14:creationId xmlns:p14="http://schemas.microsoft.com/office/powerpoint/2010/main" val="3954621932"/>
+      </p:ext>
+    </p:extLst>
+  </p:cSld>
+  <p:clrMapOvr>
+    <a:masterClrMapping/>
+  </p:clrMapOvr>
+</p:sld>
+</file>
+
+<file path=ppt/slides/slide19.xml><?xml version="1.0" encoding="utf-8"?>
+<p:sld xmlns:a="http://schemas.openxmlformats.org/drawingml/2006/main" xmlns:r="http://schemas.openxmlformats.org/officeDocument/2006/relationships" xmlns:p="http://schemas.openxmlformats.org/presentationml/2006/main">
+  <p:cSld>
+    <p:spTree>
+      <p:nvGrpSpPr>
+        <p:cNvPr id="1" name=""/>
+        <p:cNvGrpSpPr/>
+        <p:nvPr/>
+      </p:nvGrpSpPr>
+      <p:grpSpPr>
+        <a:xfrm>
+          <a:off x="0" y="0"/>
+          <a:ext cx="0" cy="0"/>
+          <a:chOff x="0" y="0"/>
+          <a:chExt cx="0" cy="0"/>
+        </a:xfrm>
+      </p:grpSpPr>
+      <p:sp>
+        <p:nvSpPr>
+          <p:cNvPr id="2" name="제목 1">
+            <a:extLst>
+              <a:ext uri="{FF2B5EF4-FFF2-40B4-BE49-F238E27FC236}">
+                <a16:creationId xmlns:a16="http://schemas.microsoft.com/office/drawing/2014/main" id="{99C82029-9811-096C-7E2E-CFE1C7ACC26F}"/>
+              </a:ext>
+            </a:extLst>
+          </p:cNvPr>
+          <p:cNvSpPr>
+            <a:spLocks noGrp="1"/>
+          </p:cNvSpPr>
+          <p:nvPr>
+            <p:ph type="title"/>
+          </p:nvPr>
+        </p:nvSpPr>
+        <p:spPr>
+          <a:xfrm>
+            <a:off x="484935" y="244772"/>
+            <a:ext cx="5915025" cy="1914702"/>
+          </a:xfrm>
+        </p:spPr>
+        <p:txBody>
+          <a:bodyPr>
+            <a:normAutofit/>
+          </a:bodyPr>
+          <a:lstStyle/>
+          <a:p>
+            <a:pPr algn="ctr"/>
+            <a:r>
+              <a:rPr lang="ko-KR" altLang="en-US" sz="4800" dirty="0" err="1" smtClean="0">
+                <a:latin typeface="HY견명조" panose="02030600000101010101" pitchFamily="18" charset="-127"/>
+                <a:ea typeface="HY견명조" panose="02030600000101010101" pitchFamily="18" charset="-127"/>
+              </a:rPr>
+              <a:t>삼독</a:t>
+            </a:r>
+            <a:r>
+              <a:rPr lang="ko-KR" altLang="en-US" sz="4800" dirty="0" smtClean="0">
+                <a:latin typeface="HY견명조" panose="02030600000101010101" pitchFamily="18" charset="-127"/>
+                <a:ea typeface="HY견명조" panose="02030600000101010101" pitchFamily="18" charset="-127"/>
+              </a:rPr>
+              <a:t> 三毒</a:t>
+            </a:r>
+            <a:r>
+              <a:rPr lang="en-US" altLang="ko-KR" sz="4800" dirty="0" smtClean="0">
+                <a:latin typeface="HY견명조" panose="02030600000101010101" pitchFamily="18" charset="-127"/>
+                <a:ea typeface="HY견명조" panose="02030600000101010101" pitchFamily="18" charset="-127"/>
+              </a:rPr>
+              <a:t/>
+            </a:r>
+            <a:br>
+              <a:rPr lang="en-US" altLang="ko-KR" sz="4800" dirty="0" smtClean="0">
+                <a:latin typeface="HY견명조" panose="02030600000101010101" pitchFamily="18" charset="-127"/>
+                <a:ea typeface="HY견명조" panose="02030600000101010101" pitchFamily="18" charset="-127"/>
+              </a:rPr>
+            </a:br>
+            <a:r>
+              <a:rPr lang="ko-KR" altLang="en-US" sz="4800" dirty="0" smtClean="0">
+                <a:latin typeface="HY견명조" panose="02030600000101010101" pitchFamily="18" charset="-127"/>
+                <a:ea typeface="HY견명조" panose="02030600000101010101" pitchFamily="18" charset="-127"/>
+              </a:rPr>
+              <a:t>貪탐 嗔진 癡치</a:t>
+            </a:r>
+            <a:endParaRPr lang="ko-KR" altLang="en-US" sz="4800" dirty="0">
+              <a:latin typeface="HY견명조" panose="02030600000101010101" pitchFamily="18" charset="-127"/>
+              <a:ea typeface="HY견명조" panose="02030600000101010101" pitchFamily="18" charset="-127"/>
+            </a:endParaRPr>
+          </a:p>
+        </p:txBody>
+      </p:sp>
+      <p:sp>
+        <p:nvSpPr>
+          <p:cNvPr id="4" name="제목 1">
+            <a:extLst>
+              <a:ext uri="{FF2B5EF4-FFF2-40B4-BE49-F238E27FC236}">
+                <a16:creationId xmlns:a16="http://schemas.microsoft.com/office/drawing/2014/main" id="{99C82029-9811-096C-7E2E-CFE1C7ACC26F}"/>
+              </a:ext>
+            </a:extLst>
+          </p:cNvPr>
+          <p:cNvSpPr txBox="1">
+            <a:spLocks/>
+          </p:cNvSpPr>
+          <p:nvPr/>
+        </p:nvSpPr>
+        <p:spPr>
+          <a:xfrm>
+            <a:off x="471487" y="2087575"/>
+            <a:ext cx="5915025" cy="1914702"/>
+          </a:xfrm>
+          <a:prstGeom prst="rect">
+            <a:avLst/>
+          </a:prstGeom>
+        </p:spPr>
+        <p:txBody>
+          <a:bodyPr vert="horz" lIns="91440" tIns="45720" rIns="91440" bIns="45720" rtlCol="0" anchor="ctr">
+            <a:normAutofit/>
+          </a:bodyPr>
+          <a:lstStyle>
+            <a:lvl1pPr algn="l" defTabSz="685800" rtl="0" eaLnBrk="1" latinLnBrk="1" hangingPunct="1">
+              <a:lnSpc>
+                <a:spcPct val="90000"/>
+              </a:lnSpc>
+              <a:spcBef>
+                <a:spcPct val="0"/>
+              </a:spcBef>
+              <a:buNone/>
+              <a:defRPr sz="3300" kern="1200">
+                <a:solidFill>
+                  <a:schemeClr val="tx1"/>
+                </a:solidFill>
+                <a:latin typeface="+mj-lt"/>
+                <a:ea typeface="+mj-ea"/>
+                <a:cs typeface="+mj-cs"/>
+              </a:defRPr>
+            </a:lvl1pPr>
+          </a:lstStyle>
+          <a:p>
+            <a:pPr algn="ctr"/>
+            <a:r>
+              <a:rPr lang="ko-KR" altLang="en-US" sz="4800" dirty="0" smtClean="0">
+                <a:latin typeface="HY견명조" panose="02030600000101010101" pitchFamily="18" charset="-127"/>
+                <a:ea typeface="HY견명조" panose="02030600000101010101" pitchFamily="18" charset="-127"/>
+              </a:rPr>
+              <a:t>삼학 三學</a:t>
+            </a:r>
+            <a:r>
+              <a:rPr lang="en-US" altLang="ko-KR" sz="4800" dirty="0" smtClean="0">
+                <a:latin typeface="HY견명조" panose="02030600000101010101" pitchFamily="18" charset="-127"/>
+                <a:ea typeface="HY견명조" panose="02030600000101010101" pitchFamily="18" charset="-127"/>
+              </a:rPr>
+              <a:t/>
+            </a:r>
+            <a:br>
+              <a:rPr lang="en-US" altLang="ko-KR" sz="4800" dirty="0" smtClean="0">
+                <a:latin typeface="HY견명조" panose="02030600000101010101" pitchFamily="18" charset="-127"/>
+                <a:ea typeface="HY견명조" panose="02030600000101010101" pitchFamily="18" charset="-127"/>
+              </a:rPr>
+            </a:br>
+            <a:r>
+              <a:rPr lang="ko-KR" altLang="en-US" sz="4800" dirty="0" smtClean="0">
+                <a:latin typeface="HY견명조" panose="02030600000101010101" pitchFamily="18" charset="-127"/>
+                <a:ea typeface="HY견명조" panose="02030600000101010101" pitchFamily="18" charset="-127"/>
+              </a:rPr>
+              <a:t>戒계 </a:t>
+            </a:r>
+            <a:r>
+              <a:rPr lang="ko-KR" altLang="en-US" sz="4800" dirty="0">
+                <a:latin typeface="HY견명조" panose="02030600000101010101" pitchFamily="18" charset="-127"/>
+                <a:ea typeface="HY견명조" panose="02030600000101010101" pitchFamily="18" charset="-127"/>
+              </a:rPr>
+              <a:t>定정 </a:t>
+            </a:r>
+            <a:r>
+              <a:rPr lang="ko-KR" altLang="en-US" sz="4800" dirty="0" smtClean="0">
+                <a:latin typeface="HY견명조" panose="02030600000101010101" pitchFamily="18" charset="-127"/>
+                <a:ea typeface="HY견명조" panose="02030600000101010101" pitchFamily="18" charset="-127"/>
+              </a:rPr>
+              <a:t>慧혜</a:t>
+            </a:r>
+            <a:endParaRPr lang="en-US" altLang="ko-KR" sz="4800" dirty="0">
+              <a:latin typeface="HY견명조" panose="02030600000101010101" pitchFamily="18" charset="-127"/>
+              <a:ea typeface="HY견명조" panose="02030600000101010101" pitchFamily="18" charset="-127"/>
+            </a:endParaRPr>
+          </a:p>
+        </p:txBody>
+      </p:sp>
+      <p:sp>
+        <p:nvSpPr>
+          <p:cNvPr id="6" name="제목 1">
+            <a:extLst>
+              <a:ext uri="{FF2B5EF4-FFF2-40B4-BE49-F238E27FC236}">
+                <a16:creationId xmlns:a16="http://schemas.microsoft.com/office/drawing/2014/main" id="{99C82029-9811-096C-7E2E-CFE1C7ACC26F}"/>
+              </a:ext>
+            </a:extLst>
+          </p:cNvPr>
+          <p:cNvSpPr txBox="1">
+            <a:spLocks/>
+          </p:cNvSpPr>
+          <p:nvPr/>
+        </p:nvSpPr>
+        <p:spPr>
+          <a:xfrm>
+            <a:off x="357447" y="4953000"/>
+            <a:ext cx="6267797" cy="2935779"/>
+          </a:xfrm>
+          <a:prstGeom prst="rect">
+            <a:avLst/>
+          </a:prstGeom>
+        </p:spPr>
+        <p:txBody>
+          <a:bodyPr vert="horz" lIns="91440" tIns="45720" rIns="91440" bIns="45720" rtlCol="0" anchor="ctr">
+            <a:noAutofit/>
+          </a:bodyPr>
+          <a:lstStyle>
+            <a:lvl1pPr algn="l" defTabSz="685800" rtl="0" eaLnBrk="1" latinLnBrk="1" hangingPunct="1">
+              <a:lnSpc>
+                <a:spcPct val="90000"/>
+              </a:lnSpc>
+              <a:spcBef>
+                <a:spcPct val="0"/>
+              </a:spcBef>
+              <a:buNone/>
+              <a:defRPr sz="3300" kern="1200">
+                <a:solidFill>
+                  <a:schemeClr val="tx1"/>
+                </a:solidFill>
+                <a:latin typeface="+mj-lt"/>
+                <a:ea typeface="+mj-ea"/>
+                <a:cs typeface="+mj-cs"/>
+              </a:defRPr>
+            </a:lvl1pPr>
+          </a:lstStyle>
+          <a:p>
+            <a:pPr>
+              <a:spcAft>
+                <a:spcPts val="1200"/>
+              </a:spcAft>
+            </a:pPr>
+            <a:r>
+              <a:rPr lang="ko-KR" altLang="en-US" sz="4800" dirty="0" smtClean="0">
+                <a:latin typeface="HY견명조" panose="02030600000101010101" pitchFamily="18" charset="-127"/>
+                <a:ea typeface="HY견명조" panose="02030600000101010101" pitchFamily="18" charset="-127"/>
+              </a:rPr>
+              <a:t>육바라밀 六波羅蜜</a:t>
+            </a:r>
+            <a:endParaRPr lang="en-US" altLang="ko-KR" sz="4800" dirty="0" smtClean="0">
+              <a:latin typeface="HY견명조" panose="02030600000101010101" pitchFamily="18" charset="-127"/>
+              <a:ea typeface="HY견명조" panose="02030600000101010101" pitchFamily="18" charset="-127"/>
+            </a:endParaRPr>
+          </a:p>
+          <a:p>
+            <a:r>
+              <a:rPr lang="en-US" altLang="ko-KR" sz="4000" dirty="0" smtClean="0">
+                <a:latin typeface="HY견명조" panose="02030600000101010101" pitchFamily="18" charset="-127"/>
+                <a:ea typeface="HY견명조" panose="02030600000101010101" pitchFamily="18" charset="-127"/>
+              </a:rPr>
+              <a:t>·</a:t>
+            </a:r>
+            <a:r>
+              <a:rPr lang="ko-KR" altLang="en-US" sz="4000" dirty="0" smtClean="0">
+                <a:latin typeface="HY견명조" panose="02030600000101010101" pitchFamily="18" charset="-127"/>
+                <a:ea typeface="HY견명조" panose="02030600000101010101" pitchFamily="18" charset="-127"/>
+              </a:rPr>
+              <a:t>보시</a:t>
+            </a:r>
+            <a:r>
+              <a:rPr lang="en-US" altLang="ko-KR" sz="4000" dirty="0" smtClean="0">
+                <a:latin typeface="HY견명조" panose="02030600000101010101" pitchFamily="18" charset="-127"/>
+                <a:ea typeface="HY견명조" panose="02030600000101010101" pitchFamily="18" charset="-127"/>
+              </a:rPr>
+              <a:t>(</a:t>
+            </a:r>
+            <a:r>
+              <a:rPr lang="ko-KR" altLang="en-US" sz="4000" dirty="0" smtClean="0">
+                <a:latin typeface="HY견명조" panose="02030600000101010101" pitchFamily="18" charset="-127"/>
+                <a:ea typeface="HY견명조" panose="02030600000101010101" pitchFamily="18" charset="-127"/>
+              </a:rPr>
+              <a:t>布施</a:t>
+            </a:r>
+            <a:r>
+              <a:rPr lang="en-US" altLang="ko-KR" sz="4000" dirty="0" smtClean="0">
+                <a:latin typeface="HY견명조" panose="02030600000101010101" pitchFamily="18" charset="-127"/>
+                <a:ea typeface="HY견명조" panose="02030600000101010101" pitchFamily="18" charset="-127"/>
+              </a:rPr>
+              <a:t>)</a:t>
+            </a:r>
+          </a:p>
+          <a:p>
+            <a:r>
+              <a:rPr lang="en-US" altLang="ko-KR" sz="4000" dirty="0" smtClean="0">
+                <a:latin typeface="HY견명조" panose="02030600000101010101" pitchFamily="18" charset="-127"/>
+                <a:ea typeface="HY견명조" panose="02030600000101010101" pitchFamily="18" charset="-127"/>
+              </a:rPr>
+              <a:t>·</a:t>
+            </a:r>
+            <a:r>
+              <a:rPr lang="ko-KR" altLang="en-US" sz="4000" dirty="0" smtClean="0">
+                <a:latin typeface="HY견명조" panose="02030600000101010101" pitchFamily="18" charset="-127"/>
+                <a:ea typeface="HY견명조" panose="02030600000101010101" pitchFamily="18" charset="-127"/>
+              </a:rPr>
+              <a:t>지계</a:t>
+            </a:r>
+            <a:r>
+              <a:rPr lang="en-US" altLang="ko-KR" sz="4000" dirty="0" smtClean="0">
+                <a:latin typeface="HY견명조" panose="02030600000101010101" pitchFamily="18" charset="-127"/>
+                <a:ea typeface="HY견명조" panose="02030600000101010101" pitchFamily="18" charset="-127"/>
+              </a:rPr>
+              <a:t>(</a:t>
+            </a:r>
+            <a:r>
+              <a:rPr lang="ko-KR" altLang="en-US" sz="4000" dirty="0" smtClean="0">
+                <a:latin typeface="HY견명조" panose="02030600000101010101" pitchFamily="18" charset="-127"/>
+                <a:ea typeface="HY견명조" panose="02030600000101010101" pitchFamily="18" charset="-127"/>
+              </a:rPr>
+              <a:t>持戒</a:t>
+            </a:r>
+            <a:r>
+              <a:rPr lang="en-US" altLang="ko-KR" sz="4000" dirty="0" smtClean="0">
+                <a:latin typeface="HY견명조" panose="02030600000101010101" pitchFamily="18" charset="-127"/>
+                <a:ea typeface="HY견명조" panose="02030600000101010101" pitchFamily="18" charset="-127"/>
+              </a:rPr>
+              <a:t>)</a:t>
+            </a:r>
+          </a:p>
+          <a:p>
+            <a:r>
+              <a:rPr lang="en-US" altLang="ko-KR" sz="4000" dirty="0" smtClean="0">
+                <a:latin typeface="HY견명조" panose="02030600000101010101" pitchFamily="18" charset="-127"/>
+                <a:ea typeface="HY견명조" panose="02030600000101010101" pitchFamily="18" charset="-127"/>
+              </a:rPr>
+              <a:t>·</a:t>
+            </a:r>
+            <a:r>
+              <a:rPr lang="ko-KR" altLang="en-US" sz="4000" dirty="0" err="1">
+                <a:latin typeface="HY견명조" panose="02030600000101010101" pitchFamily="18" charset="-127"/>
+                <a:ea typeface="HY견명조" panose="02030600000101010101" pitchFamily="18" charset="-127"/>
+              </a:rPr>
+              <a:t>인욕</a:t>
+            </a:r>
+            <a:r>
+              <a:rPr lang="en-US" altLang="ko-KR" sz="4000" dirty="0">
+                <a:latin typeface="HY견명조" panose="02030600000101010101" pitchFamily="18" charset="-127"/>
+                <a:ea typeface="HY견명조" panose="02030600000101010101" pitchFamily="18" charset="-127"/>
+              </a:rPr>
+              <a:t>(</a:t>
+            </a:r>
+            <a:r>
+              <a:rPr lang="ko-KR" altLang="en-US" sz="4000" dirty="0">
+                <a:latin typeface="HY견명조" panose="02030600000101010101" pitchFamily="18" charset="-127"/>
+                <a:ea typeface="HY견명조" panose="02030600000101010101" pitchFamily="18" charset="-127"/>
+              </a:rPr>
+              <a:t>忍辱</a:t>
+            </a:r>
+            <a:r>
+              <a:rPr lang="en-US" altLang="ko-KR" sz="4000" dirty="0" smtClean="0">
+                <a:latin typeface="HY견명조" panose="02030600000101010101" pitchFamily="18" charset="-127"/>
+                <a:ea typeface="HY견명조" panose="02030600000101010101" pitchFamily="18" charset="-127"/>
+              </a:rPr>
+              <a:t>)</a:t>
+            </a:r>
+          </a:p>
+          <a:p>
+            <a:r>
+              <a:rPr lang="en-US" altLang="ko-KR" sz="4000" dirty="0" smtClean="0">
+                <a:latin typeface="HY견명조" panose="02030600000101010101" pitchFamily="18" charset="-127"/>
+                <a:ea typeface="HY견명조" panose="02030600000101010101" pitchFamily="18" charset="-127"/>
+              </a:rPr>
+              <a:t>·</a:t>
+            </a:r>
+            <a:r>
+              <a:rPr lang="ko-KR" altLang="en-US" sz="4000" dirty="0">
+                <a:latin typeface="HY견명조" panose="02030600000101010101" pitchFamily="18" charset="-127"/>
+                <a:ea typeface="HY견명조" panose="02030600000101010101" pitchFamily="18" charset="-127"/>
+              </a:rPr>
+              <a:t>정진</a:t>
+            </a:r>
+            <a:r>
+              <a:rPr lang="en-US" altLang="ko-KR" sz="4000" dirty="0">
+                <a:latin typeface="HY견명조" panose="02030600000101010101" pitchFamily="18" charset="-127"/>
+                <a:ea typeface="HY견명조" panose="02030600000101010101" pitchFamily="18" charset="-127"/>
+              </a:rPr>
+              <a:t>(</a:t>
+            </a:r>
+            <a:r>
+              <a:rPr lang="ko-KR" altLang="en-US" sz="4000" dirty="0">
+                <a:latin typeface="HY견명조" panose="02030600000101010101" pitchFamily="18" charset="-127"/>
+                <a:ea typeface="HY견명조" panose="02030600000101010101" pitchFamily="18" charset="-127"/>
+              </a:rPr>
+              <a:t>精進</a:t>
+            </a:r>
+            <a:r>
+              <a:rPr lang="en-US" altLang="ko-KR" sz="4000" dirty="0" smtClean="0">
+                <a:latin typeface="HY견명조" panose="02030600000101010101" pitchFamily="18" charset="-127"/>
+                <a:ea typeface="HY견명조" panose="02030600000101010101" pitchFamily="18" charset="-127"/>
+              </a:rPr>
+              <a:t>)</a:t>
+            </a:r>
+          </a:p>
+          <a:p>
+            <a:r>
+              <a:rPr lang="en-US" altLang="ko-KR" sz="4000" dirty="0" smtClean="0">
+                <a:latin typeface="HY견명조" panose="02030600000101010101" pitchFamily="18" charset="-127"/>
+                <a:ea typeface="HY견명조" panose="02030600000101010101" pitchFamily="18" charset="-127"/>
+              </a:rPr>
+              <a:t>·</a:t>
+            </a:r>
+            <a:r>
+              <a:rPr lang="ko-KR" altLang="en-US" sz="4000" dirty="0">
+                <a:latin typeface="HY견명조" panose="02030600000101010101" pitchFamily="18" charset="-127"/>
+                <a:ea typeface="HY견명조" panose="02030600000101010101" pitchFamily="18" charset="-127"/>
+              </a:rPr>
+              <a:t>선정</a:t>
+            </a:r>
+            <a:r>
+              <a:rPr lang="en-US" altLang="ko-KR" sz="4000" dirty="0">
+                <a:latin typeface="HY견명조" panose="02030600000101010101" pitchFamily="18" charset="-127"/>
+                <a:ea typeface="HY견명조" panose="02030600000101010101" pitchFamily="18" charset="-127"/>
+              </a:rPr>
+              <a:t>(</a:t>
+            </a:r>
+            <a:r>
+              <a:rPr lang="ko-KR" altLang="en-US" sz="4000" dirty="0">
+                <a:latin typeface="HY견명조" panose="02030600000101010101" pitchFamily="18" charset="-127"/>
+                <a:ea typeface="HY견명조" panose="02030600000101010101" pitchFamily="18" charset="-127"/>
+              </a:rPr>
+              <a:t>禪定</a:t>
+            </a:r>
+            <a:r>
+              <a:rPr lang="en-US" altLang="ko-KR" sz="4000" dirty="0" smtClean="0">
+                <a:latin typeface="HY견명조" panose="02030600000101010101" pitchFamily="18" charset="-127"/>
+                <a:ea typeface="HY견명조" panose="02030600000101010101" pitchFamily="18" charset="-127"/>
+              </a:rPr>
+              <a:t>)</a:t>
+            </a:r>
+          </a:p>
+          <a:p>
+            <a:r>
+              <a:rPr lang="en-US" altLang="ko-KR" sz="4000" dirty="0" smtClean="0">
+                <a:latin typeface="HY견명조" panose="02030600000101010101" pitchFamily="18" charset="-127"/>
+                <a:ea typeface="HY견명조" panose="02030600000101010101" pitchFamily="18" charset="-127"/>
+              </a:rPr>
+              <a:t>·</a:t>
+            </a:r>
+            <a:r>
+              <a:rPr lang="ko-KR" altLang="en-US" sz="4000" dirty="0">
+                <a:latin typeface="HY견명조" panose="02030600000101010101" pitchFamily="18" charset="-127"/>
+                <a:ea typeface="HY견명조" panose="02030600000101010101" pitchFamily="18" charset="-127"/>
+              </a:rPr>
+              <a:t>반야바라밀</a:t>
+            </a:r>
+            <a:r>
+              <a:rPr lang="en-US" altLang="ko-KR" sz="4000" dirty="0">
+                <a:latin typeface="HY견명조" panose="02030600000101010101" pitchFamily="18" charset="-127"/>
+                <a:ea typeface="HY견명조" panose="02030600000101010101" pitchFamily="18" charset="-127"/>
+              </a:rPr>
+              <a:t>(</a:t>
+            </a:r>
+            <a:r>
+              <a:rPr lang="ko-KR" altLang="en-US" sz="4000" dirty="0">
+                <a:latin typeface="HY견명조" panose="02030600000101010101" pitchFamily="18" charset="-127"/>
+                <a:ea typeface="HY견명조" panose="02030600000101010101" pitchFamily="18" charset="-127"/>
+              </a:rPr>
+              <a:t>般若波羅蜜</a:t>
+            </a:r>
+            <a:r>
+              <a:rPr lang="en-US" altLang="ko-KR" sz="4000" dirty="0" smtClean="0">
+                <a:latin typeface="HY견명조" panose="02030600000101010101" pitchFamily="18" charset="-127"/>
+                <a:ea typeface="HY견명조" panose="02030600000101010101" pitchFamily="18" charset="-127"/>
+              </a:rPr>
+              <a:t>)</a:t>
+            </a:r>
+            <a:endParaRPr lang="ko-KR" altLang="en-US" sz="4000" dirty="0">
+              <a:latin typeface="HY견명조" panose="02030600000101010101" pitchFamily="18" charset="-127"/>
+              <a:ea typeface="HY견명조" panose="02030600000101010101" pitchFamily="18" charset="-127"/>
+            </a:endParaRPr>
+          </a:p>
+        </p:txBody>
+      </p:sp>
+    </p:spTree>
+    <p:extLst>
+      <p:ext uri="{BB962C8B-B14F-4D97-AF65-F5344CB8AC3E}">
+        <p14:creationId xmlns:p14="http://schemas.microsoft.com/office/powerpoint/2010/main" val="739977369"/>
       </p:ext>
     </p:extLst>
   </p:cSld>
@@ -5880,6 +6506,240 @@
     <p:extLst>
       <p:ext uri="{BB962C8B-B14F-4D97-AF65-F5344CB8AC3E}">
         <p14:creationId xmlns:p14="http://schemas.microsoft.com/office/powerpoint/2010/main" val="3242340681"/>
+      </p:ext>
+    </p:extLst>
+  </p:cSld>
+  <p:clrMapOvr>
+    <a:masterClrMapping/>
+  </p:clrMapOvr>
+</p:sld>
+</file>
+
+<file path=ppt/slides/slide20.xml><?xml version="1.0" encoding="utf-8"?>
+<p:sld xmlns:a="http://schemas.openxmlformats.org/drawingml/2006/main" xmlns:r="http://schemas.openxmlformats.org/officeDocument/2006/relationships" xmlns:p="http://schemas.openxmlformats.org/presentationml/2006/main">
+  <p:cSld>
+    <p:spTree>
+      <p:nvGrpSpPr>
+        <p:cNvPr id="1" name=""/>
+        <p:cNvGrpSpPr/>
+        <p:nvPr/>
+      </p:nvGrpSpPr>
+      <p:grpSpPr>
+        <a:xfrm>
+          <a:off x="0" y="0"/>
+          <a:ext cx="0" cy="0"/>
+          <a:chOff x="0" y="0"/>
+          <a:chExt cx="0" cy="0"/>
+        </a:xfrm>
+      </p:grpSpPr>
+      <p:sp>
+        <p:nvSpPr>
+          <p:cNvPr id="2" name="제목 1">
+            <a:extLst>
+              <a:ext uri="{FF2B5EF4-FFF2-40B4-BE49-F238E27FC236}">
+                <a16:creationId xmlns:a16="http://schemas.microsoft.com/office/drawing/2014/main" id="{99C82029-9811-096C-7E2E-CFE1C7ACC26F}"/>
+              </a:ext>
+            </a:extLst>
+          </p:cNvPr>
+          <p:cNvSpPr>
+            <a:spLocks noGrp="1"/>
+          </p:cNvSpPr>
+          <p:nvPr>
+            <p:ph type="title"/>
+          </p:nvPr>
+        </p:nvSpPr>
+        <p:spPr>
+          <a:xfrm>
+            <a:off x="188913" y="302961"/>
+            <a:ext cx="5915025" cy="1914702"/>
+          </a:xfrm>
+        </p:spPr>
+        <p:txBody>
+          <a:bodyPr>
+            <a:normAutofit/>
+          </a:bodyPr>
+          <a:lstStyle/>
+          <a:p>
+            <a:pPr algn="ctr"/>
+            <a:r>
+              <a:rPr lang="ko-KR" altLang="en-US" sz="4800" dirty="0" smtClean="0">
+                <a:latin typeface="HY견명조" panose="02030600000101010101" pitchFamily="18" charset="-127"/>
+                <a:ea typeface="HY견명조" panose="02030600000101010101" pitchFamily="18" charset="-127"/>
+              </a:rPr>
+              <a:t>반야심경의 </a:t>
+            </a:r>
+            <a:r>
+              <a:rPr lang="ko-KR" altLang="en-US" sz="4800" dirty="0" err="1" smtClean="0">
+                <a:latin typeface="HY견명조" panose="02030600000101010101" pitchFamily="18" charset="-127"/>
+                <a:ea typeface="HY견명조" panose="02030600000101010101" pitchFamily="18" charset="-127"/>
+              </a:rPr>
+              <a:t>종취</a:t>
+            </a:r>
+            <a:r>
+              <a:rPr lang="en-US" altLang="ko-KR" sz="4800" dirty="0" smtClean="0">
+                <a:latin typeface="HY견명조" panose="02030600000101010101" pitchFamily="18" charset="-127"/>
+                <a:ea typeface="HY견명조" panose="02030600000101010101" pitchFamily="18" charset="-127"/>
+              </a:rPr>
+              <a:t/>
+            </a:r>
+            <a:br>
+              <a:rPr lang="en-US" altLang="ko-KR" sz="4800" dirty="0" smtClean="0">
+                <a:latin typeface="HY견명조" panose="02030600000101010101" pitchFamily="18" charset="-127"/>
+                <a:ea typeface="HY견명조" panose="02030600000101010101" pitchFamily="18" charset="-127"/>
+              </a:rPr>
+            </a:br>
+            <a:r>
+              <a:rPr lang="ko-KR" altLang="en-US" sz="4800" dirty="0" smtClean="0">
+                <a:latin typeface="HY견명조" panose="02030600000101010101" pitchFamily="18" charset="-127"/>
+                <a:ea typeface="HY견명조" panose="02030600000101010101" pitchFamily="18" charset="-127"/>
+              </a:rPr>
+              <a:t>般若心經의 宗趣</a:t>
+            </a:r>
+            <a:endParaRPr lang="ko-KR" altLang="en-US" sz="4800" dirty="0">
+              <a:latin typeface="HY견명조" panose="02030600000101010101" pitchFamily="18" charset="-127"/>
+              <a:ea typeface="HY견명조" panose="02030600000101010101" pitchFamily="18" charset="-127"/>
+            </a:endParaRPr>
+          </a:p>
+        </p:txBody>
+      </p:sp>
+      <p:sp>
+        <p:nvSpPr>
+          <p:cNvPr id="5" name="제목 1">
+            <a:extLst>
+              <a:ext uri="{FF2B5EF4-FFF2-40B4-BE49-F238E27FC236}">
+                <a16:creationId xmlns:a16="http://schemas.microsoft.com/office/drawing/2014/main" id="{99C82029-9811-096C-7E2E-CFE1C7ACC26F}"/>
+              </a:ext>
+            </a:extLst>
+          </p:cNvPr>
+          <p:cNvSpPr txBox="1">
+            <a:spLocks/>
+          </p:cNvSpPr>
+          <p:nvPr/>
+        </p:nvSpPr>
+        <p:spPr>
+          <a:xfrm>
+            <a:off x="471487" y="2400544"/>
+            <a:ext cx="5915025" cy="5612926"/>
+          </a:xfrm>
+          <a:prstGeom prst="rect">
+            <a:avLst/>
+          </a:prstGeom>
+        </p:spPr>
+        <p:txBody>
+          <a:bodyPr vert="horz" lIns="91440" tIns="45720" rIns="91440" bIns="45720" rtlCol="0" anchor="ctr">
+            <a:normAutofit fontScale="97500"/>
+          </a:bodyPr>
+          <a:lstStyle>
+            <a:lvl1pPr algn="l" defTabSz="685800" rtl="0" eaLnBrk="1" latinLnBrk="1" hangingPunct="1">
+              <a:lnSpc>
+                <a:spcPct val="90000"/>
+              </a:lnSpc>
+              <a:spcBef>
+                <a:spcPct val="0"/>
+              </a:spcBef>
+              <a:buNone/>
+              <a:defRPr sz="3300" kern="1200">
+                <a:solidFill>
+                  <a:schemeClr val="tx1"/>
+                </a:solidFill>
+                <a:latin typeface="+mj-lt"/>
+                <a:ea typeface="+mj-ea"/>
+                <a:cs typeface="+mj-cs"/>
+              </a:defRPr>
+            </a:lvl1pPr>
+          </a:lstStyle>
+          <a:p>
+            <a:pPr marL="539750" indent="-539750">
+              <a:lnSpc>
+                <a:spcPct val="150000"/>
+              </a:lnSpc>
+              <a:buFont typeface="+mj-lt"/>
+              <a:buAutoNum type="arabicPeriod"/>
+            </a:pPr>
+            <a:r>
+              <a:rPr lang="ko-KR" altLang="en-US" sz="4800" dirty="0" smtClean="0">
+                <a:latin typeface="HY견명조" panose="02030600000101010101" pitchFamily="18" charset="-127"/>
+                <a:ea typeface="HY견명조" panose="02030600000101010101" pitchFamily="18" charset="-127"/>
+              </a:rPr>
+              <a:t>實相般若</a:t>
+            </a:r>
+            <a:endParaRPr lang="en-US" altLang="ko-KR" sz="4800" dirty="0" smtClean="0">
+              <a:latin typeface="HY견명조" panose="02030600000101010101" pitchFamily="18" charset="-127"/>
+              <a:ea typeface="HY견명조" panose="02030600000101010101" pitchFamily="18" charset="-127"/>
+            </a:endParaRPr>
+          </a:p>
+          <a:p>
+            <a:pPr marL="539750" indent="-539750">
+              <a:lnSpc>
+                <a:spcPct val="150000"/>
+              </a:lnSpc>
+              <a:buFont typeface="+mj-lt"/>
+              <a:buAutoNum type="arabicPeriod"/>
+            </a:pPr>
+            <a:r>
+              <a:rPr lang="ko-KR" altLang="en-US" sz="4800" dirty="0" smtClean="0">
+                <a:latin typeface="HY견명조" panose="02030600000101010101" pitchFamily="18" charset="-127"/>
+                <a:ea typeface="HY견명조" panose="02030600000101010101" pitchFamily="18" charset="-127"/>
+              </a:rPr>
+              <a:t>觀照般若</a:t>
+            </a:r>
+            <a:endParaRPr lang="en-US" altLang="ko-KR" sz="4800" dirty="0" smtClean="0">
+              <a:latin typeface="HY견명조" panose="02030600000101010101" pitchFamily="18" charset="-127"/>
+              <a:ea typeface="HY견명조" panose="02030600000101010101" pitchFamily="18" charset="-127"/>
+            </a:endParaRPr>
+          </a:p>
+          <a:p>
+            <a:pPr marL="539750" indent="-539750">
+              <a:lnSpc>
+                <a:spcPct val="150000"/>
+              </a:lnSpc>
+              <a:buFont typeface="+mj-lt"/>
+              <a:buAutoNum type="arabicPeriod"/>
+            </a:pPr>
+            <a:r>
+              <a:rPr lang="ko-KR" altLang="en-US" sz="4800" dirty="0" smtClean="0">
+                <a:latin typeface="HY견명조" panose="02030600000101010101" pitchFamily="18" charset="-127"/>
+                <a:ea typeface="HY견명조" panose="02030600000101010101" pitchFamily="18" charset="-127"/>
+              </a:rPr>
+              <a:t>文字般若 方便般若</a:t>
+            </a:r>
+            <a:r>
+              <a:rPr lang="en-US" altLang="ko-KR" sz="4800" dirty="0" smtClean="0">
+                <a:latin typeface="HY견명조" panose="02030600000101010101" pitchFamily="18" charset="-127"/>
+                <a:ea typeface="HY견명조" panose="02030600000101010101" pitchFamily="18" charset="-127"/>
+              </a:rPr>
+              <a:t/>
+            </a:r>
+            <a:br>
+              <a:rPr lang="en-US" altLang="ko-KR" sz="4800" dirty="0" smtClean="0">
+                <a:latin typeface="HY견명조" panose="02030600000101010101" pitchFamily="18" charset="-127"/>
+                <a:ea typeface="HY견명조" panose="02030600000101010101" pitchFamily="18" charset="-127"/>
+              </a:rPr>
+            </a:br>
+            <a:r>
+              <a:rPr lang="en-US" altLang="ko-KR" sz="4800" dirty="0" smtClean="0">
+                <a:latin typeface="HY견명조" panose="02030600000101010101" pitchFamily="18" charset="-127"/>
+                <a:ea typeface="HY견명조" panose="02030600000101010101" pitchFamily="18" charset="-127"/>
+              </a:rPr>
+              <a:t/>
+            </a:r>
+            <a:br>
+              <a:rPr lang="en-US" altLang="ko-KR" sz="4800" dirty="0" smtClean="0">
+                <a:latin typeface="HY견명조" panose="02030600000101010101" pitchFamily="18" charset="-127"/>
+                <a:ea typeface="HY견명조" panose="02030600000101010101" pitchFamily="18" charset="-127"/>
+              </a:rPr>
+            </a:br>
+            <a:endParaRPr lang="ko-KR" altLang="en-US" sz="4800" dirty="0">
+              <a:latin typeface="HY견명조" panose="02030600000101010101" pitchFamily="18" charset="-127"/>
+              <a:ea typeface="HY견명조" panose="02030600000101010101" pitchFamily="18" charset="-127"/>
+            </a:endParaRPr>
+          </a:p>
+        </p:txBody>
+      </p:sp>
+    </p:spTree>
+    <p:extLst>
+      <p:ext uri="{BB962C8B-B14F-4D97-AF65-F5344CB8AC3E}">
+        <p14:creationId xmlns:p14="http://schemas.microsoft.com/office/powerpoint/2010/main" val="1462585952"/>
       </p:ext>
     </p:extLst>
   </p:cSld>
@@ -7920,12 +8780,26 @@
               </a:rPr>
               <a:t>지장보살 멸장업진언</a:t>
             </a:r>
+            <a:r>
+              <a:rPr lang="en-US" altLang="ko-KR" sz="4800">
+                <a:latin typeface="HY견명조" panose="02030600000101010101" pitchFamily="18" charset="-127"/>
+                <a:ea typeface="HY견명조" panose="02030600000101010101" pitchFamily="18" charset="-127"/>
+              </a:rPr>
+              <a:t/>
+            </a:r>
             <a:br>
               <a:rPr lang="en-US" altLang="ko-KR" sz="4800">
                 <a:latin typeface="HY견명조" panose="02030600000101010101" pitchFamily="18" charset="-127"/>
                 <a:ea typeface="HY견명조" panose="02030600000101010101" pitchFamily="18" charset="-127"/>
               </a:rPr>
             </a:br>
+            <a:r>
+              <a:rPr lang="en-US" altLang="ko-KR" sz="4800">
+                <a:latin typeface="HY견명조" panose="02030600000101010101" pitchFamily="18" charset="-127"/>
+                <a:ea typeface="HY견명조" panose="02030600000101010101" pitchFamily="18" charset="-127"/>
+              </a:rPr>
+              <a:t/>
+            </a:r>
             <a:br>
               <a:rPr lang="en-US" altLang="ko-KR" sz="4800">
                 <a:latin typeface="HY견명조" panose="02030600000101010101" pitchFamily="18" charset="-127"/>
@@ -8046,7 +8920,7 @@
         </p:spPr>
         <p:txBody>
           <a:bodyPr>
-            <a:normAutofit/>
+            <a:normAutofit lnSpcReduction="10000"/>
           </a:bodyPr>
           <a:lstStyle/>
           <a:p>
@@ -8100,6 +8974,13 @@
               </a:rPr>
               <a:t>)</a:t>
             </a:r>
+            <a:r>
+              <a:rPr lang="ko-KR" altLang="en-US" sz="3600" dirty="0">
+                <a:latin typeface="HY견명조" panose="02030600000101010101" pitchFamily="18" charset="-127"/>
+                <a:ea typeface="HY견명조" panose="02030600000101010101" pitchFamily="18" charset="-127"/>
+              </a:rPr>
+              <a:t/>
+            </a:r>
             <a:br>
               <a:rPr lang="ko-KR" altLang="en-US" sz="3600" dirty="0">
                 <a:latin typeface="HY견명조" panose="02030600000101010101" pitchFamily="18" charset="-127"/>
@@ -8150,6 +9031,13 @@
               </a:rPr>
               <a:t>)</a:t>
             </a:r>
+            <a:r>
+              <a:rPr lang="ko-KR" altLang="en-US" sz="3600" dirty="0">
+                <a:latin typeface="HY견명조" panose="02030600000101010101" pitchFamily="18" charset="-127"/>
+                <a:ea typeface="HY견명조" panose="02030600000101010101" pitchFamily="18" charset="-127"/>
+              </a:rPr>
+              <a:t/>
+            </a:r>
             <a:br>
               <a:rPr lang="ko-KR" altLang="en-US" sz="3600" dirty="0">
                 <a:latin typeface="HY견명조" panose="02030600000101010101" pitchFamily="18" charset="-127"/>
@@ -8200,6 +9088,13 @@
               </a:rPr>
               <a:t>)</a:t>
             </a:r>
+            <a:r>
+              <a:rPr lang="ko-KR" altLang="en-US" sz="3600" dirty="0">
+                <a:latin typeface="HY견명조" panose="02030600000101010101" pitchFamily="18" charset="-127"/>
+                <a:ea typeface="HY견명조" panose="02030600000101010101" pitchFamily="18" charset="-127"/>
+              </a:rPr>
+              <a:t/>
+            </a:r>
             <a:br>
               <a:rPr lang="ko-KR" altLang="en-US" sz="3600" dirty="0">
                 <a:latin typeface="HY견명조" panose="02030600000101010101" pitchFamily="18" charset="-127"/>
@@ -8249,6 +9144,13 @@
                 <a:ea typeface="HY견명조" panose="02030600000101010101" pitchFamily="18" charset="-127"/>
               </a:rPr>
               <a:t>) </a:t>
+            </a:r>
+            <a:r>
+              <a:rPr lang="ko-KR" altLang="en-US" sz="3600" dirty="0">
+                <a:latin typeface="HY견명조" panose="02030600000101010101" pitchFamily="18" charset="-127"/>
+                <a:ea typeface="HY견명조" panose="02030600000101010101" pitchFamily="18" charset="-127"/>
+              </a:rPr>
+              <a:t/>
             </a:r>
             <a:br>
               <a:rPr lang="ko-KR" altLang="en-US" sz="3600" dirty="0">
@@ -8347,12 +9249,26 @@
               </a:rPr>
               <a:t>멸장업진언</a:t>
             </a:r>
+            <a:r>
+              <a:rPr lang="en-US" altLang="ko-KR" sz="4800" dirty="0">
+                <a:latin typeface="HY견명조" panose="02030600000101010101" pitchFamily="18" charset="-127"/>
+                <a:ea typeface="HY견명조" panose="02030600000101010101" pitchFamily="18" charset="-127"/>
+              </a:rPr>
+              <a:t/>
+            </a:r>
             <a:br>
               <a:rPr lang="en-US" altLang="ko-KR" sz="4800" dirty="0">
                 <a:latin typeface="HY견명조" panose="02030600000101010101" pitchFamily="18" charset="-127"/>
                 <a:ea typeface="HY견명조" panose="02030600000101010101" pitchFamily="18" charset="-127"/>
               </a:rPr>
             </a:br>
+            <a:r>
+              <a:rPr lang="en-US" altLang="ko-KR" sz="4800" dirty="0">
+                <a:latin typeface="HY견명조" panose="02030600000101010101" pitchFamily="18" charset="-127"/>
+                <a:ea typeface="HY견명조" panose="02030600000101010101" pitchFamily="18" charset="-127"/>
+              </a:rPr>
+              <a:t/>
+            </a:r>
             <a:br>
               <a:rPr lang="en-US" altLang="ko-KR" sz="4800" dirty="0">
                 <a:latin typeface="HY견명조" panose="02030600000101010101" pitchFamily="18" charset="-127"/>

--- a/불교/[암기장]  1 불교 20220623목.pptx
+++ b/불교/[암기장]  1 불교 20220623목.pptx
@@ -283,7 +283,7 @@
           <a:p>
             <a:fld id="{C93A7EF4-D5C1-4649-8A60-AD5557F2BE22}" type="datetimeFigureOut">
               <a:rPr lang="ko-KR" altLang="en-US" smtClean="0"/>
-              <a:t>2022-07-28</a:t>
+              <a:t>2022-07-30</a:t>
             </a:fld>
             <a:endParaRPr lang="ko-KR" altLang="en-US"/>
           </a:p>
@@ -453,7 +453,7 @@
           <a:p>
             <a:fld id="{C93A7EF4-D5C1-4649-8A60-AD5557F2BE22}" type="datetimeFigureOut">
               <a:rPr lang="ko-KR" altLang="en-US" smtClean="0"/>
-              <a:t>2022-07-28</a:t>
+              <a:t>2022-07-30</a:t>
             </a:fld>
             <a:endParaRPr lang="ko-KR" altLang="en-US"/>
           </a:p>
@@ -633,7 +633,7 @@
           <a:p>
             <a:fld id="{C93A7EF4-D5C1-4649-8A60-AD5557F2BE22}" type="datetimeFigureOut">
               <a:rPr lang="ko-KR" altLang="en-US" smtClean="0"/>
-              <a:t>2022-07-28</a:t>
+              <a:t>2022-07-30</a:t>
             </a:fld>
             <a:endParaRPr lang="ko-KR" altLang="en-US"/>
           </a:p>
@@ -803,7 +803,7 @@
           <a:p>
             <a:fld id="{C93A7EF4-D5C1-4649-8A60-AD5557F2BE22}" type="datetimeFigureOut">
               <a:rPr lang="ko-KR" altLang="en-US" smtClean="0"/>
-              <a:t>2022-07-28</a:t>
+              <a:t>2022-07-30</a:t>
             </a:fld>
             <a:endParaRPr lang="ko-KR" altLang="en-US"/>
           </a:p>
@@ -1047,7 +1047,7 @@
           <a:p>
             <a:fld id="{C93A7EF4-D5C1-4649-8A60-AD5557F2BE22}" type="datetimeFigureOut">
               <a:rPr lang="ko-KR" altLang="en-US" smtClean="0"/>
-              <a:t>2022-07-28</a:t>
+              <a:t>2022-07-30</a:t>
             </a:fld>
             <a:endParaRPr lang="ko-KR" altLang="en-US"/>
           </a:p>
@@ -1279,7 +1279,7 @@
           <a:p>
             <a:fld id="{C93A7EF4-D5C1-4649-8A60-AD5557F2BE22}" type="datetimeFigureOut">
               <a:rPr lang="ko-KR" altLang="en-US" smtClean="0"/>
-              <a:t>2022-07-28</a:t>
+              <a:t>2022-07-30</a:t>
             </a:fld>
             <a:endParaRPr lang="ko-KR" altLang="en-US"/>
           </a:p>
@@ -1646,7 +1646,7 @@
           <a:p>
             <a:fld id="{C93A7EF4-D5C1-4649-8A60-AD5557F2BE22}" type="datetimeFigureOut">
               <a:rPr lang="ko-KR" altLang="en-US" smtClean="0"/>
-              <a:t>2022-07-28</a:t>
+              <a:t>2022-07-30</a:t>
             </a:fld>
             <a:endParaRPr lang="ko-KR" altLang="en-US"/>
           </a:p>
@@ -1764,7 +1764,7 @@
           <a:p>
             <a:fld id="{C93A7EF4-D5C1-4649-8A60-AD5557F2BE22}" type="datetimeFigureOut">
               <a:rPr lang="ko-KR" altLang="en-US" smtClean="0"/>
-              <a:t>2022-07-28</a:t>
+              <a:t>2022-07-30</a:t>
             </a:fld>
             <a:endParaRPr lang="ko-KR" altLang="en-US"/>
           </a:p>
@@ -1859,7 +1859,7 @@
           <a:p>
             <a:fld id="{C93A7EF4-D5C1-4649-8A60-AD5557F2BE22}" type="datetimeFigureOut">
               <a:rPr lang="ko-KR" altLang="en-US" smtClean="0"/>
-              <a:t>2022-07-28</a:t>
+              <a:t>2022-07-30</a:t>
             </a:fld>
             <a:endParaRPr lang="ko-KR" altLang="en-US"/>
           </a:p>
@@ -2136,7 +2136,7 @@
           <a:p>
             <a:fld id="{C93A7EF4-D5C1-4649-8A60-AD5557F2BE22}" type="datetimeFigureOut">
               <a:rPr lang="ko-KR" altLang="en-US" smtClean="0"/>
-              <a:t>2022-07-28</a:t>
+              <a:t>2022-07-30</a:t>
             </a:fld>
             <a:endParaRPr lang="ko-KR" altLang="en-US"/>
           </a:p>
@@ -2393,7 +2393,7 @@
           <a:p>
             <a:fld id="{C93A7EF4-D5C1-4649-8A60-AD5557F2BE22}" type="datetimeFigureOut">
               <a:rPr lang="ko-KR" altLang="en-US" smtClean="0"/>
-              <a:t>2022-07-28</a:t>
+              <a:t>2022-07-30</a:t>
             </a:fld>
             <a:endParaRPr lang="ko-KR" altLang="en-US"/>
           </a:p>
@@ -2606,7 +2606,7 @@
           <a:p>
             <a:fld id="{C93A7EF4-D5C1-4649-8A60-AD5557F2BE22}" type="datetimeFigureOut">
               <a:rPr lang="ko-KR" altLang="en-US" smtClean="0"/>
-              <a:t>2022-07-28</a:t>
+              <a:t>2022-07-30</a:t>
             </a:fld>
             <a:endParaRPr lang="ko-KR" altLang="en-US"/>
           </a:p>
@@ -3064,7 +3064,7 @@
         </p:nvSpPr>
         <p:spPr>
           <a:xfrm>
-            <a:off x="557213" y="4953000"/>
+            <a:off x="557212" y="4544850"/>
             <a:ext cx="5529261" cy="1836470"/>
           </a:xfrm>
         </p:spPr>
@@ -3139,7 +3139,7 @@
         </p:nvSpPr>
         <p:spPr>
           <a:xfrm>
-            <a:off x="687449" y="7172324"/>
+            <a:off x="664369" y="6232257"/>
             <a:ext cx="5529261" cy="1453615"/>
           </a:xfrm>
           <a:prstGeom prst="rect">
@@ -3418,13 +3418,6 @@
                 <a:spcPct val="100000"/>
               </a:lnSpc>
             </a:pPr>
-            <a:r>
-              <a:rPr lang="en-US" altLang="ko-KR" sz="4800" dirty="0">
-                <a:latin typeface="궁서" panose="02030600000101010101" pitchFamily="18" charset="-127"/>
-                <a:ea typeface="궁서" panose="02030600000101010101" pitchFamily="18" charset="-127"/>
-              </a:rPr>
-              <a:t/>
-            </a:r>
             <a:br>
               <a:rPr lang="en-US" altLang="ko-KR" sz="4800" dirty="0">
                 <a:latin typeface="궁서" panose="02030600000101010101" pitchFamily="18" charset="-127"/>
@@ -3445,13 +3438,6 @@
               </a:rPr>
               <a:t>제악막작</a:t>
             </a:r>
-            <a:r>
-              <a:rPr lang="en-US" altLang="ko-KR" sz="4800" dirty="0">
-                <a:latin typeface="궁서" panose="02030600000101010101" pitchFamily="18" charset="-127"/>
-                <a:ea typeface="궁서" panose="02030600000101010101" pitchFamily="18" charset="-127"/>
-              </a:rPr>
-              <a:t/>
-            </a:r>
             <a:br>
               <a:rPr lang="en-US" altLang="ko-KR" sz="4800" dirty="0">
                 <a:latin typeface="궁서" panose="02030600000101010101" pitchFamily="18" charset="-127"/>
@@ -3472,13 +3458,6 @@
               </a:rPr>
               <a:t>중선봉행</a:t>
             </a:r>
-            <a:r>
-              <a:rPr lang="en-US" altLang="ko-KR" sz="4800" dirty="0">
-                <a:latin typeface="궁서" panose="02030600000101010101" pitchFamily="18" charset="-127"/>
-                <a:ea typeface="궁서" panose="02030600000101010101" pitchFamily="18" charset="-127"/>
-              </a:rPr>
-              <a:t/>
-            </a:r>
             <a:br>
               <a:rPr lang="en-US" altLang="ko-KR" sz="4800" dirty="0">
                 <a:latin typeface="궁서" panose="02030600000101010101" pitchFamily="18" charset="-127"/>
@@ -3499,13 +3478,6 @@
               </a:rPr>
               <a:t>자정기의</a:t>
             </a:r>
-            <a:r>
-              <a:rPr lang="en-US" altLang="ko-KR" sz="4800" dirty="0">
-                <a:latin typeface="궁서" panose="02030600000101010101" pitchFamily="18" charset="-127"/>
-                <a:ea typeface="궁서" panose="02030600000101010101" pitchFamily="18" charset="-127"/>
-              </a:rPr>
-              <a:t/>
-            </a:r>
             <a:br>
               <a:rPr lang="en-US" altLang="ko-KR" sz="4800" dirty="0">
                 <a:latin typeface="궁서" panose="02030600000101010101" pitchFamily="18" charset="-127"/>
@@ -3529,6 +3501,255 @@
             <a:endParaRPr lang="ko-KR" altLang="en-US" sz="4800" dirty="0">
               <a:latin typeface="궁서" panose="02030600000101010101" pitchFamily="18" charset="-127"/>
               <a:ea typeface="궁서" panose="02030600000101010101" pitchFamily="18" charset="-127"/>
+            </a:endParaRPr>
+          </a:p>
+        </p:txBody>
+      </p:sp>
+      <p:sp>
+        <p:nvSpPr>
+          <p:cNvPr id="7" name="부제목 2">
+            <a:extLst>
+              <a:ext uri="{FF2B5EF4-FFF2-40B4-BE49-F238E27FC236}">
+                <a16:creationId xmlns:a16="http://schemas.microsoft.com/office/drawing/2014/main" id="{B0BAC8CB-B331-4741-A603-4AAFD24C9434}"/>
+              </a:ext>
+            </a:extLst>
+          </p:cNvPr>
+          <p:cNvSpPr txBox="1">
+            <a:spLocks/>
+          </p:cNvSpPr>
+          <p:nvPr/>
+        </p:nvSpPr>
+        <p:spPr>
+          <a:xfrm>
+            <a:off x="370828" y="7932162"/>
+            <a:ext cx="6116343" cy="1453615"/>
+          </a:xfrm>
+          <a:prstGeom prst="rect">
+            <a:avLst/>
+          </a:prstGeom>
+        </p:spPr>
+        <p:txBody>
+          <a:bodyPr vert="horz" lIns="91440" tIns="45720" rIns="91440" bIns="45720" rtlCol="0">
+            <a:noAutofit/>
+          </a:bodyPr>
+          <a:lstStyle>
+            <a:lvl1pPr marL="0" indent="0" algn="ctr" defTabSz="685800" rtl="0" eaLnBrk="1" latinLnBrk="1" hangingPunct="1">
+              <a:lnSpc>
+                <a:spcPct val="90000"/>
+              </a:lnSpc>
+              <a:spcBef>
+                <a:spcPts val="750"/>
+              </a:spcBef>
+              <a:buFont typeface="Arial" panose="020B0604020202020204" pitchFamily="34" charset="0"/>
+              <a:buNone/>
+              <a:defRPr sz="1800" kern="1200">
+                <a:solidFill>
+                  <a:schemeClr val="tx1"/>
+                </a:solidFill>
+                <a:latin typeface="+mn-lt"/>
+                <a:ea typeface="+mn-ea"/>
+                <a:cs typeface="+mn-cs"/>
+              </a:defRPr>
+            </a:lvl1pPr>
+            <a:lvl2pPr marL="342900" indent="0" algn="ctr" defTabSz="685800" rtl="0" eaLnBrk="1" latinLnBrk="1" hangingPunct="1">
+              <a:lnSpc>
+                <a:spcPct val="90000"/>
+              </a:lnSpc>
+              <a:spcBef>
+                <a:spcPts val="375"/>
+              </a:spcBef>
+              <a:buFont typeface="Arial" panose="020B0604020202020204" pitchFamily="34" charset="0"/>
+              <a:buNone/>
+              <a:defRPr sz="1500" kern="1200">
+                <a:solidFill>
+                  <a:schemeClr val="tx1"/>
+                </a:solidFill>
+                <a:latin typeface="+mn-lt"/>
+                <a:ea typeface="+mn-ea"/>
+                <a:cs typeface="+mn-cs"/>
+              </a:defRPr>
+            </a:lvl2pPr>
+            <a:lvl3pPr marL="685800" indent="0" algn="ctr" defTabSz="685800" rtl="0" eaLnBrk="1" latinLnBrk="1" hangingPunct="1">
+              <a:lnSpc>
+                <a:spcPct val="90000"/>
+              </a:lnSpc>
+              <a:spcBef>
+                <a:spcPts val="375"/>
+              </a:spcBef>
+              <a:buFont typeface="Arial" panose="020B0604020202020204" pitchFamily="34" charset="0"/>
+              <a:buNone/>
+              <a:defRPr sz="1350" kern="1200">
+                <a:solidFill>
+                  <a:schemeClr val="tx1"/>
+                </a:solidFill>
+                <a:latin typeface="+mn-lt"/>
+                <a:ea typeface="+mn-ea"/>
+                <a:cs typeface="+mn-cs"/>
+              </a:defRPr>
+            </a:lvl3pPr>
+            <a:lvl4pPr marL="1028700" indent="0" algn="ctr" defTabSz="685800" rtl="0" eaLnBrk="1" latinLnBrk="1" hangingPunct="1">
+              <a:lnSpc>
+                <a:spcPct val="90000"/>
+              </a:lnSpc>
+              <a:spcBef>
+                <a:spcPts val="375"/>
+              </a:spcBef>
+              <a:buFont typeface="Arial" panose="020B0604020202020204" pitchFamily="34" charset="0"/>
+              <a:buNone/>
+              <a:defRPr sz="1200" kern="1200">
+                <a:solidFill>
+                  <a:schemeClr val="tx1"/>
+                </a:solidFill>
+                <a:latin typeface="+mn-lt"/>
+                <a:ea typeface="+mn-ea"/>
+                <a:cs typeface="+mn-cs"/>
+              </a:defRPr>
+            </a:lvl4pPr>
+            <a:lvl5pPr marL="1371600" indent="0" algn="ctr" defTabSz="685800" rtl="0" eaLnBrk="1" latinLnBrk="1" hangingPunct="1">
+              <a:lnSpc>
+                <a:spcPct val="90000"/>
+              </a:lnSpc>
+              <a:spcBef>
+                <a:spcPts val="375"/>
+              </a:spcBef>
+              <a:buFont typeface="Arial" panose="020B0604020202020204" pitchFamily="34" charset="0"/>
+              <a:buNone/>
+              <a:defRPr sz="1200" kern="1200">
+                <a:solidFill>
+                  <a:schemeClr val="tx1"/>
+                </a:solidFill>
+                <a:latin typeface="+mn-lt"/>
+                <a:ea typeface="+mn-ea"/>
+                <a:cs typeface="+mn-cs"/>
+              </a:defRPr>
+            </a:lvl5pPr>
+            <a:lvl6pPr marL="1714500" indent="0" algn="ctr" defTabSz="685800" rtl="0" eaLnBrk="1" latinLnBrk="1" hangingPunct="1">
+              <a:lnSpc>
+                <a:spcPct val="90000"/>
+              </a:lnSpc>
+              <a:spcBef>
+                <a:spcPts val="375"/>
+              </a:spcBef>
+              <a:buFont typeface="Arial" panose="020B0604020202020204" pitchFamily="34" charset="0"/>
+              <a:buNone/>
+              <a:defRPr sz="1200" kern="1200">
+                <a:solidFill>
+                  <a:schemeClr val="tx1"/>
+                </a:solidFill>
+                <a:latin typeface="+mn-lt"/>
+                <a:ea typeface="+mn-ea"/>
+                <a:cs typeface="+mn-cs"/>
+              </a:defRPr>
+            </a:lvl6pPr>
+            <a:lvl7pPr marL="2057400" indent="0" algn="ctr" defTabSz="685800" rtl="0" eaLnBrk="1" latinLnBrk="1" hangingPunct="1">
+              <a:lnSpc>
+                <a:spcPct val="90000"/>
+              </a:lnSpc>
+              <a:spcBef>
+                <a:spcPts val="375"/>
+              </a:spcBef>
+              <a:buFont typeface="Arial" panose="020B0604020202020204" pitchFamily="34" charset="0"/>
+              <a:buNone/>
+              <a:defRPr sz="1200" kern="1200">
+                <a:solidFill>
+                  <a:schemeClr val="tx1"/>
+                </a:solidFill>
+                <a:latin typeface="+mn-lt"/>
+                <a:ea typeface="+mn-ea"/>
+                <a:cs typeface="+mn-cs"/>
+              </a:defRPr>
+            </a:lvl7pPr>
+            <a:lvl8pPr marL="2400300" indent="0" algn="ctr" defTabSz="685800" rtl="0" eaLnBrk="1" latinLnBrk="1" hangingPunct="1">
+              <a:lnSpc>
+                <a:spcPct val="90000"/>
+              </a:lnSpc>
+              <a:spcBef>
+                <a:spcPts val="375"/>
+              </a:spcBef>
+              <a:buFont typeface="Arial" panose="020B0604020202020204" pitchFamily="34" charset="0"/>
+              <a:buNone/>
+              <a:defRPr sz="1200" kern="1200">
+                <a:solidFill>
+                  <a:schemeClr val="tx1"/>
+                </a:solidFill>
+                <a:latin typeface="+mn-lt"/>
+                <a:ea typeface="+mn-ea"/>
+                <a:cs typeface="+mn-cs"/>
+              </a:defRPr>
+            </a:lvl8pPr>
+            <a:lvl9pPr marL="2743200" indent="0" algn="ctr" defTabSz="685800" rtl="0" eaLnBrk="1" latinLnBrk="1" hangingPunct="1">
+              <a:lnSpc>
+                <a:spcPct val="90000"/>
+              </a:lnSpc>
+              <a:spcBef>
+                <a:spcPts val="375"/>
+              </a:spcBef>
+              <a:buFont typeface="Arial" panose="020B0604020202020204" pitchFamily="34" charset="0"/>
+              <a:buNone/>
+              <a:defRPr sz="1200" kern="1200">
+                <a:solidFill>
+                  <a:schemeClr val="tx1"/>
+                </a:solidFill>
+                <a:latin typeface="+mn-lt"/>
+                <a:ea typeface="+mn-ea"/>
+                <a:cs typeface="+mn-cs"/>
+              </a:defRPr>
+            </a:lvl9pPr>
+          </a:lstStyle>
+          <a:p>
+            <a:pPr algn="l"/>
+            <a:endParaRPr lang="en-US" altLang="ko-KR" sz="2000" dirty="0">
+              <a:latin typeface="HY견명조" panose="02030600000101010101" pitchFamily="18" charset="-127"/>
+              <a:ea typeface="HY견명조" panose="02030600000101010101" pitchFamily="18" charset="-127"/>
+            </a:endParaRPr>
+          </a:p>
+          <a:p>
+            <a:pPr algn="l"/>
+            <a:r>
+              <a:rPr lang="ko-KR" altLang="en-US" sz="2000" dirty="0">
+                <a:latin typeface="HY견명조" panose="02030600000101010101" pitchFamily="18" charset="-127"/>
+                <a:ea typeface="HY견명조" panose="02030600000101010101" pitchFamily="18" charset="-127"/>
+              </a:rPr>
+              <a:t>일체의 악하고 불건전한 죄악을 짓지 않는 것은 율장</a:t>
+            </a:r>
+            <a:endParaRPr lang="en-US" altLang="ko-KR" sz="2000" dirty="0">
+              <a:latin typeface="HY견명조" panose="02030600000101010101" pitchFamily="18" charset="-127"/>
+              <a:ea typeface="HY견명조" panose="02030600000101010101" pitchFamily="18" charset="-127"/>
+            </a:endParaRPr>
+          </a:p>
+          <a:p>
+            <a:pPr algn="l"/>
+            <a:r>
+              <a:rPr lang="ko-KR" altLang="en-US" sz="2000" dirty="0">
+                <a:latin typeface="HY견명조" panose="02030600000101010101" pitchFamily="18" charset="-127"/>
+                <a:ea typeface="HY견명조" panose="02030600000101010101" pitchFamily="18" charset="-127"/>
+              </a:rPr>
+              <a:t>모든 착하고 건전한 것을 다루는 것은 경장</a:t>
+            </a:r>
+            <a:endParaRPr lang="en-US" altLang="ko-KR" sz="2000" dirty="0">
+              <a:latin typeface="HY견명조" panose="02030600000101010101" pitchFamily="18" charset="-127"/>
+              <a:ea typeface="HY견명조" panose="02030600000101010101" pitchFamily="18" charset="-127"/>
+            </a:endParaRPr>
+          </a:p>
+          <a:p>
+            <a:pPr algn="l"/>
+            <a:r>
+              <a:rPr lang="ko-KR" altLang="en-US" sz="2000" dirty="0">
+                <a:latin typeface="HY견명조" panose="02030600000101010101" pitchFamily="18" charset="-127"/>
+                <a:ea typeface="HY견명조" panose="02030600000101010101" pitchFamily="18" charset="-127"/>
+              </a:rPr>
+              <a:t>마음이 깨끗이 하는 것 </a:t>
+            </a:r>
+            <a:r>
+              <a:rPr lang="ko-KR" altLang="en-US" sz="2000" dirty="0" err="1">
+                <a:latin typeface="HY견명조" panose="02030600000101010101" pitchFamily="18" charset="-127"/>
+                <a:ea typeface="HY견명조" panose="02030600000101010101" pitchFamily="18" charset="-127"/>
+              </a:rPr>
+              <a:t>논장</a:t>
+            </a:r>
+            <a:endParaRPr lang="ko-KR" altLang="en-US" sz="2000" dirty="0">
+              <a:latin typeface="HY견명조" panose="02030600000101010101" pitchFamily="18" charset="-127"/>
+              <a:ea typeface="HY견명조" panose="02030600000101010101" pitchFamily="18" charset="-127"/>
             </a:endParaRPr>
           </a:p>
         </p:txBody>
@@ -4365,16 +4586,12 @@
           <a:p>
             <a:pPr algn="ctr"/>
             <a:r>
-              <a:rPr lang="ko-KR" altLang="en-US" sz="5400" dirty="0" smtClean="0">
+              <a:rPr lang="ko-KR" altLang="en-US" sz="5400" dirty="0">
                 <a:latin typeface="HY견명조" panose="02030600000101010101" pitchFamily="18" charset="-127"/>
                 <a:ea typeface="HY견명조" panose="02030600000101010101" pitchFamily="18" charset="-127"/>
               </a:rPr>
               <a:t>四聖諦 사성제</a:t>
             </a:r>
-            <a:endParaRPr lang="ko-KR" altLang="en-US" sz="5400" dirty="0">
-              <a:latin typeface="HY견명조" panose="02030600000101010101" pitchFamily="18" charset="-127"/>
-              <a:ea typeface="HY견명조" panose="02030600000101010101" pitchFamily="18" charset="-127"/>
-            </a:endParaRPr>
           </a:p>
         </p:txBody>
       </p:sp>
@@ -4424,7 +4641,7 @@
               <a:t>1. </a:t>
             </a:r>
             <a:r>
-              <a:rPr lang="ko-KR" altLang="en-US" sz="3200" b="1" i="0" dirty="0" smtClean="0">
+              <a:rPr lang="ko-KR" altLang="en-US" sz="3200" b="1" i="0" dirty="0">
                 <a:solidFill>
                   <a:srgbClr val="000000"/>
                 </a:solidFill>
@@ -4433,17 +4650,6 @@
                 <a:ea typeface="HY견명조" panose="02030600000101010101" pitchFamily="18" charset="-127"/>
               </a:rPr>
               <a:t>苦聖諦 고성제</a:t>
-            </a:r>
-            <a:r>
-              <a:rPr lang="en-US" altLang="ko-KR" sz="3200" b="1" i="0" dirty="0">
-                <a:solidFill>
-                  <a:srgbClr val="000000"/>
-                </a:solidFill>
-                <a:effectLst/>
-                <a:latin typeface="HY견명조" panose="02030600000101010101" pitchFamily="18" charset="-127"/>
-                <a:ea typeface="HY견명조" panose="02030600000101010101" pitchFamily="18" charset="-127"/>
-              </a:rPr>
-              <a:t/>
             </a:r>
             <a:br>
               <a:rPr lang="en-US" altLang="ko-KR" sz="3200" b="1" i="0" dirty="0">
@@ -4502,7 +4708,7 @@
               <a:t>2. </a:t>
             </a:r>
             <a:r>
-              <a:rPr lang="ko-KR" altLang="en-US" sz="3200" b="1" dirty="0" smtClean="0">
+              <a:rPr lang="ko-KR" altLang="en-US" sz="3200" b="1" dirty="0">
                 <a:solidFill>
                   <a:srgbClr val="000000"/>
                 </a:solidFill>
@@ -4512,7 +4718,7 @@
               <a:t>集聖諦 </a:t>
             </a:r>
             <a:r>
-              <a:rPr lang="ko-KR" altLang="en-US" sz="3200" b="1" dirty="0" err="1" smtClean="0">
+              <a:rPr lang="ko-KR" altLang="en-US" sz="3200" b="1" dirty="0" err="1">
                 <a:solidFill>
                   <a:srgbClr val="000000"/>
                 </a:solidFill>
@@ -4520,16 +4726,6 @@
                 <a:ea typeface="HY견명조" panose="02030600000101010101" pitchFamily="18" charset="-127"/>
               </a:rPr>
               <a:t>집성제</a:t>
-            </a:r>
-            <a:r>
-              <a:rPr lang="en-US" altLang="ko-KR" sz="3200" b="1" dirty="0">
-                <a:solidFill>
-                  <a:srgbClr val="000000"/>
-                </a:solidFill>
-                <a:latin typeface="HY견명조" panose="02030600000101010101" pitchFamily="18" charset="-127"/>
-                <a:ea typeface="HY견명조" panose="02030600000101010101" pitchFamily="18" charset="-127"/>
-              </a:rPr>
-              <a:t/>
             </a:r>
             <a:br>
               <a:rPr lang="en-US" altLang="ko-KR" sz="3200" b="1" dirty="0">
@@ -4576,7 +4772,7 @@
               <a:t>3. </a:t>
             </a:r>
             <a:r>
-              <a:rPr lang="ko-KR" altLang="en-US" sz="3200" b="1" dirty="0" smtClean="0">
+              <a:rPr lang="ko-KR" altLang="en-US" sz="3200" b="1" dirty="0">
                 <a:solidFill>
                   <a:srgbClr val="000000"/>
                 </a:solidFill>
@@ -4586,7 +4782,7 @@
               <a:t>滅聖諦 </a:t>
             </a:r>
             <a:r>
-              <a:rPr lang="ko-KR" altLang="en-US" sz="3200" b="1" dirty="0" err="1" smtClean="0">
+              <a:rPr lang="ko-KR" altLang="en-US" sz="3200" b="1" dirty="0" err="1">
                 <a:solidFill>
                   <a:srgbClr val="000000"/>
                 </a:solidFill>
@@ -4594,16 +4790,6 @@
                 <a:ea typeface="HY견명조" panose="02030600000101010101" pitchFamily="18" charset="-127"/>
               </a:rPr>
               <a:t>멸성제</a:t>
-            </a:r>
-            <a:r>
-              <a:rPr lang="en-US" altLang="ko-KR" sz="3200" b="1" dirty="0">
-                <a:solidFill>
-                  <a:srgbClr val="000000"/>
-                </a:solidFill>
-                <a:latin typeface="HY견명조" panose="02030600000101010101" pitchFamily="18" charset="-127"/>
-                <a:ea typeface="HY견명조" panose="02030600000101010101" pitchFamily="18" charset="-127"/>
-              </a:rPr>
-              <a:t/>
             </a:r>
             <a:br>
               <a:rPr lang="en-US" altLang="ko-KR" sz="3200" b="1" dirty="0">
@@ -4651,7 +4837,7 @@
               <a:t>4. </a:t>
             </a:r>
             <a:r>
-              <a:rPr lang="ko-KR" altLang="en-US" sz="3200" b="1" i="0" dirty="0" smtClean="0">
+              <a:rPr lang="ko-KR" altLang="en-US" sz="3200" b="1" i="0" dirty="0">
                 <a:solidFill>
                   <a:srgbClr val="000000"/>
                 </a:solidFill>
@@ -4662,7 +4848,7 @@
               <a:t>道聖諦 </a:t>
             </a:r>
             <a:r>
-              <a:rPr lang="ko-KR" altLang="en-US" sz="3200" b="1" i="0" dirty="0" err="1" smtClean="0">
+              <a:rPr lang="ko-KR" altLang="en-US" sz="3200" b="1" i="0" dirty="0" err="1">
                 <a:solidFill>
                   <a:srgbClr val="000000"/>
                 </a:solidFill>
@@ -4671,17 +4857,6 @@
                 <a:ea typeface="HY견명조" panose="02030600000101010101" pitchFamily="18" charset="-127"/>
               </a:rPr>
               <a:t>도성제</a:t>
-            </a:r>
-            <a:r>
-              <a:rPr lang="en-US" altLang="ko-KR" sz="3200" b="1" i="0" dirty="0">
-                <a:solidFill>
-                  <a:srgbClr val="000000"/>
-                </a:solidFill>
-                <a:effectLst/>
-                <a:latin typeface="HY견명조" panose="02030600000101010101" pitchFamily="18" charset="-127"/>
-                <a:ea typeface="HY견명조" panose="02030600000101010101" pitchFamily="18" charset="-127"/>
-              </a:rPr>
-              <a:t/>
             </a:r>
             <a:br>
               <a:rPr lang="en-US" altLang="ko-KR" sz="3200" b="1" i="0" dirty="0">
@@ -5143,10 +5318,6 @@
               </a:rPr>
               <a:t>三日修心千載寶</a:t>
             </a:r>
-            <a:r>
-              <a:rPr lang="ko-KR" altLang="en-US" sz="4000" dirty="0"/>
-              <a:t/>
-            </a:r>
             <a:br>
               <a:rPr lang="ko-KR" altLang="en-US" sz="4000" dirty="0"/>
             </a:br>
@@ -5180,10 +5351,6 @@
               </a:rPr>
               <a:t>)</a:t>
             </a:r>
-            <a:r>
-              <a:rPr lang="ko-KR" altLang="en-US" sz="4000" dirty="0"/>
-              <a:t/>
-            </a:r>
             <a:br>
               <a:rPr lang="ko-KR" altLang="en-US" sz="4000" dirty="0"/>
             </a:br>
@@ -5207,17 +5374,9 @@
               </a:rPr>
               <a:t>,</a:t>
             </a:r>
-            <a:r>
-              <a:rPr lang="ko-KR" altLang="en-US" sz="4000" dirty="0"/>
-              <a:t/>
-            </a:r>
             <a:br>
               <a:rPr lang="ko-KR" altLang="en-US" sz="4000" dirty="0"/>
             </a:br>
-            <a:r>
-              <a:rPr lang="ko-KR" altLang="en-US" sz="4000" dirty="0"/>
-              <a:t/>
-            </a:r>
             <a:br>
               <a:rPr lang="ko-KR" altLang="en-US" sz="4000" dirty="0"/>
             </a:br>
@@ -5231,10 +5390,6 @@
               </a:rPr>
               <a:t>百年貪物一朝塵</a:t>
             </a:r>
-            <a:r>
-              <a:rPr lang="ko-KR" altLang="en-US" sz="4000" dirty="0"/>
-              <a:t/>
-            </a:r>
             <a:br>
               <a:rPr lang="ko-KR" altLang="en-US" sz="4000" dirty="0"/>
             </a:br>
@@ -5267,10 +5422,6 @@
                 <a:latin typeface="Helvetica Neue"/>
               </a:rPr>
               <a:t>)</a:t>
-            </a:r>
-            <a:r>
-              <a:rPr lang="ko-KR" altLang="en-US" sz="4000" dirty="0"/>
-              <a:t/>
             </a:r>
             <a:br>
               <a:rPr lang="ko-KR" altLang="en-US" sz="4000" dirty="0"/>
@@ -5407,13 +5558,6 @@
               </a:rPr>
               <a:t>사고팔고</a:t>
             </a:r>
-            <a:r>
-              <a:rPr lang="en-US" altLang="ko-KR" sz="4800" dirty="0">
-                <a:latin typeface="HY견명조" panose="02030600000101010101" pitchFamily="18" charset="-127"/>
-                <a:ea typeface="HY견명조" panose="02030600000101010101" pitchFamily="18" charset="-127"/>
-              </a:rPr>
-              <a:t/>
-            </a:r>
             <a:br>
               <a:rPr lang="en-US" altLang="ko-KR" sz="4800" dirty="0">
                 <a:latin typeface="HY견명조" panose="02030600000101010101" pitchFamily="18" charset="-127"/>
@@ -5650,43 +5794,32 @@
           <a:p>
             <a:pPr algn="ctr"/>
             <a:r>
-              <a:rPr lang="ko-KR" altLang="en-US" sz="4800" dirty="0" err="1" smtClean="0">
+              <a:rPr lang="ko-KR" altLang="en-US" sz="4800" dirty="0" err="1">
                 <a:latin typeface="HY견명조" panose="02030600000101010101" pitchFamily="18" charset="-127"/>
                 <a:ea typeface="HY견명조" panose="02030600000101010101" pitchFamily="18" charset="-127"/>
               </a:rPr>
               <a:t>삼독</a:t>
             </a:r>
             <a:r>
-              <a:rPr lang="ko-KR" altLang="en-US" sz="4800" dirty="0" smtClean="0">
+              <a:rPr lang="ko-KR" altLang="en-US" sz="4800" dirty="0">
                 <a:latin typeface="HY견명조" panose="02030600000101010101" pitchFamily="18" charset="-127"/>
                 <a:ea typeface="HY견명조" panose="02030600000101010101" pitchFamily="18" charset="-127"/>
               </a:rPr>
               <a:t> 三毒</a:t>
             </a:r>
-            <a:r>
-              <a:rPr lang="en-US" altLang="ko-KR" sz="4800" dirty="0" smtClean="0">
-                <a:latin typeface="HY견명조" panose="02030600000101010101" pitchFamily="18" charset="-127"/>
-                <a:ea typeface="HY견명조" panose="02030600000101010101" pitchFamily="18" charset="-127"/>
-              </a:rPr>
-              <a:t/>
-            </a:r>
             <a:br>
-              <a:rPr lang="en-US" altLang="ko-KR" sz="4800" dirty="0" smtClean="0">
+              <a:rPr lang="en-US" altLang="ko-KR" sz="4800" dirty="0">
                 <a:latin typeface="HY견명조" panose="02030600000101010101" pitchFamily="18" charset="-127"/>
                 <a:ea typeface="HY견명조" panose="02030600000101010101" pitchFamily="18" charset="-127"/>
               </a:rPr>
             </a:br>
             <a:r>
-              <a:rPr lang="ko-KR" altLang="en-US" sz="4800" dirty="0" smtClean="0">
+              <a:rPr lang="ko-KR" altLang="en-US" sz="4800" dirty="0">
                 <a:latin typeface="HY견명조" panose="02030600000101010101" pitchFamily="18" charset="-127"/>
                 <a:ea typeface="HY견명조" panose="02030600000101010101" pitchFamily="18" charset="-127"/>
               </a:rPr>
               <a:t>貪탐 嗔진 癡치</a:t>
             </a:r>
-            <a:endParaRPr lang="ko-KR" altLang="en-US" sz="4800" dirty="0">
-              <a:latin typeface="HY견명조" panose="02030600000101010101" pitchFamily="18" charset="-127"/>
-              <a:ea typeface="HY견명조" panose="02030600000101010101" pitchFamily="18" charset="-127"/>
-            </a:endParaRPr>
           </a:p>
         </p:txBody>
       </p:sp>
@@ -5739,45 +5872,24 @@
           <a:p>
             <a:pPr algn="ctr"/>
             <a:r>
-              <a:rPr lang="ko-KR" altLang="en-US" sz="4800" dirty="0" smtClean="0">
+              <a:rPr lang="ko-KR" altLang="en-US" sz="4800" dirty="0">
                 <a:latin typeface="HY견명조" panose="02030600000101010101" pitchFamily="18" charset="-127"/>
                 <a:ea typeface="HY견명조" panose="02030600000101010101" pitchFamily="18" charset="-127"/>
               </a:rPr>
               <a:t>삼학 三學</a:t>
             </a:r>
-            <a:r>
-              <a:rPr lang="en-US" altLang="ko-KR" sz="4800" dirty="0" smtClean="0">
-                <a:latin typeface="HY견명조" panose="02030600000101010101" pitchFamily="18" charset="-127"/>
-                <a:ea typeface="HY견명조" panose="02030600000101010101" pitchFamily="18" charset="-127"/>
-              </a:rPr>
-              <a:t/>
-            </a:r>
             <a:br>
-              <a:rPr lang="en-US" altLang="ko-KR" sz="4800" dirty="0" smtClean="0">
+              <a:rPr lang="en-US" altLang="ko-KR" sz="4800" dirty="0">
                 <a:latin typeface="HY견명조" panose="02030600000101010101" pitchFamily="18" charset="-127"/>
                 <a:ea typeface="HY견명조" panose="02030600000101010101" pitchFamily="18" charset="-127"/>
               </a:rPr>
             </a:br>
             <a:r>
-              <a:rPr lang="ko-KR" altLang="en-US" sz="4800" dirty="0" smtClean="0">
-                <a:latin typeface="HY견명조" panose="02030600000101010101" pitchFamily="18" charset="-127"/>
-                <a:ea typeface="HY견명조" panose="02030600000101010101" pitchFamily="18" charset="-127"/>
-              </a:rPr>
-              <a:t>戒계 </a:t>
-            </a:r>
-            <a:r>
               <a:rPr lang="ko-KR" altLang="en-US" sz="4800" dirty="0">
                 <a:latin typeface="HY견명조" panose="02030600000101010101" pitchFamily="18" charset="-127"/>
                 <a:ea typeface="HY견명조" panose="02030600000101010101" pitchFamily="18" charset="-127"/>
               </a:rPr>
-              <a:t>定정 </a:t>
-            </a:r>
-            <a:r>
-              <a:rPr lang="ko-KR" altLang="en-US" sz="4800" dirty="0" smtClean="0">
-                <a:latin typeface="HY견명조" panose="02030600000101010101" pitchFamily="18" charset="-127"/>
-                <a:ea typeface="HY견명조" panose="02030600000101010101" pitchFamily="18" charset="-127"/>
-              </a:rPr>
-              <a:t>慧혜</a:t>
+              <a:t>戒계 定정 慧혜</a:t>
             </a:r>
             <a:endParaRPr lang="en-US" altLang="ko-KR" sz="4800" dirty="0">
               <a:latin typeface="HY견명조" panose="02030600000101010101" pitchFamily="18" charset="-127"/>
@@ -5839,48 +5951,48 @@
               </a:spcAft>
             </a:pPr>
             <a:r>
-              <a:rPr lang="ko-KR" altLang="en-US" sz="4800" dirty="0" smtClean="0">
+              <a:rPr lang="ko-KR" altLang="en-US" sz="4800" dirty="0">
                 <a:latin typeface="HY견명조" panose="02030600000101010101" pitchFamily="18" charset="-127"/>
                 <a:ea typeface="HY견명조" panose="02030600000101010101" pitchFamily="18" charset="-127"/>
               </a:rPr>
               <a:t>육바라밀 六波羅蜜</a:t>
             </a:r>
-            <a:endParaRPr lang="en-US" altLang="ko-KR" sz="4800" dirty="0" smtClean="0">
+            <a:endParaRPr lang="en-US" altLang="ko-KR" sz="4800" dirty="0">
               <a:latin typeface="HY견명조" panose="02030600000101010101" pitchFamily="18" charset="-127"/>
               <a:ea typeface="HY견명조" panose="02030600000101010101" pitchFamily="18" charset="-127"/>
             </a:endParaRPr>
           </a:p>
           <a:p>
             <a:r>
-              <a:rPr lang="en-US" altLang="ko-KR" sz="4000" dirty="0" smtClean="0">
+              <a:rPr lang="en-US" altLang="ko-KR" sz="4000" dirty="0">
                 <a:latin typeface="HY견명조" panose="02030600000101010101" pitchFamily="18" charset="-127"/>
                 <a:ea typeface="HY견명조" panose="02030600000101010101" pitchFamily="18" charset="-127"/>
               </a:rPr>
               <a:t>·</a:t>
             </a:r>
             <a:r>
-              <a:rPr lang="ko-KR" altLang="en-US" sz="4000" dirty="0" smtClean="0">
+              <a:rPr lang="ko-KR" altLang="en-US" sz="4000" dirty="0">
                 <a:latin typeface="HY견명조" panose="02030600000101010101" pitchFamily="18" charset="-127"/>
                 <a:ea typeface="HY견명조" panose="02030600000101010101" pitchFamily="18" charset="-127"/>
               </a:rPr>
               <a:t>보시</a:t>
             </a:r>
             <a:r>
-              <a:rPr lang="en-US" altLang="ko-KR" sz="4000" dirty="0" smtClean="0">
+              <a:rPr lang="en-US" altLang="ko-KR" sz="4000" dirty="0">
                 <a:latin typeface="HY견명조" panose="02030600000101010101" pitchFamily="18" charset="-127"/>
                 <a:ea typeface="HY견명조" panose="02030600000101010101" pitchFamily="18" charset="-127"/>
               </a:rPr>
               <a:t>(</a:t>
             </a:r>
             <a:r>
-              <a:rPr lang="ko-KR" altLang="en-US" sz="4000" dirty="0" smtClean="0">
+              <a:rPr lang="ko-KR" altLang="en-US" sz="4000" dirty="0">
                 <a:latin typeface="HY견명조" panose="02030600000101010101" pitchFamily="18" charset="-127"/>
                 <a:ea typeface="HY견명조" panose="02030600000101010101" pitchFamily="18" charset="-127"/>
               </a:rPr>
               <a:t>布施</a:t>
             </a:r>
             <a:r>
-              <a:rPr lang="en-US" altLang="ko-KR" sz="4000" dirty="0" smtClean="0">
+              <a:rPr lang="en-US" altLang="ko-KR" sz="4000" dirty="0">
                 <a:latin typeface="HY견명조" panose="02030600000101010101" pitchFamily="18" charset="-127"/>
                 <a:ea typeface="HY견명조" panose="02030600000101010101" pitchFamily="18" charset="-127"/>
               </a:rPr>
@@ -5889,35 +6001,35 @@
           </a:p>
           <a:p>
             <a:r>
-              <a:rPr lang="en-US" altLang="ko-KR" sz="4000" dirty="0" smtClean="0">
+              <a:rPr lang="en-US" altLang="ko-KR" sz="4000" dirty="0">
                 <a:latin typeface="HY견명조" panose="02030600000101010101" pitchFamily="18" charset="-127"/>
                 <a:ea typeface="HY견명조" panose="02030600000101010101" pitchFamily="18" charset="-127"/>
               </a:rPr>
               <a:t>·</a:t>
             </a:r>
             <a:r>
-              <a:rPr lang="ko-KR" altLang="en-US" sz="4000" dirty="0" smtClean="0">
+              <a:rPr lang="ko-KR" altLang="en-US" sz="4000" dirty="0">
                 <a:latin typeface="HY견명조" panose="02030600000101010101" pitchFamily="18" charset="-127"/>
                 <a:ea typeface="HY견명조" panose="02030600000101010101" pitchFamily="18" charset="-127"/>
               </a:rPr>
               <a:t>지계</a:t>
             </a:r>
             <a:r>
-              <a:rPr lang="en-US" altLang="ko-KR" sz="4000" dirty="0" smtClean="0">
+              <a:rPr lang="en-US" altLang="ko-KR" sz="4000" dirty="0">
                 <a:latin typeface="HY견명조" panose="02030600000101010101" pitchFamily="18" charset="-127"/>
                 <a:ea typeface="HY견명조" panose="02030600000101010101" pitchFamily="18" charset="-127"/>
               </a:rPr>
               <a:t>(</a:t>
             </a:r>
             <a:r>
-              <a:rPr lang="ko-KR" altLang="en-US" sz="4000" dirty="0" smtClean="0">
+              <a:rPr lang="ko-KR" altLang="en-US" sz="4000" dirty="0">
                 <a:latin typeface="HY견명조" panose="02030600000101010101" pitchFamily="18" charset="-127"/>
                 <a:ea typeface="HY견명조" panose="02030600000101010101" pitchFamily="18" charset="-127"/>
               </a:rPr>
               <a:t>持戒</a:t>
             </a:r>
             <a:r>
-              <a:rPr lang="en-US" altLang="ko-KR" sz="4000" dirty="0" smtClean="0">
+              <a:rPr lang="en-US" altLang="ko-KR" sz="4000" dirty="0">
                 <a:latin typeface="HY견명조" panose="02030600000101010101" pitchFamily="18" charset="-127"/>
                 <a:ea typeface="HY견명조" panose="02030600000101010101" pitchFamily="18" charset="-127"/>
               </a:rPr>
@@ -5926,7 +6038,7 @@
           </a:p>
           <a:p>
             <a:r>
-              <a:rPr lang="en-US" altLang="ko-KR" sz="4000" dirty="0" smtClean="0">
+              <a:rPr lang="en-US" altLang="ko-KR" sz="4000" dirty="0">
                 <a:latin typeface="HY견명조" panose="02030600000101010101" pitchFamily="18" charset="-127"/>
                 <a:ea typeface="HY견명조" panose="02030600000101010101" pitchFamily="18" charset="-127"/>
               </a:rPr>
@@ -5954,7 +6066,7 @@
               <a:t>忍辱</a:t>
             </a:r>
             <a:r>
-              <a:rPr lang="en-US" altLang="ko-KR" sz="4000" dirty="0" smtClean="0">
+              <a:rPr lang="en-US" altLang="ko-KR" sz="4000" dirty="0">
                 <a:latin typeface="HY견명조" panose="02030600000101010101" pitchFamily="18" charset="-127"/>
                 <a:ea typeface="HY견명조" panose="02030600000101010101" pitchFamily="18" charset="-127"/>
               </a:rPr>
@@ -5963,7 +6075,7 @@
           </a:p>
           <a:p>
             <a:r>
-              <a:rPr lang="en-US" altLang="ko-KR" sz="4000" dirty="0" smtClean="0">
+              <a:rPr lang="en-US" altLang="ko-KR" sz="4000" dirty="0">
                 <a:latin typeface="HY견명조" panose="02030600000101010101" pitchFamily="18" charset="-127"/>
                 <a:ea typeface="HY견명조" panose="02030600000101010101" pitchFamily="18" charset="-127"/>
               </a:rPr>
@@ -5991,7 +6103,7 @@
               <a:t>精進</a:t>
             </a:r>
             <a:r>
-              <a:rPr lang="en-US" altLang="ko-KR" sz="4000" dirty="0" smtClean="0">
+              <a:rPr lang="en-US" altLang="ko-KR" sz="4000" dirty="0">
                 <a:latin typeface="HY견명조" panose="02030600000101010101" pitchFamily="18" charset="-127"/>
                 <a:ea typeface="HY견명조" panose="02030600000101010101" pitchFamily="18" charset="-127"/>
               </a:rPr>
@@ -6000,7 +6112,7 @@
           </a:p>
           <a:p>
             <a:r>
-              <a:rPr lang="en-US" altLang="ko-KR" sz="4000" dirty="0" smtClean="0">
+              <a:rPr lang="en-US" altLang="ko-KR" sz="4000" dirty="0">
                 <a:latin typeface="HY견명조" panose="02030600000101010101" pitchFamily="18" charset="-127"/>
                 <a:ea typeface="HY견명조" panose="02030600000101010101" pitchFamily="18" charset="-127"/>
               </a:rPr>
@@ -6028,7 +6140,7 @@
               <a:t>禪定</a:t>
             </a:r>
             <a:r>
-              <a:rPr lang="en-US" altLang="ko-KR" sz="4000" dirty="0" smtClean="0">
+              <a:rPr lang="en-US" altLang="ko-KR" sz="4000" dirty="0">
                 <a:latin typeface="HY견명조" panose="02030600000101010101" pitchFamily="18" charset="-127"/>
                 <a:ea typeface="HY견명조" panose="02030600000101010101" pitchFamily="18" charset="-127"/>
               </a:rPr>
@@ -6037,7 +6149,7 @@
           </a:p>
           <a:p>
             <a:r>
-              <a:rPr lang="en-US" altLang="ko-KR" sz="4000" dirty="0" smtClean="0">
+              <a:rPr lang="en-US" altLang="ko-KR" sz="4000" dirty="0">
                 <a:latin typeface="HY견명조" panose="02030600000101010101" pitchFamily="18" charset="-127"/>
                 <a:ea typeface="HY견명조" panose="02030600000101010101" pitchFamily="18" charset="-127"/>
               </a:rPr>
@@ -6065,7 +6177,7 @@
               <a:t>般若波羅蜜</a:t>
             </a:r>
             <a:r>
-              <a:rPr lang="en-US" altLang="ko-KR" sz="4000" dirty="0" smtClean="0">
+              <a:rPr lang="en-US" altLang="ko-KR" sz="4000" dirty="0">
                 <a:latin typeface="HY견명조" panose="02030600000101010101" pitchFamily="18" charset="-127"/>
                 <a:ea typeface="HY견명조" panose="02030600000101010101" pitchFamily="18" charset="-127"/>
               </a:rPr>
@@ -6562,43 +6674,32 @@
           <a:p>
             <a:pPr algn="ctr"/>
             <a:r>
-              <a:rPr lang="ko-KR" altLang="en-US" sz="4800" dirty="0" smtClean="0">
+              <a:rPr lang="ko-KR" altLang="en-US" sz="4800" dirty="0">
                 <a:latin typeface="HY견명조" panose="02030600000101010101" pitchFamily="18" charset="-127"/>
                 <a:ea typeface="HY견명조" panose="02030600000101010101" pitchFamily="18" charset="-127"/>
               </a:rPr>
               <a:t>반야심경의 </a:t>
             </a:r>
             <a:r>
-              <a:rPr lang="ko-KR" altLang="en-US" sz="4800" dirty="0" err="1" smtClean="0">
+              <a:rPr lang="ko-KR" altLang="en-US" sz="4800" dirty="0" err="1">
                 <a:latin typeface="HY견명조" panose="02030600000101010101" pitchFamily="18" charset="-127"/>
                 <a:ea typeface="HY견명조" panose="02030600000101010101" pitchFamily="18" charset="-127"/>
               </a:rPr>
               <a:t>종취</a:t>
             </a:r>
-            <a:r>
-              <a:rPr lang="en-US" altLang="ko-KR" sz="4800" dirty="0" smtClean="0">
-                <a:latin typeface="HY견명조" panose="02030600000101010101" pitchFamily="18" charset="-127"/>
-                <a:ea typeface="HY견명조" panose="02030600000101010101" pitchFamily="18" charset="-127"/>
-              </a:rPr>
-              <a:t/>
-            </a:r>
             <a:br>
-              <a:rPr lang="en-US" altLang="ko-KR" sz="4800" dirty="0" smtClean="0">
+              <a:rPr lang="en-US" altLang="ko-KR" sz="4800" dirty="0">
                 <a:latin typeface="HY견명조" panose="02030600000101010101" pitchFamily="18" charset="-127"/>
                 <a:ea typeface="HY견명조" panose="02030600000101010101" pitchFamily="18" charset="-127"/>
               </a:rPr>
             </a:br>
             <a:r>
-              <a:rPr lang="ko-KR" altLang="en-US" sz="4800" dirty="0" smtClean="0">
+              <a:rPr lang="ko-KR" altLang="en-US" sz="4800" dirty="0">
                 <a:latin typeface="HY견명조" panose="02030600000101010101" pitchFamily="18" charset="-127"/>
                 <a:ea typeface="HY견명조" panose="02030600000101010101" pitchFamily="18" charset="-127"/>
               </a:rPr>
               <a:t>般若心經의 宗趣</a:t>
             </a:r>
-            <a:endParaRPr lang="ko-KR" altLang="en-US" sz="4800" dirty="0">
-              <a:latin typeface="HY견명조" panose="02030600000101010101" pitchFamily="18" charset="-127"/>
-              <a:ea typeface="HY견명조" panose="02030600000101010101" pitchFamily="18" charset="-127"/>
-            </a:endParaRPr>
           </a:p>
         </p:txBody>
       </p:sp>
@@ -6657,13 +6758,13 @@
               <a:buAutoNum type="arabicPeriod"/>
             </a:pPr>
             <a:r>
-              <a:rPr lang="ko-KR" altLang="en-US" sz="4800" dirty="0" smtClean="0">
+              <a:rPr lang="ko-KR" altLang="en-US" sz="4800" dirty="0">
                 <a:latin typeface="HY견명조" panose="02030600000101010101" pitchFamily="18" charset="-127"/>
                 <a:ea typeface="HY견명조" panose="02030600000101010101" pitchFamily="18" charset="-127"/>
               </a:rPr>
               <a:t>實相般若</a:t>
             </a:r>
-            <a:endParaRPr lang="en-US" altLang="ko-KR" sz="4800" dirty="0" smtClean="0">
+            <a:endParaRPr lang="en-US" altLang="ko-KR" sz="4800" dirty="0">
               <a:latin typeface="HY견명조" panose="02030600000101010101" pitchFamily="18" charset="-127"/>
               <a:ea typeface="HY견명조" panose="02030600000101010101" pitchFamily="18" charset="-127"/>
             </a:endParaRPr>
@@ -6677,13 +6778,13 @@
               <a:buAutoNum type="arabicPeriod"/>
             </a:pPr>
             <a:r>
-              <a:rPr lang="ko-KR" altLang="en-US" sz="4800" dirty="0" smtClean="0">
+              <a:rPr lang="ko-KR" altLang="en-US" sz="4800" dirty="0">
                 <a:latin typeface="HY견명조" panose="02030600000101010101" pitchFamily="18" charset="-127"/>
                 <a:ea typeface="HY견명조" panose="02030600000101010101" pitchFamily="18" charset="-127"/>
               </a:rPr>
               <a:t>觀照般若</a:t>
             </a:r>
-            <a:endParaRPr lang="en-US" altLang="ko-KR" sz="4800" dirty="0" smtClean="0">
+            <a:endParaRPr lang="en-US" altLang="ko-KR" sz="4800" dirty="0">
               <a:latin typeface="HY견명조" panose="02030600000101010101" pitchFamily="18" charset="-127"/>
               <a:ea typeface="HY견명조" panose="02030600000101010101" pitchFamily="18" charset="-127"/>
             </a:endParaRPr>
@@ -6697,34 +6798,20 @@
               <a:buAutoNum type="arabicPeriod"/>
             </a:pPr>
             <a:r>
-              <a:rPr lang="ko-KR" altLang="en-US" sz="4800" dirty="0" smtClean="0">
+              <a:rPr lang="ko-KR" altLang="en-US" sz="4800" dirty="0">
                 <a:latin typeface="HY견명조" panose="02030600000101010101" pitchFamily="18" charset="-127"/>
                 <a:ea typeface="HY견명조" panose="02030600000101010101" pitchFamily="18" charset="-127"/>
               </a:rPr>
               <a:t>文字般若 方便般若</a:t>
             </a:r>
-            <a:r>
-              <a:rPr lang="en-US" altLang="ko-KR" sz="4800" dirty="0" smtClean="0">
-                <a:latin typeface="HY견명조" panose="02030600000101010101" pitchFamily="18" charset="-127"/>
-                <a:ea typeface="HY견명조" panose="02030600000101010101" pitchFamily="18" charset="-127"/>
-              </a:rPr>
-              <a:t/>
-            </a:r>
             <a:br>
-              <a:rPr lang="en-US" altLang="ko-KR" sz="4800" dirty="0" smtClean="0">
+              <a:rPr lang="en-US" altLang="ko-KR" sz="4800" dirty="0">
                 <a:latin typeface="HY견명조" panose="02030600000101010101" pitchFamily="18" charset="-127"/>
                 <a:ea typeface="HY견명조" panose="02030600000101010101" pitchFamily="18" charset="-127"/>
               </a:rPr>
             </a:br>
-            <a:r>
-              <a:rPr lang="en-US" altLang="ko-KR" sz="4800" dirty="0" smtClean="0">
-                <a:latin typeface="HY견명조" panose="02030600000101010101" pitchFamily="18" charset="-127"/>
-                <a:ea typeface="HY견명조" panose="02030600000101010101" pitchFamily="18" charset="-127"/>
-              </a:rPr>
-              <a:t/>
-            </a:r>
             <a:br>
-              <a:rPr lang="en-US" altLang="ko-KR" sz="4800" dirty="0" smtClean="0">
+              <a:rPr lang="en-US" altLang="ko-KR" sz="4800" dirty="0">
                 <a:latin typeface="HY견명조" panose="02030600000101010101" pitchFamily="18" charset="-127"/>
                 <a:ea typeface="HY견명조" panose="02030600000101010101" pitchFamily="18" charset="-127"/>
               </a:rPr>
@@ -8780,26 +8867,12 @@
               </a:rPr>
               <a:t>지장보살 멸장업진언</a:t>
             </a:r>
-            <a:r>
-              <a:rPr lang="en-US" altLang="ko-KR" sz="4800">
-                <a:latin typeface="HY견명조" panose="02030600000101010101" pitchFamily="18" charset="-127"/>
-                <a:ea typeface="HY견명조" panose="02030600000101010101" pitchFamily="18" charset="-127"/>
-              </a:rPr>
-              <a:t/>
-            </a:r>
             <a:br>
               <a:rPr lang="en-US" altLang="ko-KR" sz="4800">
                 <a:latin typeface="HY견명조" panose="02030600000101010101" pitchFamily="18" charset="-127"/>
                 <a:ea typeface="HY견명조" panose="02030600000101010101" pitchFamily="18" charset="-127"/>
               </a:rPr>
             </a:br>
-            <a:r>
-              <a:rPr lang="en-US" altLang="ko-KR" sz="4800">
-                <a:latin typeface="HY견명조" panose="02030600000101010101" pitchFamily="18" charset="-127"/>
-                <a:ea typeface="HY견명조" panose="02030600000101010101" pitchFamily="18" charset="-127"/>
-              </a:rPr>
-              <a:t/>
-            </a:r>
             <a:br>
               <a:rPr lang="en-US" altLang="ko-KR" sz="4800">
                 <a:latin typeface="HY견명조" panose="02030600000101010101" pitchFamily="18" charset="-127"/>
@@ -8920,7 +8993,7 @@
         </p:spPr>
         <p:txBody>
           <a:bodyPr>
-            <a:normAutofit lnSpcReduction="10000"/>
+            <a:normAutofit/>
           </a:bodyPr>
           <a:lstStyle/>
           <a:p>
@@ -8974,13 +9047,6 @@
               </a:rPr>
               <a:t>)</a:t>
             </a:r>
-            <a:r>
-              <a:rPr lang="ko-KR" altLang="en-US" sz="3600" dirty="0">
-                <a:latin typeface="HY견명조" panose="02030600000101010101" pitchFamily="18" charset="-127"/>
-                <a:ea typeface="HY견명조" panose="02030600000101010101" pitchFamily="18" charset="-127"/>
-              </a:rPr>
-              <a:t/>
-            </a:r>
             <a:br>
               <a:rPr lang="ko-KR" altLang="en-US" sz="3600" dirty="0">
                 <a:latin typeface="HY견명조" panose="02030600000101010101" pitchFamily="18" charset="-127"/>
@@ -9031,13 +9097,6 @@
               </a:rPr>
               <a:t>)</a:t>
             </a:r>
-            <a:r>
-              <a:rPr lang="ko-KR" altLang="en-US" sz="3600" dirty="0">
-                <a:latin typeface="HY견명조" panose="02030600000101010101" pitchFamily="18" charset="-127"/>
-                <a:ea typeface="HY견명조" panose="02030600000101010101" pitchFamily="18" charset="-127"/>
-              </a:rPr>
-              <a:t/>
-            </a:r>
             <a:br>
               <a:rPr lang="ko-KR" altLang="en-US" sz="3600" dirty="0">
                 <a:latin typeface="HY견명조" panose="02030600000101010101" pitchFamily="18" charset="-127"/>
@@ -9088,13 +9147,6 @@
               </a:rPr>
               <a:t>)</a:t>
             </a:r>
-            <a:r>
-              <a:rPr lang="ko-KR" altLang="en-US" sz="3600" dirty="0">
-                <a:latin typeface="HY견명조" panose="02030600000101010101" pitchFamily="18" charset="-127"/>
-                <a:ea typeface="HY견명조" panose="02030600000101010101" pitchFamily="18" charset="-127"/>
-              </a:rPr>
-              <a:t/>
-            </a:r>
             <a:br>
               <a:rPr lang="ko-KR" altLang="en-US" sz="3600" dirty="0">
                 <a:latin typeface="HY견명조" panose="02030600000101010101" pitchFamily="18" charset="-127"/>
@@ -9144,13 +9196,6 @@
                 <a:ea typeface="HY견명조" panose="02030600000101010101" pitchFamily="18" charset="-127"/>
               </a:rPr>
               <a:t>) </a:t>
-            </a:r>
-            <a:r>
-              <a:rPr lang="ko-KR" altLang="en-US" sz="3600" dirty="0">
-                <a:latin typeface="HY견명조" panose="02030600000101010101" pitchFamily="18" charset="-127"/>
-                <a:ea typeface="HY견명조" panose="02030600000101010101" pitchFamily="18" charset="-127"/>
-              </a:rPr>
-              <a:t/>
             </a:r>
             <a:br>
               <a:rPr lang="ko-KR" altLang="en-US" sz="3600" dirty="0">
@@ -9249,26 +9294,12 @@
               </a:rPr>
               <a:t>멸장업진언</a:t>
             </a:r>
-            <a:r>
-              <a:rPr lang="en-US" altLang="ko-KR" sz="4800" dirty="0">
-                <a:latin typeface="HY견명조" panose="02030600000101010101" pitchFamily="18" charset="-127"/>
-                <a:ea typeface="HY견명조" panose="02030600000101010101" pitchFamily="18" charset="-127"/>
-              </a:rPr>
-              <a:t/>
-            </a:r>
             <a:br>
               <a:rPr lang="en-US" altLang="ko-KR" sz="4800" dirty="0">
                 <a:latin typeface="HY견명조" panose="02030600000101010101" pitchFamily="18" charset="-127"/>
                 <a:ea typeface="HY견명조" panose="02030600000101010101" pitchFamily="18" charset="-127"/>
               </a:rPr>
             </a:br>
-            <a:r>
-              <a:rPr lang="en-US" altLang="ko-KR" sz="4800" dirty="0">
-                <a:latin typeface="HY견명조" panose="02030600000101010101" pitchFamily="18" charset="-127"/>
-                <a:ea typeface="HY견명조" panose="02030600000101010101" pitchFamily="18" charset="-127"/>
-              </a:rPr>
-              <a:t/>
-            </a:r>
             <a:br>
               <a:rPr lang="en-US" altLang="ko-KR" sz="4800" dirty="0">
                 <a:latin typeface="HY견명조" panose="02030600000101010101" pitchFamily="18" charset="-127"/>

--- a/불교/[암기장]  1 불교 20220623목.pptx
+++ b/불교/[암기장]  1 불교 20220623목.pptx
@@ -25,6 +25,7 @@
     <p:sldId id="275" r:id="rId19"/>
     <p:sldId id="276" r:id="rId20"/>
     <p:sldId id="277" r:id="rId21"/>
+    <p:sldId id="278" r:id="rId22"/>
   </p:sldIdLst>
   <p:sldSz cx="6858000" cy="9906000" type="A4"/>
   <p:notesSz cx="7104063" cy="10234613"/>
@@ -6827,6 +6828,355 @@
     <p:extLst>
       <p:ext uri="{BB962C8B-B14F-4D97-AF65-F5344CB8AC3E}">
         <p14:creationId xmlns:p14="http://schemas.microsoft.com/office/powerpoint/2010/main" val="1462585952"/>
+      </p:ext>
+    </p:extLst>
+  </p:cSld>
+  <p:clrMapOvr>
+    <a:masterClrMapping/>
+  </p:clrMapOvr>
+</p:sld>
+</file>
+
+<file path=ppt/slides/slide21.xml><?xml version="1.0" encoding="utf-8"?>
+<p:sld xmlns:a="http://schemas.openxmlformats.org/drawingml/2006/main" xmlns:r="http://schemas.openxmlformats.org/officeDocument/2006/relationships" xmlns:p="http://schemas.openxmlformats.org/presentationml/2006/main">
+  <p:cSld>
+    <p:spTree>
+      <p:nvGrpSpPr>
+        <p:cNvPr id="1" name=""/>
+        <p:cNvGrpSpPr/>
+        <p:nvPr/>
+      </p:nvGrpSpPr>
+      <p:grpSpPr>
+        <a:xfrm>
+          <a:off x="0" y="0"/>
+          <a:ext cx="0" cy="0"/>
+          <a:chOff x="0" y="0"/>
+          <a:chExt cx="0" cy="0"/>
+        </a:xfrm>
+      </p:grpSpPr>
+      <p:sp>
+        <p:nvSpPr>
+          <p:cNvPr id="2" name="제목 1">
+            <a:extLst>
+              <a:ext uri="{FF2B5EF4-FFF2-40B4-BE49-F238E27FC236}">
+                <a16:creationId xmlns:a16="http://schemas.microsoft.com/office/drawing/2014/main" id="{99C82029-9811-096C-7E2E-CFE1C7ACC26F}"/>
+              </a:ext>
+            </a:extLst>
+          </p:cNvPr>
+          <p:cNvSpPr>
+            <a:spLocks noGrp="1"/>
+          </p:cNvSpPr>
+          <p:nvPr>
+            <p:ph type="title"/>
+          </p:nvPr>
+        </p:nvSpPr>
+        <p:spPr>
+          <a:xfrm>
+            <a:off x="188913" y="302961"/>
+            <a:ext cx="5915025" cy="1914702"/>
+          </a:xfrm>
+        </p:spPr>
+        <p:txBody>
+          <a:bodyPr>
+            <a:normAutofit/>
+          </a:bodyPr>
+          <a:lstStyle/>
+          <a:p>
+            <a:pPr algn="ctr"/>
+            <a:r>
+              <a:rPr lang="ko-KR" altLang="en-US" sz="4800" dirty="0">
+                <a:latin typeface="HY견명조" panose="02030600000101010101" pitchFamily="18" charset="-127"/>
+                <a:ea typeface="HY견명조" panose="02030600000101010101" pitchFamily="18" charset="-127"/>
+              </a:rPr>
+              <a:t>육바라밀 六波羅蜜</a:t>
+            </a:r>
+          </a:p>
+        </p:txBody>
+      </p:sp>
+      <p:sp>
+        <p:nvSpPr>
+          <p:cNvPr id="5" name="제목 1">
+            <a:extLst>
+              <a:ext uri="{FF2B5EF4-FFF2-40B4-BE49-F238E27FC236}">
+                <a16:creationId xmlns:a16="http://schemas.microsoft.com/office/drawing/2014/main" id="{99C82029-9811-096C-7E2E-CFE1C7ACC26F}"/>
+              </a:ext>
+            </a:extLst>
+          </p:cNvPr>
+          <p:cNvSpPr txBox="1">
+            <a:spLocks/>
+          </p:cNvSpPr>
+          <p:nvPr/>
+        </p:nvSpPr>
+        <p:spPr>
+          <a:xfrm>
+            <a:off x="471487" y="2400543"/>
+            <a:ext cx="6225148" cy="6676221"/>
+          </a:xfrm>
+          <a:prstGeom prst="rect">
+            <a:avLst/>
+          </a:prstGeom>
+        </p:spPr>
+        <p:txBody>
+          <a:bodyPr vert="horz" lIns="91440" tIns="45720" rIns="91440" bIns="45720" rtlCol="0" anchor="ctr">
+            <a:noAutofit/>
+          </a:bodyPr>
+          <a:lstStyle>
+            <a:lvl1pPr algn="l" defTabSz="685800" rtl="0" eaLnBrk="1" latinLnBrk="1" hangingPunct="1">
+              <a:lnSpc>
+                <a:spcPct val="90000"/>
+              </a:lnSpc>
+              <a:spcBef>
+                <a:spcPct val="0"/>
+              </a:spcBef>
+              <a:buNone/>
+              <a:defRPr sz="3300" kern="1200">
+                <a:solidFill>
+                  <a:schemeClr val="tx1"/>
+                </a:solidFill>
+                <a:latin typeface="+mj-lt"/>
+                <a:ea typeface="+mj-ea"/>
+                <a:cs typeface="+mj-cs"/>
+              </a:defRPr>
+            </a:lvl1pPr>
+          </a:lstStyle>
+          <a:p>
+            <a:pPr marL="539750" indent="-539750">
+              <a:lnSpc>
+                <a:spcPct val="150000"/>
+              </a:lnSpc>
+              <a:buFont typeface="+mj-lt"/>
+              <a:buAutoNum type="arabicPeriod"/>
+            </a:pPr>
+            <a:r>
+              <a:rPr lang="ko-KR" altLang="en-US" sz="4000" dirty="0">
+                <a:latin typeface="HY견명조" panose="02030600000101010101" pitchFamily="18" charset="-127"/>
+                <a:ea typeface="HY견명조" panose="02030600000101010101" pitchFamily="18" charset="-127"/>
+              </a:rPr>
+              <a:t>보시</a:t>
+            </a:r>
+            <a:r>
+              <a:rPr lang="en-US" altLang="ko-KR" sz="4000" dirty="0">
+                <a:latin typeface="HY견명조" panose="02030600000101010101" pitchFamily="18" charset="-127"/>
+                <a:ea typeface="HY견명조" panose="02030600000101010101" pitchFamily="18" charset="-127"/>
+              </a:rPr>
+              <a:t>(</a:t>
+            </a:r>
+            <a:r>
+              <a:rPr lang="ko-KR" altLang="en-US" sz="4000" dirty="0">
+                <a:latin typeface="HY견명조" panose="02030600000101010101" pitchFamily="18" charset="-127"/>
+                <a:ea typeface="HY견명조" panose="02030600000101010101" pitchFamily="18" charset="-127"/>
+              </a:rPr>
+              <a:t>布施</a:t>
+            </a:r>
+            <a:r>
+              <a:rPr lang="en-US" altLang="ko-KR" sz="4000" dirty="0">
+                <a:latin typeface="HY견명조" panose="02030600000101010101" pitchFamily="18" charset="-127"/>
+                <a:ea typeface="HY견명조" panose="02030600000101010101" pitchFamily="18" charset="-127"/>
+              </a:rPr>
+              <a:t>)</a:t>
+            </a:r>
+          </a:p>
+          <a:p>
+            <a:pPr marL="539750" indent="-539750">
+              <a:lnSpc>
+                <a:spcPct val="150000"/>
+              </a:lnSpc>
+              <a:buFont typeface="+mj-lt"/>
+              <a:buAutoNum type="arabicPeriod"/>
+            </a:pPr>
+            <a:r>
+              <a:rPr lang="ko-KR" altLang="en-US" sz="4000" dirty="0">
+                <a:latin typeface="HY견명조" panose="02030600000101010101" pitchFamily="18" charset="-127"/>
+                <a:ea typeface="HY견명조" panose="02030600000101010101" pitchFamily="18" charset="-127"/>
+              </a:rPr>
+              <a:t>지계</a:t>
+            </a:r>
+            <a:r>
+              <a:rPr lang="en-US" altLang="ko-KR" sz="4000" dirty="0">
+                <a:latin typeface="HY견명조" panose="02030600000101010101" pitchFamily="18" charset="-127"/>
+                <a:ea typeface="HY견명조" panose="02030600000101010101" pitchFamily="18" charset="-127"/>
+              </a:rPr>
+              <a:t>(</a:t>
+            </a:r>
+            <a:r>
+              <a:rPr lang="ko-KR" altLang="en-US" sz="4000" dirty="0">
+                <a:latin typeface="HY견명조" panose="02030600000101010101" pitchFamily="18" charset="-127"/>
+                <a:ea typeface="HY견명조" panose="02030600000101010101" pitchFamily="18" charset="-127"/>
+              </a:rPr>
+              <a:t>持戒</a:t>
+            </a:r>
+            <a:r>
+              <a:rPr lang="en-US" altLang="ko-KR" sz="4000" dirty="0">
+                <a:latin typeface="HY견명조" panose="02030600000101010101" pitchFamily="18" charset="-127"/>
+                <a:ea typeface="HY견명조" panose="02030600000101010101" pitchFamily="18" charset="-127"/>
+              </a:rPr>
+              <a:t>)</a:t>
+            </a:r>
+          </a:p>
+          <a:p>
+            <a:pPr marL="539750" indent="-539750">
+              <a:lnSpc>
+                <a:spcPct val="150000"/>
+              </a:lnSpc>
+              <a:buFont typeface="+mj-lt"/>
+              <a:buAutoNum type="arabicPeriod"/>
+            </a:pPr>
+            <a:r>
+              <a:rPr lang="ko-KR" altLang="en-US" sz="4000" dirty="0" err="1">
+                <a:latin typeface="HY견명조" panose="02030600000101010101" pitchFamily="18" charset="-127"/>
+                <a:ea typeface="HY견명조" panose="02030600000101010101" pitchFamily="18" charset="-127"/>
+              </a:rPr>
+              <a:t>인욕</a:t>
+            </a:r>
+            <a:r>
+              <a:rPr lang="en-US" altLang="ko-KR" sz="4000" dirty="0">
+                <a:latin typeface="HY견명조" panose="02030600000101010101" pitchFamily="18" charset="-127"/>
+                <a:ea typeface="HY견명조" panose="02030600000101010101" pitchFamily="18" charset="-127"/>
+              </a:rPr>
+              <a:t>(</a:t>
+            </a:r>
+            <a:r>
+              <a:rPr lang="ko-KR" altLang="en-US" sz="4000" dirty="0">
+                <a:latin typeface="HY견명조" panose="02030600000101010101" pitchFamily="18" charset="-127"/>
+                <a:ea typeface="HY견명조" panose="02030600000101010101" pitchFamily="18" charset="-127"/>
+              </a:rPr>
+              <a:t>忍辱</a:t>
+            </a:r>
+            <a:r>
+              <a:rPr lang="en-US" altLang="ko-KR" sz="4000" dirty="0">
+                <a:latin typeface="HY견명조" panose="02030600000101010101" pitchFamily="18" charset="-127"/>
+                <a:ea typeface="HY견명조" panose="02030600000101010101" pitchFamily="18" charset="-127"/>
+              </a:rPr>
+              <a:t>)</a:t>
+            </a:r>
+          </a:p>
+          <a:p>
+            <a:pPr marL="539750" indent="-539750">
+              <a:lnSpc>
+                <a:spcPct val="150000"/>
+              </a:lnSpc>
+              <a:buFont typeface="+mj-lt"/>
+              <a:buAutoNum type="arabicPeriod"/>
+            </a:pPr>
+            <a:r>
+              <a:rPr lang="ko-KR" altLang="en-US" sz="4000" dirty="0">
+                <a:latin typeface="HY견명조" panose="02030600000101010101" pitchFamily="18" charset="-127"/>
+                <a:ea typeface="HY견명조" panose="02030600000101010101" pitchFamily="18" charset="-127"/>
+              </a:rPr>
+              <a:t>정진</a:t>
+            </a:r>
+            <a:r>
+              <a:rPr lang="en-US" altLang="ko-KR" sz="4000" dirty="0">
+                <a:latin typeface="HY견명조" panose="02030600000101010101" pitchFamily="18" charset="-127"/>
+                <a:ea typeface="HY견명조" panose="02030600000101010101" pitchFamily="18" charset="-127"/>
+              </a:rPr>
+              <a:t>(</a:t>
+            </a:r>
+            <a:r>
+              <a:rPr lang="ko-KR" altLang="en-US" sz="4000" dirty="0">
+                <a:latin typeface="HY견명조" panose="02030600000101010101" pitchFamily="18" charset="-127"/>
+                <a:ea typeface="HY견명조" panose="02030600000101010101" pitchFamily="18" charset="-127"/>
+              </a:rPr>
+              <a:t>精進</a:t>
+            </a:r>
+            <a:r>
+              <a:rPr lang="en-US" altLang="ko-KR" sz="4000" dirty="0">
+                <a:latin typeface="HY견명조" panose="02030600000101010101" pitchFamily="18" charset="-127"/>
+                <a:ea typeface="HY견명조" panose="02030600000101010101" pitchFamily="18" charset="-127"/>
+              </a:rPr>
+              <a:t>)</a:t>
+            </a:r>
+          </a:p>
+          <a:p>
+            <a:pPr marL="539750" indent="-539750">
+              <a:lnSpc>
+                <a:spcPct val="150000"/>
+              </a:lnSpc>
+              <a:buFont typeface="+mj-lt"/>
+              <a:buAutoNum type="arabicPeriod"/>
+            </a:pPr>
+            <a:r>
+              <a:rPr lang="ko-KR" altLang="en-US" sz="4000" dirty="0">
+                <a:latin typeface="HY견명조" panose="02030600000101010101" pitchFamily="18" charset="-127"/>
+                <a:ea typeface="HY견명조" panose="02030600000101010101" pitchFamily="18" charset="-127"/>
+              </a:rPr>
+              <a:t>선정</a:t>
+            </a:r>
+            <a:r>
+              <a:rPr lang="en-US" altLang="ko-KR" sz="4000" dirty="0">
+                <a:latin typeface="HY견명조" panose="02030600000101010101" pitchFamily="18" charset="-127"/>
+                <a:ea typeface="HY견명조" panose="02030600000101010101" pitchFamily="18" charset="-127"/>
+              </a:rPr>
+              <a:t>(</a:t>
+            </a:r>
+            <a:r>
+              <a:rPr lang="ko-KR" altLang="en-US" sz="4000" dirty="0">
+                <a:latin typeface="HY견명조" panose="02030600000101010101" pitchFamily="18" charset="-127"/>
+                <a:ea typeface="HY견명조" panose="02030600000101010101" pitchFamily="18" charset="-127"/>
+              </a:rPr>
+              <a:t>禪定</a:t>
+            </a:r>
+            <a:r>
+              <a:rPr lang="en-US" altLang="ko-KR" sz="4000" dirty="0">
+                <a:latin typeface="HY견명조" panose="02030600000101010101" pitchFamily="18" charset="-127"/>
+                <a:ea typeface="HY견명조" panose="02030600000101010101" pitchFamily="18" charset="-127"/>
+              </a:rPr>
+              <a:t>)</a:t>
+            </a:r>
+          </a:p>
+          <a:p>
+            <a:pPr marL="539750" indent="-539750">
+              <a:lnSpc>
+                <a:spcPct val="150000"/>
+              </a:lnSpc>
+              <a:buFont typeface="+mj-lt"/>
+              <a:buAutoNum type="arabicPeriod"/>
+            </a:pPr>
+            <a:r>
+              <a:rPr lang="ko-KR" altLang="en-US" sz="4000" dirty="0">
+                <a:latin typeface="HY견명조" panose="02030600000101010101" pitchFamily="18" charset="-127"/>
+                <a:ea typeface="HY견명조" panose="02030600000101010101" pitchFamily="18" charset="-127"/>
+              </a:rPr>
+              <a:t>반야바라밀</a:t>
+            </a:r>
+            <a:r>
+              <a:rPr lang="en-US" altLang="ko-KR" sz="4000" dirty="0">
+                <a:latin typeface="HY견명조" panose="02030600000101010101" pitchFamily="18" charset="-127"/>
+                <a:ea typeface="HY견명조" panose="02030600000101010101" pitchFamily="18" charset="-127"/>
+              </a:rPr>
+              <a:t>(</a:t>
+            </a:r>
+            <a:r>
+              <a:rPr lang="ko-KR" altLang="en-US" sz="4000" dirty="0">
+                <a:latin typeface="HY견명조" panose="02030600000101010101" pitchFamily="18" charset="-127"/>
+                <a:ea typeface="HY견명조" panose="02030600000101010101" pitchFamily="18" charset="-127"/>
+              </a:rPr>
+              <a:t>般若波羅蜜</a:t>
+            </a:r>
+            <a:r>
+              <a:rPr lang="en-US" altLang="ko-KR" sz="4000" dirty="0">
+                <a:latin typeface="HY견명조" panose="02030600000101010101" pitchFamily="18" charset="-127"/>
+                <a:ea typeface="HY견명조" panose="02030600000101010101" pitchFamily="18" charset="-127"/>
+              </a:rPr>
+              <a:t>) </a:t>
+            </a:r>
+            <a:br>
+              <a:rPr lang="en-US" altLang="ko-KR" sz="4000" dirty="0">
+                <a:latin typeface="HY견명조" panose="02030600000101010101" pitchFamily="18" charset="-127"/>
+                <a:ea typeface="HY견명조" panose="02030600000101010101" pitchFamily="18" charset="-127"/>
+              </a:rPr>
+            </a:br>
+            <a:endParaRPr lang="ko-KR" altLang="en-US" sz="4000" dirty="0">
+              <a:latin typeface="HY견명조" panose="02030600000101010101" pitchFamily="18" charset="-127"/>
+              <a:ea typeface="HY견명조" panose="02030600000101010101" pitchFamily="18" charset="-127"/>
+            </a:endParaRPr>
+          </a:p>
+        </p:txBody>
+      </p:sp>
+    </p:spTree>
+    <p:extLst>
+      <p:ext uri="{BB962C8B-B14F-4D97-AF65-F5344CB8AC3E}">
+        <p14:creationId xmlns:p14="http://schemas.microsoft.com/office/powerpoint/2010/main" val="3218553553"/>
       </p:ext>
     </p:extLst>
   </p:cSld>
